--- a/BallsNBins_Cisco.pptx
+++ b/BallsNBins_Cisco.pptx
@@ -5,10 +5,10 @@
     <p:sldMasterId id="2147483909" r:id="rId1"/>
   </p:sldMasterIdLst>
   <p:notesMasterIdLst>
-    <p:notesMasterId r:id="rId29"/>
+    <p:notesMasterId r:id="rId32"/>
   </p:notesMasterIdLst>
   <p:handoutMasterIdLst>
-    <p:handoutMasterId r:id="rId30"/>
+    <p:handoutMasterId r:id="rId33"/>
   </p:handoutMasterIdLst>
   <p:sldIdLst>
     <p:sldId id="258" r:id="rId2"/>
@@ -37,7 +37,10 @@
     <p:sldId id="393" r:id="rId25"/>
     <p:sldId id="392" r:id="rId26"/>
     <p:sldId id="396" r:id="rId27"/>
-    <p:sldId id="397" r:id="rId28"/>
+    <p:sldId id="405" r:id="rId28"/>
+    <p:sldId id="403" r:id="rId29"/>
+    <p:sldId id="397" r:id="rId30"/>
+    <p:sldId id="404" r:id="rId31"/>
   </p:sldIdLst>
   <p:sldSz cx="9144000" cy="6858000" type="screen4x3"/>
   <p:notesSz cx="7099300" cy="10234613"/>
@@ -333,7 +336,7 @@
               <a:pPr>
                 <a:defRPr/>
               </a:pPr>
-              <a:t>7/12/2024</a:t>
+              <a:t>7/13/2024</a:t>
             </a:fld>
             <a:endParaRPr lang="en-US"/>
           </a:p>
@@ -592,7 +595,7 @@
               <a:pPr>
                 <a:defRPr/>
               </a:pPr>
-              <a:t>7/12/2024</a:t>
+              <a:t>7/13/2024</a:t>
             </a:fld>
             <a:endParaRPr lang="en-US"/>
           </a:p>
@@ -979,62 +982,6 @@
           <a:bodyPr/>
           <a:lstStyle/>
           <a:p>
-            <a:r>
-              <a:rPr lang="en-US" sz="1800" dirty="0">
-                <a:effectLst/>
-                <a:latin typeface="Times New Roman" panose="02020603050405020304" pitchFamily="18" charset="0"/>
-                <a:ea typeface="Calibri" panose="020F0502020204030204" pitchFamily="34" charset="0"/>
-                <a:cs typeface="Arial" panose="020B0604020202020204" pitchFamily="34" charset="0"/>
-              </a:rPr>
-              <a:t>I will present the paper “</a:t>
-            </a:r>
-            <a:r>
-              <a:rPr lang="en-US" sz="1800" kern="0" dirty="0"/>
-              <a:t>Distributed Asynchronous Protocol for Service</a:t>
-            </a:r>
-          </a:p>
-          <a:p>
-            <a:r>
-              <a:rPr lang="en-US" sz="1800" kern="0" dirty="0"/>
-              <a:t>Provisioning in the Edge-Cloud Continuum”.  </a:t>
-            </a:r>
-            <a:endParaRPr lang="en-US" sz="1800" dirty="0">
-              <a:effectLst/>
-              <a:latin typeface="Calibri" panose="020F0502020204030204" pitchFamily="34" charset="0"/>
-              <a:ea typeface="Calibri" panose="020F0502020204030204" pitchFamily="34" charset="0"/>
-              <a:cs typeface="Arial" panose="020B0604020202020204" pitchFamily="34" charset="0"/>
-            </a:endParaRPr>
-          </a:p>
-          <a:p>
-            <a:r>
-              <a:rPr lang="en-US" sz="1800" dirty="0">
-                <a:effectLst/>
-                <a:latin typeface="Times New Roman" panose="02020603050405020304" pitchFamily="18" charset="0"/>
-                <a:ea typeface="Calibri" panose="020F0502020204030204" pitchFamily="34" charset="0"/>
-                <a:cs typeface="Arial" panose="020B0604020202020204" pitchFamily="34" charset="0"/>
-              </a:rPr>
-              <a:t>This is a joint work with </a:t>
-            </a:r>
-            <a:r>
-              <a:rPr lang="en-US" sz="1800" b="0" dirty="0"/>
-              <a:t>Paolo </a:t>
-            </a:r>
-            <a:r>
-              <a:rPr lang="en-US" sz="1800" b="0" dirty="0" err="1"/>
-              <a:t>Giaccone</a:t>
-            </a:r>
-            <a:r>
-              <a:rPr lang="en-US" sz="1800" b="0" dirty="0"/>
-              <a:t>, and Carla F. </a:t>
-            </a:r>
-            <a:r>
-              <a:rPr lang="en-US" sz="1800" b="0" dirty="0" err="1"/>
-              <a:t>Chiasserini</a:t>
-            </a:r>
-            <a:r>
-              <a:rPr lang="en-US" sz="1800" b="0" dirty="0"/>
-              <a:t>.</a:t>
-            </a:r>
             <a:endParaRPr lang="en-US" sz="1800" dirty="0">
               <a:effectLst/>
               <a:latin typeface="Times New Roman" panose="02020603050405020304" pitchFamily="18" charset="0"/>
@@ -1138,10 +1085,7 @@
                 <a:spcPts val="800"/>
               </a:spcAft>
             </a:pPr>
-            <a:r>
-              <a:rPr lang="en-US" dirty="0"/>
-              <a:t>In the edge-cloud continuum, datacenters provide services to mobile users with hetero’ demands.  For instance, a car safety service is time-critical, and therefore must be placed in an edge datacenter, close to the users. On the other hand, an infotainment service requires larger computational resources but looser timing constraint and therefore may be placed in the cloud. Furthermore, as users are mobile, services may have to be migrated to follow the user’s trajectory.</a:t>
-            </a:r>
+            <a:endParaRPr lang="en-US" dirty="0"/>
           </a:p>
         </p:txBody>
       </p:sp>
@@ -1239,10 +1183,7 @@
                 <a:spcPts val="800"/>
               </a:spcAft>
             </a:pPr>
-            <a:r>
-              <a:rPr lang="en-US" dirty="0"/>
-              <a:t>In the edge-cloud continuum, datacenters provide services to mobile users with hetero’ demands.  For instance, a car safety service is time-critical, and therefore must be placed in an edge datacenter, close to the users. On the other hand, an infotainment service requires larger computational resources but looser timing constraint and therefore may be placed in the cloud. Furthermore, as users are mobile, services may have to be migrated to follow the user’s trajectory.</a:t>
-            </a:r>
+            <a:endParaRPr lang="en-US" dirty="0"/>
           </a:p>
         </p:txBody>
       </p:sp>
@@ -1340,10 +1281,7 @@
                 <a:spcPts val="800"/>
               </a:spcAft>
             </a:pPr>
-            <a:r>
-              <a:rPr lang="en-US" dirty="0"/>
-              <a:t>In the edge-cloud continuum, datacenters provide services to mobile users with hetero’ demands.  For instance, a car safety service is time-critical, and therefore must be placed in an edge datacenter, close to the users. On the other hand, an infotainment service requires larger computational resources but looser timing constraint and therefore may be placed in the cloud. Furthermore, as users are mobile, services may have to be migrated to follow the user’s trajectory.</a:t>
-            </a:r>
+            <a:endParaRPr lang="en-US" dirty="0"/>
           </a:p>
         </p:txBody>
       </p:sp>
@@ -1441,10 +1379,7 @@
                 <a:spcPts val="800"/>
               </a:spcAft>
             </a:pPr>
-            <a:r>
-              <a:rPr lang="en-US" dirty="0"/>
-              <a:t>In the edge-cloud continuum, datacenters provide services to mobile users with hetero’ demands.  For instance, a car safety service is time-critical, and therefore must be placed in an edge datacenter, close to the users. On the other hand, an infotainment service requires larger computational resources but looser timing constraint and therefore may be placed in the cloud. Furthermore, as users are mobile, services may have to be migrated to follow the user’s trajectory.</a:t>
-            </a:r>
+            <a:endParaRPr lang="en-US" dirty="0"/>
           </a:p>
         </p:txBody>
       </p:sp>
@@ -1542,10 +1477,7 @@
                 <a:spcPts val="800"/>
               </a:spcAft>
             </a:pPr>
-            <a:r>
-              <a:rPr lang="en-US" dirty="0"/>
-              <a:t>In the edge-cloud continuum, datacenters provide services to mobile users with hetero’ demands.  For instance, a car safety service is time-critical, and therefore must be placed in an edge datacenter, close to the users. On the other hand, an infotainment service requires larger computational resources but looser timing constraint and therefore may be placed in the cloud. Furthermore, as users are mobile, services may have to be migrated to follow the user’s trajectory.</a:t>
-            </a:r>
+            <a:endParaRPr lang="en-US" dirty="0"/>
           </a:p>
         </p:txBody>
       </p:sp>
@@ -1643,10 +1575,7 @@
                 <a:spcPts val="800"/>
               </a:spcAft>
             </a:pPr>
-            <a:r>
-              <a:rPr lang="en-US" dirty="0"/>
-              <a:t>In the edge-cloud continuum, datacenters provide services to mobile users with hetero’ demands.  For instance, a car safety service is time-critical, and therefore must be placed in an edge datacenter, close to the users. On the other hand, an infotainment service requires larger computational resources but looser timing constraint and therefore may be placed in the cloud. Furthermore, as users are mobile, services may have to be migrated to follow the user’s trajectory.</a:t>
-            </a:r>
+            <a:endParaRPr lang="en-US" dirty="0"/>
           </a:p>
         </p:txBody>
       </p:sp>
@@ -1744,10 +1673,7 @@
                 <a:spcPts val="800"/>
               </a:spcAft>
             </a:pPr>
-            <a:r>
-              <a:rPr lang="en-US" dirty="0"/>
-              <a:t>In the edge-cloud continuum, datacenters provide services to mobile users with hetero’ demands.  For instance, a car safety service is time-critical, and therefore must be placed in an edge datacenter, close to the users. On the other hand, an infotainment service requires larger computational resources but looser timing constraint and therefore may be placed in the cloud. Furthermore, as users are mobile, services may have to be migrated to follow the user’s trajectory.</a:t>
-            </a:r>
+            <a:endParaRPr lang="en-US" dirty="0"/>
           </a:p>
         </p:txBody>
       </p:sp>
@@ -1845,10 +1771,7 @@
                 <a:spcPts val="800"/>
               </a:spcAft>
             </a:pPr>
-            <a:r>
-              <a:rPr lang="en-US" dirty="0"/>
-              <a:t>In the edge-cloud continuum, datacenters provide services to mobile users with hetero’ demands.  For instance, a car safety service is time-critical, and therefore must be placed in an edge datacenter, close to the users. On the other hand, an infotainment service requires larger computational resources but looser timing constraint and therefore may be placed in the cloud. Furthermore, as users are mobile, services may have to be migrated to follow the user’s trajectory.</a:t>
-            </a:r>
+            <a:endParaRPr lang="en-US" dirty="0"/>
           </a:p>
         </p:txBody>
       </p:sp>
@@ -1946,10 +1869,7 @@
                 <a:spcPts val="800"/>
               </a:spcAft>
             </a:pPr>
-            <a:r>
-              <a:rPr lang="en-US" dirty="0"/>
-              <a:t>In the edge-cloud continuum, datacenters provide services to mobile users with hetero’ demands.  For instance, a car safety service is time-critical, and therefore must be placed in an edge datacenter, close to the users. On the other hand, an infotainment service requires larger computational resources but looser timing constraint and therefore may be placed in the cloud. Furthermore, as users are mobile, services may have to be migrated to follow the user’s trajectory.</a:t>
-            </a:r>
+            <a:endParaRPr lang="en-US" dirty="0"/>
           </a:p>
         </p:txBody>
       </p:sp>
@@ -2047,10 +1967,7 @@
                 <a:spcPts val="800"/>
               </a:spcAft>
             </a:pPr>
-            <a:r>
-              <a:rPr lang="en-US" dirty="0"/>
-              <a:t>In the edge-cloud continuum, datacenters provide services to mobile users with hetero’ demands.  For instance, a car safety service is time-critical, and therefore must be placed in an edge datacenter, close to the users. On the other hand, an infotainment service requires larger computational resources but looser timing constraint and therefore may be placed in the cloud. Furthermore, as users are mobile, services may have to be migrated to follow the user’s trajectory.</a:t>
-            </a:r>
+            <a:endParaRPr lang="en-US" dirty="0"/>
           </a:p>
         </p:txBody>
       </p:sp>
@@ -2148,10 +2065,7 @@
                 <a:spcPts val="800"/>
               </a:spcAft>
             </a:pPr>
-            <a:r>
-              <a:rPr lang="en-US" dirty="0"/>
-              <a:t>In the edge-cloud continuum, datacenters provide services to mobile users with hetero’ demands.  For instance, a car safety service is time-critical, and therefore must be placed in an edge datacenter, close to the users. On the other hand, an infotainment service requires larger computational resources but looser timing constraint and therefore may be placed in the cloud. Furthermore, as users are mobile, services may have to be migrated to follow the user’s trajectory.</a:t>
-            </a:r>
+            <a:endParaRPr lang="en-US" dirty="0"/>
           </a:p>
         </p:txBody>
       </p:sp>
@@ -2347,10 +2261,7 @@
                 <a:spcPts val="800"/>
               </a:spcAft>
             </a:pPr>
-            <a:r>
-              <a:rPr lang="en-US" dirty="0"/>
-              <a:t>In the edge-cloud continuum, datacenters provide services to mobile users with hetero’ demands.  For instance, a car safety service is time-critical, and therefore must be placed in an edge datacenter, close to the users. On the other hand, an infotainment service requires larger computational resources but looser timing constraint and therefore may be placed in the cloud. Furthermore, as users are mobile, services may have to be migrated to follow the user’s trajectory.</a:t>
-            </a:r>
+            <a:endParaRPr lang="en-US" dirty="0"/>
           </a:p>
         </p:txBody>
       </p:sp>
@@ -2448,10 +2359,7 @@
                 <a:spcPts val="800"/>
               </a:spcAft>
             </a:pPr>
-            <a:r>
-              <a:rPr lang="en-US" dirty="0"/>
-              <a:t>In the edge-cloud continuum, datacenters provide services to mobile users with hetero’ demands.  For instance, a car safety service is time-critical, and therefore must be placed in an edge datacenter, close to the users. On the other hand, an infotainment service requires larger computational resources but looser timing constraint and therefore may be placed in the cloud. Furthermore, as users are mobile, services may have to be migrated to follow the user’s trajectory.</a:t>
-            </a:r>
+            <a:endParaRPr lang="en-US" dirty="0"/>
           </a:p>
         </p:txBody>
       </p:sp>
@@ -2549,10 +2457,7 @@
                 <a:spcPts val="800"/>
               </a:spcAft>
             </a:pPr>
-            <a:r>
-              <a:rPr lang="en-US" dirty="0"/>
-              <a:t>In the edge-cloud continuum, datacenters provide services to mobile users with hetero’ demands.  For instance, a car safety service is time-critical, and therefore must be placed in an edge datacenter, close to the users. On the other hand, an infotainment service requires larger computational resources but looser timing constraint and therefore may be placed in the cloud. Furthermore, as users are mobile, services may have to be migrated to follow the user’s trajectory.</a:t>
-            </a:r>
+            <a:endParaRPr lang="en-US" dirty="0"/>
           </a:p>
         </p:txBody>
       </p:sp>
@@ -2650,10 +2555,7 @@
                 <a:spcPts val="800"/>
               </a:spcAft>
             </a:pPr>
-            <a:r>
-              <a:rPr lang="en-US" dirty="0"/>
-              <a:t>In the edge-cloud continuum, datacenters provide services to mobile users with hetero’ demands.  For instance, a car safety service is time-critical, and therefore must be placed in an edge datacenter, close to the users. On the other hand, an infotainment service requires larger computational resources but looser timing constraint and therefore may be placed in the cloud. Furthermore, as users are mobile, services may have to be migrated to follow the user’s trajectory.</a:t>
-            </a:r>
+            <a:endParaRPr lang="en-US" dirty="0"/>
           </a:p>
         </p:txBody>
       </p:sp>
@@ -2751,10 +2653,7 @@
                 <a:spcPts val="800"/>
               </a:spcAft>
             </a:pPr>
-            <a:r>
-              <a:rPr lang="en-US" dirty="0"/>
-              <a:t>In the edge-cloud continuum, datacenters provide services to mobile users with hetero’ demands.  For instance, a car safety service is time-critical, and therefore must be placed in an edge datacenter, close to the users. On the other hand, an infotainment service requires larger computational resources but looser timing constraint and therefore may be placed in the cloud. Furthermore, as users are mobile, services may have to be migrated to follow the user’s trajectory.</a:t>
-            </a:r>
+            <a:endParaRPr lang="en-US" dirty="0"/>
           </a:p>
         </p:txBody>
       </p:sp>
@@ -2852,10 +2751,7 @@
                 <a:spcPts val="800"/>
               </a:spcAft>
             </a:pPr>
-            <a:r>
-              <a:rPr lang="en-US" dirty="0"/>
-              <a:t>In the edge-cloud continuum, datacenters provide services to mobile users with hetero’ demands.  For instance, a car safety service is time-critical, and therefore must be placed in an edge datacenter, close to the users. On the other hand, an infotainment service requires larger computational resources but looser timing constraint and therefore may be placed in the cloud. Furthermore, as users are mobile, services may have to be migrated to follow the user’s trajectory.</a:t>
-            </a:r>
+            <a:endParaRPr lang="en-US" dirty="0"/>
           </a:p>
         </p:txBody>
       </p:sp>
@@ -2953,10 +2849,7 @@
                 <a:spcPts val="800"/>
               </a:spcAft>
             </a:pPr>
-            <a:r>
-              <a:rPr lang="en-US" dirty="0"/>
-              <a:t>In the edge-cloud continuum, datacenters provide services to mobile users with hetero’ demands.  For instance, a car safety service is time-critical, and therefore must be placed in an edge datacenter, close to the users. On the other hand, an infotainment service requires larger computational resources but looser timing constraint and therefore may be placed in the cloud. Furthermore, as users are mobile, services may have to be migrated to follow the user’s trajectory.</a:t>
-            </a:r>
+            <a:endParaRPr lang="en-US" dirty="0"/>
           </a:p>
         </p:txBody>
       </p:sp>
@@ -2984,6 +2877,202 @@
                 <a:defRPr/>
               </a:pPr>
               <a:t>27</a:t>
+            </a:fld>
+            <a:endParaRPr lang="en-US"/>
+          </a:p>
+        </p:txBody>
+      </p:sp>
+    </p:spTree>
+    <p:extLst>
+      <p:ext uri="{BB962C8B-B14F-4D97-AF65-F5344CB8AC3E}">
+        <p14:creationId xmlns:p14="http://schemas.microsoft.com/office/powerpoint/2010/main" val="3147241652"/>
+      </p:ext>
+    </p:extLst>
+  </p:cSld>
+  <p:clrMapOvr>
+    <a:masterClrMapping/>
+  </p:clrMapOvr>
+</p:notes>
+</file>
+
+<file path=ppt/notesSlides/notesSlide28.xml><?xml version="1.0" encoding="utf-8"?>
+<p:notes xmlns:a="http://schemas.openxmlformats.org/drawingml/2006/main" xmlns:r="http://schemas.openxmlformats.org/officeDocument/2006/relationships" xmlns:p="http://schemas.openxmlformats.org/presentationml/2006/main">
+  <p:cSld>
+    <p:spTree>
+      <p:nvGrpSpPr>
+        <p:cNvPr id="1" name=""/>
+        <p:cNvGrpSpPr/>
+        <p:nvPr/>
+      </p:nvGrpSpPr>
+      <p:grpSpPr>
+        <a:xfrm>
+          <a:off x="0" y="0"/>
+          <a:ext cx="0" cy="0"/>
+          <a:chOff x="0" y="0"/>
+          <a:chExt cx="0" cy="0"/>
+        </a:xfrm>
+      </p:grpSpPr>
+      <p:sp>
+        <p:nvSpPr>
+          <p:cNvPr id="2" name="Slide Image Placeholder 1"/>
+          <p:cNvSpPr>
+            <a:spLocks noGrp="1" noRot="1" noChangeAspect="1"/>
+          </p:cNvSpPr>
+          <p:nvPr>
+            <p:ph type="sldImg"/>
+          </p:nvPr>
+        </p:nvSpPr>
+        <p:spPr/>
+      </p:sp>
+      <p:sp>
+        <p:nvSpPr>
+          <p:cNvPr id="3" name="Notes Placeholder 2"/>
+          <p:cNvSpPr>
+            <a:spLocks noGrp="1"/>
+          </p:cNvSpPr>
+          <p:nvPr>
+            <p:ph type="body" idx="1"/>
+          </p:nvPr>
+        </p:nvSpPr>
+        <p:spPr/>
+        <p:txBody>
+          <a:bodyPr/>
+          <a:lstStyle/>
+          <a:p>
+            <a:pPr algn="l" rtl="0">
+              <a:lnSpc>
+                <a:spcPct val="107000"/>
+              </a:lnSpc>
+              <a:spcAft>
+                <a:spcPts val="800"/>
+              </a:spcAft>
+            </a:pPr>
+            <a:endParaRPr lang="en-US" dirty="0"/>
+          </a:p>
+        </p:txBody>
+      </p:sp>
+      <p:sp>
+        <p:nvSpPr>
+          <p:cNvPr id="4" name="Slide Number Placeholder 3"/>
+          <p:cNvSpPr>
+            <a:spLocks noGrp="1"/>
+          </p:cNvSpPr>
+          <p:nvPr>
+            <p:ph type="sldNum" sz="quarter" idx="5"/>
+          </p:nvPr>
+        </p:nvSpPr>
+        <p:spPr/>
+        <p:txBody>
+          <a:bodyPr/>
+          <a:lstStyle/>
+          <a:p>
+            <a:pPr>
+              <a:defRPr/>
+            </a:pPr>
+            <a:fld id="{AF3000EE-471F-49DA-891E-26BB1401A0F3}" type="slidenum">
+              <a:rPr lang="he-IL" smtClean="0"/>
+              <a:pPr>
+                <a:defRPr/>
+              </a:pPr>
+              <a:t>28</a:t>
+            </a:fld>
+            <a:endParaRPr lang="en-US"/>
+          </a:p>
+        </p:txBody>
+      </p:sp>
+    </p:spTree>
+    <p:extLst>
+      <p:ext uri="{BB962C8B-B14F-4D97-AF65-F5344CB8AC3E}">
+        <p14:creationId xmlns:p14="http://schemas.microsoft.com/office/powerpoint/2010/main" val="3044171517"/>
+      </p:ext>
+    </p:extLst>
+  </p:cSld>
+  <p:clrMapOvr>
+    <a:masterClrMapping/>
+  </p:clrMapOvr>
+</p:notes>
+</file>
+
+<file path=ppt/notesSlides/notesSlide29.xml><?xml version="1.0" encoding="utf-8"?>
+<p:notes xmlns:a="http://schemas.openxmlformats.org/drawingml/2006/main" xmlns:r="http://schemas.openxmlformats.org/officeDocument/2006/relationships" xmlns:p="http://schemas.openxmlformats.org/presentationml/2006/main">
+  <p:cSld>
+    <p:spTree>
+      <p:nvGrpSpPr>
+        <p:cNvPr id="1" name=""/>
+        <p:cNvGrpSpPr/>
+        <p:nvPr/>
+      </p:nvGrpSpPr>
+      <p:grpSpPr>
+        <a:xfrm>
+          <a:off x="0" y="0"/>
+          <a:ext cx="0" cy="0"/>
+          <a:chOff x="0" y="0"/>
+          <a:chExt cx="0" cy="0"/>
+        </a:xfrm>
+      </p:grpSpPr>
+      <p:sp>
+        <p:nvSpPr>
+          <p:cNvPr id="2" name="Slide Image Placeholder 1"/>
+          <p:cNvSpPr>
+            <a:spLocks noGrp="1" noRot="1" noChangeAspect="1"/>
+          </p:cNvSpPr>
+          <p:nvPr>
+            <p:ph type="sldImg"/>
+          </p:nvPr>
+        </p:nvSpPr>
+        <p:spPr/>
+      </p:sp>
+      <p:sp>
+        <p:nvSpPr>
+          <p:cNvPr id="3" name="Notes Placeholder 2"/>
+          <p:cNvSpPr>
+            <a:spLocks noGrp="1"/>
+          </p:cNvSpPr>
+          <p:nvPr>
+            <p:ph type="body" idx="1"/>
+          </p:nvPr>
+        </p:nvSpPr>
+        <p:spPr/>
+        <p:txBody>
+          <a:bodyPr/>
+          <a:lstStyle/>
+          <a:p>
+            <a:pPr algn="l" rtl="0">
+              <a:lnSpc>
+                <a:spcPct val="107000"/>
+              </a:lnSpc>
+              <a:spcAft>
+                <a:spcPts val="800"/>
+              </a:spcAft>
+            </a:pPr>
+            <a:endParaRPr lang="en-US" dirty="0"/>
+          </a:p>
+        </p:txBody>
+      </p:sp>
+      <p:sp>
+        <p:nvSpPr>
+          <p:cNvPr id="4" name="Slide Number Placeholder 3"/>
+          <p:cNvSpPr>
+            <a:spLocks noGrp="1"/>
+          </p:cNvSpPr>
+          <p:nvPr>
+            <p:ph type="sldNum" sz="quarter" idx="5"/>
+          </p:nvPr>
+        </p:nvSpPr>
+        <p:spPr/>
+        <p:txBody>
+          <a:bodyPr/>
+          <a:lstStyle/>
+          <a:p>
+            <a:pPr>
+              <a:defRPr/>
+            </a:pPr>
+            <a:fld id="{AF3000EE-471F-49DA-891E-26BB1401A0F3}" type="slidenum">
+              <a:rPr lang="he-IL" smtClean="0"/>
+              <a:pPr>
+                <a:defRPr/>
+              </a:pPr>
+              <a:t>29</a:t>
             </a:fld>
             <a:endParaRPr lang="en-US"/>
           </a:p>
@@ -3054,10 +3143,7 @@
                 <a:spcPts val="800"/>
               </a:spcAft>
             </a:pPr>
-            <a:r>
-              <a:rPr lang="en-US" dirty="0"/>
-              <a:t>In the edge-cloud continuum, datacenters provide services to mobile users with hetero’ demands.  For instance, a car safety service is time-critical, and therefore must be placed in an edge datacenter, close to the users. On the other hand, an infotainment service requires larger computational resources but looser timing constraint and therefore may be placed in the cloud. Furthermore, as users are mobile, services may have to be migrated to follow the user’s trajectory.</a:t>
-            </a:r>
+            <a:endParaRPr lang="en-US" dirty="0"/>
           </a:p>
         </p:txBody>
       </p:sp>
@@ -3094,6 +3180,104 @@
     <p:extLst>
       <p:ext uri="{BB962C8B-B14F-4D97-AF65-F5344CB8AC3E}">
         <p14:creationId xmlns:p14="http://schemas.microsoft.com/office/powerpoint/2010/main" val="2546808105"/>
+      </p:ext>
+    </p:extLst>
+  </p:cSld>
+  <p:clrMapOvr>
+    <a:masterClrMapping/>
+  </p:clrMapOvr>
+</p:notes>
+</file>
+
+<file path=ppt/notesSlides/notesSlide30.xml><?xml version="1.0" encoding="utf-8"?>
+<p:notes xmlns:a="http://schemas.openxmlformats.org/drawingml/2006/main" xmlns:r="http://schemas.openxmlformats.org/officeDocument/2006/relationships" xmlns:p="http://schemas.openxmlformats.org/presentationml/2006/main">
+  <p:cSld>
+    <p:spTree>
+      <p:nvGrpSpPr>
+        <p:cNvPr id="1" name=""/>
+        <p:cNvGrpSpPr/>
+        <p:nvPr/>
+      </p:nvGrpSpPr>
+      <p:grpSpPr>
+        <a:xfrm>
+          <a:off x="0" y="0"/>
+          <a:ext cx="0" cy="0"/>
+          <a:chOff x="0" y="0"/>
+          <a:chExt cx="0" cy="0"/>
+        </a:xfrm>
+      </p:grpSpPr>
+      <p:sp>
+        <p:nvSpPr>
+          <p:cNvPr id="2" name="Slide Image Placeholder 1"/>
+          <p:cNvSpPr>
+            <a:spLocks noGrp="1" noRot="1" noChangeAspect="1"/>
+          </p:cNvSpPr>
+          <p:nvPr>
+            <p:ph type="sldImg"/>
+          </p:nvPr>
+        </p:nvSpPr>
+        <p:spPr/>
+      </p:sp>
+      <p:sp>
+        <p:nvSpPr>
+          <p:cNvPr id="3" name="Notes Placeholder 2"/>
+          <p:cNvSpPr>
+            <a:spLocks noGrp="1"/>
+          </p:cNvSpPr>
+          <p:nvPr>
+            <p:ph type="body" idx="1"/>
+          </p:nvPr>
+        </p:nvSpPr>
+        <p:spPr/>
+        <p:txBody>
+          <a:bodyPr/>
+          <a:lstStyle/>
+          <a:p>
+            <a:pPr algn="l" rtl="0">
+              <a:lnSpc>
+                <a:spcPct val="107000"/>
+              </a:lnSpc>
+              <a:spcAft>
+                <a:spcPts val="800"/>
+              </a:spcAft>
+            </a:pPr>
+            <a:endParaRPr lang="en-US" dirty="0"/>
+          </a:p>
+        </p:txBody>
+      </p:sp>
+      <p:sp>
+        <p:nvSpPr>
+          <p:cNvPr id="4" name="Slide Number Placeholder 3"/>
+          <p:cNvSpPr>
+            <a:spLocks noGrp="1"/>
+          </p:cNvSpPr>
+          <p:nvPr>
+            <p:ph type="sldNum" sz="quarter" idx="5"/>
+          </p:nvPr>
+        </p:nvSpPr>
+        <p:spPr/>
+        <p:txBody>
+          <a:bodyPr/>
+          <a:lstStyle/>
+          <a:p>
+            <a:pPr>
+              <a:defRPr/>
+            </a:pPr>
+            <a:fld id="{AF3000EE-471F-49DA-891E-26BB1401A0F3}" type="slidenum">
+              <a:rPr lang="he-IL" smtClean="0"/>
+              <a:pPr>
+                <a:defRPr/>
+              </a:pPr>
+              <a:t>30</a:t>
+            </a:fld>
+            <a:endParaRPr lang="en-US"/>
+          </a:p>
+        </p:txBody>
+      </p:sp>
+    </p:spTree>
+    <p:extLst>
+      <p:ext uri="{BB962C8B-B14F-4D97-AF65-F5344CB8AC3E}">
+        <p14:creationId xmlns:p14="http://schemas.microsoft.com/office/powerpoint/2010/main" val="1298502251"/>
       </p:ext>
     </p:extLst>
   </p:cSld>
@@ -3155,10 +3339,7 @@
                 <a:spcPts val="800"/>
               </a:spcAft>
             </a:pPr>
-            <a:r>
-              <a:rPr lang="en-US" dirty="0"/>
-              <a:t>In the edge-cloud continuum, datacenters provide services to mobile users with hetero’ demands.  For instance, a car safety service is time-critical, and therefore must be placed in an edge datacenter, close to the users. On the other hand, an infotainment service requires larger computational resources but looser timing constraint and therefore may be placed in the cloud. Furthermore, as users are mobile, services may have to be migrated to follow the user’s trajectory.</a:t>
-            </a:r>
+            <a:endParaRPr lang="en-US" dirty="0"/>
           </a:p>
         </p:txBody>
       </p:sp>
@@ -3256,10 +3437,7 @@
                 <a:spcPts val="800"/>
               </a:spcAft>
             </a:pPr>
-            <a:r>
-              <a:rPr lang="en-US" dirty="0"/>
-              <a:t>In the edge-cloud continuum, datacenters provide services to mobile users with hetero’ demands.  For instance, a car safety service is time-critical, and therefore must be placed in an edge datacenter, close to the users. On the other hand, an infotainment service requires larger computational resources but looser timing constraint and therefore may be placed in the cloud. Furthermore, as users are mobile, services may have to be migrated to follow the user’s trajectory.</a:t>
-            </a:r>
+            <a:endParaRPr lang="en-US" dirty="0"/>
           </a:p>
         </p:txBody>
       </p:sp>
@@ -3357,10 +3535,7 @@
                 <a:spcPts val="800"/>
               </a:spcAft>
             </a:pPr>
-            <a:r>
-              <a:rPr lang="en-US" dirty="0"/>
-              <a:t>In the edge-cloud continuum, datacenters provide services to mobile users with hetero’ demands.  For instance, a car safety service is time-critical, and therefore must be placed in an edge datacenter, close to the users. On the other hand, an infotainment service requires larger computational resources but looser timing constraint and therefore may be placed in the cloud. Furthermore, as users are mobile, services may have to be migrated to follow the user’s trajectory.</a:t>
-            </a:r>
+            <a:endParaRPr lang="en-US" dirty="0"/>
           </a:p>
         </p:txBody>
       </p:sp>
@@ -3458,10 +3633,7 @@
                 <a:spcPts val="800"/>
               </a:spcAft>
             </a:pPr>
-            <a:r>
-              <a:rPr lang="en-US" dirty="0"/>
-              <a:t>In the edge-cloud continuum, datacenters provide services to mobile users with hetero’ demands.  For instance, a car safety service is time-critical, and therefore must be placed in an edge datacenter, close to the users. On the other hand, an infotainment service requires larger computational resources but looser timing constraint and therefore may be placed in the cloud. Furthermore, as users are mobile, services may have to be migrated to follow the user’s trajectory.</a:t>
-            </a:r>
+            <a:endParaRPr lang="en-US" dirty="0"/>
           </a:p>
         </p:txBody>
       </p:sp>
@@ -3559,10 +3731,7 @@
                 <a:spcPts val="800"/>
               </a:spcAft>
             </a:pPr>
-            <a:r>
-              <a:rPr lang="en-US" dirty="0"/>
-              <a:t>In the edge-cloud continuum, datacenters provide services to mobile users with hetero’ demands.  For instance, a car safety service is time-critical, and therefore must be placed in an edge datacenter, close to the users. On the other hand, an infotainment service requires larger computational resources but looser timing constraint and therefore may be placed in the cloud. Furthermore, as users are mobile, services may have to be migrated to follow the user’s trajectory.</a:t>
-            </a:r>
+            <a:endParaRPr lang="en-US" dirty="0"/>
           </a:p>
         </p:txBody>
       </p:sp>
@@ -3660,10 +3829,7 @@
                 <a:spcPts val="800"/>
               </a:spcAft>
             </a:pPr>
-            <a:r>
-              <a:rPr lang="en-US" dirty="0"/>
-              <a:t>In the edge-cloud continuum, datacenters provide services to mobile users with hetero’ demands.  For instance, a car safety service is time-critical, and therefore must be placed in an edge datacenter, close to the users. On the other hand, an infotainment service requires larger computational resources but looser timing constraint and therefore may be placed in the cloud. Furthermore, as users are mobile, services may have to be migrated to follow the user’s trajectory.</a:t>
-            </a:r>
+            <a:endParaRPr lang="en-US" dirty="0"/>
           </a:p>
         </p:txBody>
       </p:sp>
@@ -14334,6 +14500,12 @@
             <a:off x="1143000" y="1600200"/>
             <a:ext cx="7696200" cy="5029200"/>
           </a:xfrm>
+          <a:solidFill>
+            <a:schemeClr val="bg1"/>
+          </a:solidFill>
+          <a:ln>
+            <a:noFill/>
+          </a:ln>
         </p:spPr>
         <p:txBody>
           <a:bodyPr/>
@@ -14501,7 +14673,7 @@
         </p:blipFill>
         <p:spPr>
           <a:xfrm>
-            <a:off x="2331421" y="2961409"/>
+            <a:off x="2362594" y="2961409"/>
             <a:ext cx="306378" cy="304800"/>
           </a:xfrm>
           <a:prstGeom prst="rect">
@@ -14538,6 +14710,146 @@
           </a:prstGeom>
         </p:spPr>
       </p:pic>
+      <p:sp>
+        <p:nvSpPr>
+          <p:cNvPr id="39" name="Rectangle 38">
+            <a:extLst>
+              <a:ext uri="{FF2B5EF4-FFF2-40B4-BE49-F238E27FC236}">
+                <a16:creationId xmlns:a16="http://schemas.microsoft.com/office/drawing/2014/main" id="{85CC5441-4C88-C2FB-90A0-DA196140E823}"/>
+              </a:ext>
+            </a:extLst>
+          </p:cNvPr>
+          <p:cNvSpPr/>
+          <p:nvPr/>
+        </p:nvSpPr>
+        <p:spPr bwMode="auto">
+          <a:xfrm>
+            <a:off x="4724399" y="3461235"/>
+            <a:ext cx="213539" cy="147622"/>
+          </a:xfrm>
+          <a:prstGeom prst="rect">
+            <a:avLst/>
+          </a:prstGeom>
+          <a:solidFill>
+            <a:schemeClr val="bg1"/>
+          </a:solidFill>
+          <a:ln w="9525" cap="flat" cmpd="sng" algn="ctr">
+            <a:noFill/>
+            <a:prstDash val="solid"/>
+            <a:round/>
+            <a:headEnd type="none" w="med" len="med"/>
+            <a:tailEnd type="none" w="med" len="med"/>
+          </a:ln>
+          <a:effectLst/>
+        </p:spPr>
+        <p:txBody>
+          <a:bodyPr vert="horz" wrap="square" lIns="91440" tIns="45720" rIns="91440" bIns="45720" numCol="1" rtlCol="0" anchor="t" anchorCtr="0" compatLnSpc="1">
+            <a:prstTxWarp prst="textNoShape">
+              <a:avLst/>
+            </a:prstTxWarp>
+          </a:bodyPr>
+          <a:lstStyle/>
+          <a:p>
+            <a:pPr marL="0" marR="0" indent="0" algn="l" defTabSz="914400" rtl="0" eaLnBrk="1" fontAlgn="base" latinLnBrk="0" hangingPunct="1">
+              <a:lnSpc>
+                <a:spcPct val="100000"/>
+              </a:lnSpc>
+              <a:spcBef>
+                <a:spcPct val="0"/>
+              </a:spcBef>
+              <a:spcAft>
+                <a:spcPct val="0"/>
+              </a:spcAft>
+              <a:buClrTx/>
+              <a:buSzTx/>
+              <a:buFontTx/>
+              <a:buNone/>
+              <a:tabLst/>
+            </a:pPr>
+            <a:endParaRPr kumimoji="0" lang="en-US" sz="1800" b="1" i="0" u="none" strike="noStrike" cap="none" normalizeH="0" baseline="0">
+              <a:ln>
+                <a:noFill/>
+              </a:ln>
+              <a:solidFill>
+                <a:schemeClr val="tx1"/>
+              </a:solidFill>
+              <a:effectLst/>
+              <a:latin typeface="Arial" charset="0"/>
+              <a:cs typeface="Arial" charset="0"/>
+            </a:endParaRPr>
+          </a:p>
+        </p:txBody>
+      </p:sp>
+      <p:sp>
+        <p:nvSpPr>
+          <p:cNvPr id="43" name="Rectangle 42">
+            <a:extLst>
+              <a:ext uri="{FF2B5EF4-FFF2-40B4-BE49-F238E27FC236}">
+                <a16:creationId xmlns:a16="http://schemas.microsoft.com/office/drawing/2014/main" id="{39EA89AC-78A1-3391-4D97-F87AA55420FB}"/>
+              </a:ext>
+            </a:extLst>
+          </p:cNvPr>
+          <p:cNvSpPr/>
+          <p:nvPr/>
+        </p:nvSpPr>
+        <p:spPr bwMode="auto">
+          <a:xfrm>
+            <a:off x="5246370" y="3466120"/>
+            <a:ext cx="213539" cy="147622"/>
+          </a:xfrm>
+          <a:prstGeom prst="rect">
+            <a:avLst/>
+          </a:prstGeom>
+          <a:solidFill>
+            <a:schemeClr val="bg1"/>
+          </a:solidFill>
+          <a:ln w="9525" cap="flat" cmpd="sng" algn="ctr">
+            <a:noFill/>
+            <a:prstDash val="solid"/>
+            <a:round/>
+            <a:headEnd type="none" w="med" len="med"/>
+            <a:tailEnd type="none" w="med" len="med"/>
+          </a:ln>
+          <a:effectLst/>
+        </p:spPr>
+        <p:txBody>
+          <a:bodyPr vert="horz" wrap="square" lIns="91440" tIns="45720" rIns="91440" bIns="45720" numCol="1" rtlCol="0" anchor="t" anchorCtr="0" compatLnSpc="1">
+            <a:prstTxWarp prst="textNoShape">
+              <a:avLst/>
+            </a:prstTxWarp>
+          </a:bodyPr>
+          <a:lstStyle/>
+          <a:p>
+            <a:pPr marL="0" marR="0" indent="0" algn="l" defTabSz="914400" rtl="0" eaLnBrk="1" fontAlgn="base" latinLnBrk="0" hangingPunct="1">
+              <a:lnSpc>
+                <a:spcPct val="100000"/>
+              </a:lnSpc>
+              <a:spcBef>
+                <a:spcPct val="0"/>
+              </a:spcBef>
+              <a:spcAft>
+                <a:spcPct val="0"/>
+              </a:spcAft>
+              <a:buClrTx/>
+              <a:buSzTx/>
+              <a:buFontTx/>
+              <a:buNone/>
+              <a:tabLst/>
+            </a:pPr>
+            <a:endParaRPr kumimoji="0" lang="en-US" sz="1800" b="1" i="0" u="none" strike="noStrike" cap="none" normalizeH="0" baseline="0">
+              <a:ln>
+                <a:noFill/>
+              </a:ln>
+              <a:solidFill>
+                <a:schemeClr val="tx1"/>
+              </a:solidFill>
+              <a:effectLst/>
+              <a:latin typeface="Arial" charset="0"/>
+              <a:cs typeface="Arial" charset="0"/>
+            </a:endParaRPr>
+          </a:p>
+        </p:txBody>
+      </p:sp>
     </p:spTree>
     <p:extLst>
       <p:ext uri="{BB962C8B-B14F-4D97-AF65-F5344CB8AC3E}">
@@ -19256,47 +19568,6 @@
           </a:p>
         </p:txBody>
       </p:sp>
-      <p:pic>
-        <p:nvPicPr>
-          <p:cNvPr id="12" name="Camera 11">
-            <a:extLst>
-              <a:ext uri="{FF2B5EF4-FFF2-40B4-BE49-F238E27FC236}">
-                <a16:creationId xmlns:a16="http://schemas.microsoft.com/office/drawing/2014/main" id="{39AD382D-070B-A103-6265-D02822430B34}"/>
-              </a:ext>
-            </a:extLst>
-          </p:cNvPr>
-          <p:cNvPicPr>
-            <a:picLocks noChangeAspect="1"/>
-            <a:extLst>
-              <a:ext uri="{51228E76-BA90-4043-B771-695A4F85340A}">
-                <alf:liveFeedProps xmlns:alf="http://schemas.microsoft.com/office/drawing/2021/livefeed"/>
-              </a:ext>
-            </a:extLst>
-          </p:cNvPicPr>
-          <p:nvPr/>
-        </p:nvPicPr>
-        <p:blipFill>
-          <a:blip r:embed="rId3">
-            <a:extLst>
-              <a:ext uri="{96DAC541-7B7A-43D3-8B79-37D633B846F1}">
-                <asvg:svgBlip xmlns:asvg="http://schemas.microsoft.com/office/drawing/2016/SVG/main" r:embed="rId4"/>
-              </a:ext>
-            </a:extLst>
-          </a:blip>
-          <a:stretch>
-            <a:fillRect/>
-          </a:stretch>
-        </p:blipFill>
-        <p:spPr>
-          <a:xfrm>
-            <a:off x="7004304" y="4718304"/>
-            <a:ext cx="2057400" cy="2057400"/>
-          </a:xfrm>
-          <a:prstGeom prst="ellipse">
-            <a:avLst/>
-          </a:prstGeom>
-        </p:spPr>
-      </p:pic>
       <p:sp>
         <p:nvSpPr>
           <p:cNvPr id="40" name="Oval 39">
@@ -21764,47 +22035,6 @@
       </p:sp>
       <p:pic>
         <p:nvPicPr>
-          <p:cNvPr id="12" name="Camera 11">
-            <a:extLst>
-              <a:ext uri="{FF2B5EF4-FFF2-40B4-BE49-F238E27FC236}">
-                <a16:creationId xmlns:a16="http://schemas.microsoft.com/office/drawing/2014/main" id="{39AD382D-070B-A103-6265-D02822430B34}"/>
-              </a:ext>
-            </a:extLst>
-          </p:cNvPr>
-          <p:cNvPicPr>
-            <a:picLocks noChangeAspect="1"/>
-            <a:extLst>
-              <a:ext uri="{51228E76-BA90-4043-B771-695A4F85340A}">
-                <alf:liveFeedProps xmlns:alf="http://schemas.microsoft.com/office/drawing/2021/livefeed"/>
-              </a:ext>
-            </a:extLst>
-          </p:cNvPicPr>
-          <p:nvPr/>
-        </p:nvPicPr>
-        <p:blipFill>
-          <a:blip r:embed="rId5">
-            <a:extLst>
-              <a:ext uri="{96DAC541-7B7A-43D3-8B79-37D633B846F1}">
-                <asvg:svgBlip xmlns:asvg="http://schemas.microsoft.com/office/drawing/2016/SVG/main" r:embed="rId6"/>
-              </a:ext>
-            </a:extLst>
-          </a:blip>
-          <a:stretch>
-            <a:fillRect/>
-          </a:stretch>
-        </p:blipFill>
-        <p:spPr>
-          <a:xfrm>
-            <a:off x="7004304" y="4718304"/>
-            <a:ext cx="2057400" cy="2057400"/>
-          </a:xfrm>
-          <a:prstGeom prst="ellipse">
-            <a:avLst/>
-          </a:prstGeom>
-        </p:spPr>
-      </p:pic>
-      <p:pic>
-        <p:nvPicPr>
           <p:cNvPr id="39" name="Coin Toss">
             <a:hlinkClick r:id="" action="ppaction://media"/>
             <a:extLst>
@@ -21826,7 +22056,7 @@
           </p:nvPr>
         </p:nvPicPr>
         <p:blipFill>
-          <a:blip r:embed="rId7"/>
+          <a:blip r:embed="rId5"/>
           <a:stretch>
             <a:fillRect/>
           </a:stretch>
@@ -24400,47 +24630,6 @@
           </a:p>
         </p:txBody>
       </p:sp>
-      <p:pic>
-        <p:nvPicPr>
-          <p:cNvPr id="12" name="Camera 11">
-            <a:extLst>
-              <a:ext uri="{FF2B5EF4-FFF2-40B4-BE49-F238E27FC236}">
-                <a16:creationId xmlns:a16="http://schemas.microsoft.com/office/drawing/2014/main" id="{39AD382D-070B-A103-6265-D02822430B34}"/>
-              </a:ext>
-            </a:extLst>
-          </p:cNvPr>
-          <p:cNvPicPr>
-            <a:picLocks noChangeAspect="1"/>
-            <a:extLst>
-              <a:ext uri="{51228E76-BA90-4043-B771-695A4F85340A}">
-                <alf:liveFeedProps xmlns:alf="http://schemas.microsoft.com/office/drawing/2021/livefeed"/>
-              </a:ext>
-            </a:extLst>
-          </p:cNvPicPr>
-          <p:nvPr/>
-        </p:nvPicPr>
-        <p:blipFill>
-          <a:blip r:embed="rId3">
-            <a:extLst>
-              <a:ext uri="{96DAC541-7B7A-43D3-8B79-37D633B846F1}">
-                <asvg:svgBlip xmlns:asvg="http://schemas.microsoft.com/office/drawing/2016/SVG/main" r:embed="rId4"/>
-              </a:ext>
-            </a:extLst>
-          </a:blip>
-          <a:stretch>
-            <a:fillRect/>
-          </a:stretch>
-        </p:blipFill>
-        <p:spPr>
-          <a:xfrm>
-            <a:off x="7004304" y="4718304"/>
-            <a:ext cx="2057400" cy="2057400"/>
-          </a:xfrm>
-          <a:prstGeom prst="ellipse">
-            <a:avLst/>
-          </a:prstGeom>
-        </p:spPr>
-      </p:pic>
       <p:sp>
         <p:nvSpPr>
           <p:cNvPr id="40" name="Oval 39">
@@ -26966,7 +27155,7 @@
                 <a:latin typeface="+mj-lt"/>
                 <a:sym typeface="Wingdings" pitchFamily="2" charset="2"/>
               </a:rPr>
-              <a:t>    and    bins is  		  </a:t>
+              <a:t>    and    bins is </a:t>
             </a:r>
             <a:r>
               <a:rPr lang="en-US" sz="3200" dirty="0" err="1">
@@ -26980,7 +27169,26 @@
                 <a:latin typeface="+mj-lt"/>
                 <a:sym typeface="Wingdings" pitchFamily="2" charset="2"/>
               </a:rPr>
-              <a:t>. [1]</a:t>
+              <a:t>. 	 </a:t>
+            </a:r>
+            <a:r>
+              <a:rPr lang="en-US" sz="2400" dirty="0">
+                <a:latin typeface="+mj-lt"/>
+                <a:sym typeface="Wingdings" pitchFamily="2" charset="2"/>
+              </a:rPr>
+              <a:t>[</a:t>
+            </a:r>
+            <a:r>
+              <a:rPr lang="en-US" sz="2400" dirty="0">
+                <a:solidFill>
+                  <a:srgbClr val="222222"/>
+                </a:solidFill>
+                <a:highlight>
+                  <a:srgbClr val="FFFFFF"/>
+                </a:highlight>
+                <a:latin typeface="Arial" panose="020B0604020202020204" pitchFamily="34" charset="0"/>
+              </a:rPr>
+              <a:t>Mitzenmacher’01]</a:t>
             </a:r>
             <a:endParaRPr lang="en-US" sz="3200" dirty="0">
               <a:latin typeface="+mj-lt"/>
@@ -27092,113 +27300,14 @@
         </p:blipFill>
         <p:spPr>
           <a:xfrm>
-            <a:off x="4019550" y="2844648"/>
-            <a:ext cx="1924050" cy="507104"/>
+            <a:off x="4019550" y="2884814"/>
+            <a:ext cx="1771647" cy="466937"/>
           </a:xfrm>
           <a:prstGeom prst="rect">
             <a:avLst/>
           </a:prstGeom>
         </p:spPr>
       </p:pic>
-      <p:sp>
-        <p:nvSpPr>
-          <p:cNvPr id="12" name="TextBox 11">
-            <a:extLst>
-              <a:ext uri="{FF2B5EF4-FFF2-40B4-BE49-F238E27FC236}">
-                <a16:creationId xmlns:a16="http://schemas.microsoft.com/office/drawing/2014/main" id="{659A4841-6295-3A0B-716E-0D44B03735D4}"/>
-              </a:ext>
-            </a:extLst>
-          </p:cNvPr>
-          <p:cNvSpPr txBox="1"/>
-          <p:nvPr/>
-        </p:nvSpPr>
-        <p:spPr>
-          <a:xfrm>
-            <a:off x="1308036" y="6155356"/>
-            <a:ext cx="7531164" cy="584775"/>
-          </a:xfrm>
-          <a:prstGeom prst="rect">
-            <a:avLst/>
-          </a:prstGeom>
-          <a:noFill/>
-        </p:spPr>
-        <p:txBody>
-          <a:bodyPr wrap="none" rtlCol="0">
-            <a:spAutoFit/>
-          </a:bodyPr>
-          <a:lstStyle/>
-          <a:p>
-            <a:r>
-              <a:rPr lang="en-US" sz="1600" b="0" i="0" dirty="0">
-                <a:solidFill>
-                  <a:srgbClr val="222222"/>
-                </a:solidFill>
-                <a:effectLst/>
-                <a:highlight>
-                  <a:srgbClr val="FFFFFF"/>
-                </a:highlight>
-                <a:latin typeface="Arial" panose="020B0604020202020204" pitchFamily="34" charset="0"/>
-              </a:rPr>
-              <a:t>[1] </a:t>
-            </a:r>
-            <a:r>
-              <a:rPr lang="en-US" sz="1600" b="0" i="0" dirty="0" err="1">
-                <a:solidFill>
-                  <a:srgbClr val="222222"/>
-                </a:solidFill>
-                <a:effectLst/>
-                <a:highlight>
-                  <a:srgbClr val="FFFFFF"/>
-                </a:highlight>
-                <a:latin typeface="Arial" panose="020B0604020202020204" pitchFamily="34" charset="0"/>
-              </a:rPr>
-              <a:t>Mitzenmacher</a:t>
-            </a:r>
-            <a:r>
-              <a:rPr lang="en-US" sz="1600" b="0" i="0" dirty="0">
-                <a:solidFill>
-                  <a:srgbClr val="222222"/>
-                </a:solidFill>
-                <a:effectLst/>
-                <a:highlight>
-                  <a:srgbClr val="FFFFFF"/>
-                </a:highlight>
-                <a:latin typeface="Arial" panose="020B0604020202020204" pitchFamily="34" charset="0"/>
-              </a:rPr>
-              <a:t>, M. "The power of two choices in randomized load balancing." </a:t>
-            </a:r>
-          </a:p>
-          <a:p>
-            <a:r>
-              <a:rPr lang="en-US" sz="1600" b="0" i="1" dirty="0">
-                <a:solidFill>
-                  <a:srgbClr val="222222"/>
-                </a:solidFill>
-                <a:effectLst/>
-                <a:highlight>
-                  <a:srgbClr val="FFFFFF"/>
-                </a:highlight>
-                <a:latin typeface="Arial" panose="020B0604020202020204" pitchFamily="34" charset="0"/>
-              </a:rPr>
-              <a:t>IEEE Transactions on Parallel and Distributed Systems</a:t>
-            </a:r>
-            <a:r>
-              <a:rPr lang="en-US" sz="1600" b="0" i="0" dirty="0">
-                <a:solidFill>
-                  <a:srgbClr val="222222"/>
-                </a:solidFill>
-                <a:effectLst/>
-                <a:highlight>
-                  <a:srgbClr val="FFFFFF"/>
-                </a:highlight>
-                <a:latin typeface="Arial" panose="020B0604020202020204" pitchFamily="34" charset="0"/>
-              </a:rPr>
-              <a:t> 12.10 (2001): 1094-1104.</a:t>
-            </a:r>
-            <a:endParaRPr lang="en-US" sz="1600" dirty="0"/>
-          </a:p>
-        </p:txBody>
-      </p:sp>
     </p:spTree>
     <p:extLst>
       <p:ext uri="{BB962C8B-B14F-4D97-AF65-F5344CB8AC3E}">
@@ -28599,9 +28708,47 @@
                 <a:latin typeface="+mj-lt"/>
                 <a:sym typeface="Wingdings" pitchFamily="2" charset="2"/>
               </a:rPr>
-              <a:t>    multiplicative factor             [1]</a:t>
+              <a:t>    multiplicative factor            </a:t>
             </a:r>
-            <a:endParaRPr lang="en-US" sz="3200" b="1" dirty="0">
+          </a:p>
+          <a:p>
+            <a:pPr marL="0" indent="0">
+              <a:buNone/>
+            </a:pPr>
+            <a:r>
+              <a:rPr lang="en-US" sz="3200" dirty="0">
+                <a:latin typeface="+mj-lt"/>
+                <a:sym typeface="Wingdings" pitchFamily="2" charset="2"/>
+              </a:rPr>
+              <a:t>    </a:t>
+            </a:r>
+            <a:r>
+              <a:rPr lang="en-US" sz="2400" dirty="0">
+                <a:latin typeface="+mj-lt"/>
+                <a:sym typeface="Wingdings" pitchFamily="2" charset="2"/>
+              </a:rPr>
+              <a:t>[</a:t>
+            </a:r>
+            <a:r>
+              <a:rPr lang="en-US" sz="2400" dirty="0">
+                <a:solidFill>
+                  <a:srgbClr val="222222"/>
+                </a:solidFill>
+                <a:highlight>
+                  <a:srgbClr val="FFFFFF"/>
+                </a:highlight>
+                <a:latin typeface="Arial" panose="020B0604020202020204" pitchFamily="34" charset="0"/>
+              </a:rPr>
+              <a:t>Mitzenmacher’01</a:t>
+            </a:r>
+            <a:r>
+              <a:rPr lang="en-US" sz="2400" dirty="0">
+                <a:latin typeface="+mj-lt"/>
+                <a:sym typeface="Wingdings" pitchFamily="2" charset="2"/>
+              </a:rPr>
+              <a:t>]</a:t>
+            </a:r>
+            <a:endParaRPr lang="en-US" sz="2400" b="1" dirty="0">
               <a:solidFill>
                 <a:srgbClr val="00FF00"/>
               </a:solidFill>
@@ -28645,8 +28792,8 @@
         </p:blipFill>
         <p:spPr>
           <a:xfrm>
-            <a:off x="3470228" y="1679699"/>
-            <a:ext cx="346617" cy="450602"/>
+            <a:off x="3469301" y="1731645"/>
+            <a:ext cx="281354" cy="365760"/>
           </a:xfrm>
           <a:prstGeom prst="rect">
             <a:avLst/>
@@ -29992,7 +30139,7 @@
         </p:blipFill>
         <p:spPr>
           <a:xfrm>
-            <a:off x="3833380" y="1418343"/>
+            <a:off x="3833380" y="1456443"/>
             <a:ext cx="2543173" cy="2114849"/>
           </a:xfrm>
           <a:prstGeom prst="rect">
@@ -30021,7 +30168,7 @@
         </p:blipFill>
         <p:spPr>
           <a:xfrm>
-            <a:off x="6534150" y="1388382"/>
+            <a:off x="6534150" y="1455057"/>
             <a:ext cx="2438400" cy="2135884"/>
           </a:xfrm>
           <a:prstGeom prst="rect">
@@ -30029,6 +30176,63 @@
           </a:prstGeom>
         </p:spPr>
       </p:pic>
+      <p:sp>
+        <p:nvSpPr>
+          <p:cNvPr id="2" name="TextBox 1">
+            <a:extLst>
+              <a:ext uri="{FF2B5EF4-FFF2-40B4-BE49-F238E27FC236}">
+                <a16:creationId xmlns:a16="http://schemas.microsoft.com/office/drawing/2014/main" id="{0DE00611-B19C-E634-6BDF-1885CE89AC4B}"/>
+              </a:ext>
+            </a:extLst>
+          </p:cNvPr>
+          <p:cNvSpPr txBox="1"/>
+          <p:nvPr/>
+        </p:nvSpPr>
+        <p:spPr>
+          <a:xfrm>
+            <a:off x="6534150" y="3733800"/>
+            <a:ext cx="3073705" cy="1261884"/>
+          </a:xfrm>
+          <a:prstGeom prst="rect">
+            <a:avLst/>
+          </a:prstGeom>
+          <a:noFill/>
+        </p:spPr>
+        <p:txBody>
+          <a:bodyPr wrap="square" rtlCol="0">
+            <a:spAutoFit/>
+          </a:bodyPr>
+          <a:lstStyle/>
+          <a:p>
+            <a:r>
+              <a:rPr lang="en-US" sz="2000" dirty="0"/>
+              <a:t>Theoretical bounds</a:t>
+            </a:r>
+          </a:p>
+          <a:p>
+            <a:r>
+              <a:rPr lang="en-US" sz="1600" dirty="0"/>
+              <a:t>(10K bins)</a:t>
+            </a:r>
+            <a:r>
+              <a:rPr lang="en-US" sz="2000" dirty="0"/>
+              <a:t>:</a:t>
+            </a:r>
+          </a:p>
+          <a:p>
+            <a:r>
+              <a:rPr lang="en-US" b="0" dirty="0"/>
+              <a:t>1 sample:   4.15 + O(1)</a:t>
+            </a:r>
+          </a:p>
+          <a:p>
+            <a:r>
+              <a:rPr lang="en-US" b="0" dirty="0"/>
+              <a:t>2 samples: 3.2 + O(1)</a:t>
+            </a:r>
+          </a:p>
+        </p:txBody>
+      </p:sp>
     </p:spTree>
     <p:extLst>
       <p:ext uri="{BB962C8B-B14F-4D97-AF65-F5344CB8AC3E}">
@@ -30092,6 +30296,51 @@
                       </p:childTnLst>
                     </p:cTn>
                   </p:par>
+                  <p:par>
+                    <p:cTn id="7" fill="hold">
+                      <p:stCondLst>
+                        <p:cond delay="indefinite"/>
+                      </p:stCondLst>
+                      <p:childTnLst>
+                        <p:par>
+                          <p:cTn id="8" fill="hold">
+                            <p:stCondLst>
+                              <p:cond delay="0"/>
+                            </p:stCondLst>
+                            <p:childTnLst>
+                              <p:par>
+                                <p:cTn id="9" presetID="1" presetClass="entr" presetSubtype="0" fill="hold" grpId="0" nodeType="clickEffect">
+                                  <p:stCondLst>
+                                    <p:cond delay="0"/>
+                                  </p:stCondLst>
+                                  <p:childTnLst>
+                                    <p:set>
+                                      <p:cBhvr>
+                                        <p:cTn id="10" dur="1" fill="hold">
+                                          <p:stCondLst>
+                                            <p:cond delay="0"/>
+                                          </p:stCondLst>
+                                        </p:cTn>
+                                        <p:tgtEl>
+                                          <p:spTgt spid="2"/>
+                                        </p:tgtEl>
+                                        <p:attrNameLst>
+                                          <p:attrName>style.visibility</p:attrName>
+                                        </p:attrNameLst>
+                                      </p:cBhvr>
+                                      <p:to>
+                                        <p:strVal val="visible"/>
+                                      </p:to>
+                                    </p:set>
+                                  </p:childTnLst>
+                                </p:cTn>
+                              </p:par>
+                            </p:childTnLst>
+                          </p:cTn>
+                        </p:par>
+                      </p:childTnLst>
+                    </p:cTn>
+                  </p:par>
                 </p:childTnLst>
               </p:cTn>
               <p:prevCondLst>
@@ -30113,6 +30362,9 @@
         </p:cTn>
       </p:par>
     </p:tnLst>
+    <p:bldLst>
+      <p:bldP spid="2" grpId="0"/>
+    </p:bldLst>
   </p:timing>
 </p:sld>
 </file>
@@ -30406,10 +30658,10 @@
       </p:sp>
       <p:pic>
         <p:nvPicPr>
-          <p:cNvPr id="13" name="Picture 12">
+          <p:cNvPr id="4" name="Picture 3">
             <a:extLst>
               <a:ext uri="{FF2B5EF4-FFF2-40B4-BE49-F238E27FC236}">
-                <a16:creationId xmlns:a16="http://schemas.microsoft.com/office/drawing/2014/main" id="{34E2E44C-9FEA-D2F4-CE48-5ABD42382AEB}"/>
+                <a16:creationId xmlns:a16="http://schemas.microsoft.com/office/drawing/2014/main" id="{FE5094C6-76AD-BE62-4CC3-B94717B4A66D}"/>
               </a:ext>
             </a:extLst>
           </p:cNvPr>
@@ -30420,13 +30672,13 @@
         </p:nvPicPr>
         <p:blipFill rotWithShape="1">
           <a:blip r:embed="rId3"/>
-          <a:srcRect l="5000" t="35555" r="2500" b="44700"/>
+          <a:srcRect l="1667" t="42222" r="6666" b="37639"/>
           <a:stretch/>
         </p:blipFill>
         <p:spPr>
           <a:xfrm>
-            <a:off x="1358076" y="1540955"/>
-            <a:ext cx="7614525" cy="1219027"/>
+            <a:off x="1219200" y="1590676"/>
+            <a:ext cx="7686675" cy="1266554"/>
           </a:xfrm>
           <a:prstGeom prst="rect">
             <a:avLst/>
@@ -31003,7 +31255,7 @@
           <a:p>
             <a:r>
               <a:rPr lang="en-US" sz="3400" dirty="0"/>
-              <a:t>Generalization</a:t>
+              <a:t>Relevance for Cisco Silicon One</a:t>
             </a:r>
           </a:p>
         </p:txBody>
@@ -31278,6 +31530,357 @@
           <a:p>
             <a:r>
               <a:rPr lang="en-US" dirty="0"/>
+              <a:t>Telemetry-assisted Ethernet</a:t>
+            </a:r>
+          </a:p>
+          <a:p>
+            <a:pPr lvl="1"/>
+            <a:r>
+              <a:rPr lang="en-US" dirty="0"/>
+              <a:t>Selecting path (ECMP)</a:t>
+            </a:r>
+          </a:p>
+          <a:p>
+            <a:pPr lvl="1"/>
+            <a:r>
+              <a:rPr lang="en-US" dirty="0"/>
+              <a:t>Flood telemetry info in an async, lazy manner</a:t>
+            </a:r>
+          </a:p>
+          <a:p>
+            <a:pPr lvl="1"/>
+            <a:endParaRPr lang="en-US" dirty="0"/>
+          </a:p>
+        </p:txBody>
+      </p:sp>
+    </p:spTree>
+    <p:extLst>
+      <p:ext uri="{BB962C8B-B14F-4D97-AF65-F5344CB8AC3E}">
+        <p14:creationId xmlns:p14="http://schemas.microsoft.com/office/powerpoint/2010/main" val="1393143545"/>
+      </p:ext>
+    </p:extLst>
+  </p:cSld>
+  <p:clrMapOvr>
+    <a:masterClrMapping/>
+  </p:clrMapOvr>
+</p:sld>
+</file>
+
+<file path=ppt/slides/slide27.xml><?xml version="1.0" encoding="utf-8"?>
+<p:sld xmlns:a="http://schemas.openxmlformats.org/drawingml/2006/main" xmlns:r="http://schemas.openxmlformats.org/officeDocument/2006/relationships" xmlns:p="http://schemas.openxmlformats.org/presentationml/2006/main">
+  <p:cSld>
+    <p:spTree>
+      <p:nvGrpSpPr>
+        <p:cNvPr id="1" name=""/>
+        <p:cNvGrpSpPr/>
+        <p:nvPr/>
+      </p:nvGrpSpPr>
+      <p:grpSpPr>
+        <a:xfrm>
+          <a:off x="0" y="0"/>
+          <a:ext cx="0" cy="0"/>
+          <a:chOff x="0" y="0"/>
+          <a:chExt cx="0" cy="0"/>
+        </a:xfrm>
+      </p:grpSpPr>
+      <p:sp>
+        <p:nvSpPr>
+          <p:cNvPr id="7" name="Title 6">
+            <a:extLst>
+              <a:ext uri="{FF2B5EF4-FFF2-40B4-BE49-F238E27FC236}">
+                <a16:creationId xmlns:a16="http://schemas.microsoft.com/office/drawing/2014/main" id="{D6049869-35E6-4A4F-9958-096B69AB27F3}"/>
+              </a:ext>
+            </a:extLst>
+          </p:cNvPr>
+          <p:cNvSpPr>
+            <a:spLocks noGrp="1"/>
+          </p:cNvSpPr>
+          <p:nvPr>
+            <p:ph type="title"/>
+          </p:nvPr>
+        </p:nvSpPr>
+        <p:spPr/>
+        <p:txBody>
+          <a:bodyPr/>
+          <a:lstStyle/>
+          <a:p>
+            <a:r>
+              <a:rPr lang="en-US" sz="3400" dirty="0"/>
+              <a:t>Generalization</a:t>
+            </a:r>
+          </a:p>
+        </p:txBody>
+      </p:sp>
+      <p:sp>
+        <p:nvSpPr>
+          <p:cNvPr id="10" name="Text Placeholder 9">
+            <a:extLst>
+              <a:ext uri="{FF2B5EF4-FFF2-40B4-BE49-F238E27FC236}">
+                <a16:creationId xmlns:a16="http://schemas.microsoft.com/office/drawing/2014/main" id="{91363926-AF37-4C4D-BCBB-A6176E203D7B}"/>
+              </a:ext>
+            </a:extLst>
+          </p:cNvPr>
+          <p:cNvSpPr>
+            <a:spLocks noGrp="1"/>
+          </p:cNvSpPr>
+          <p:nvPr>
+            <p:ph type="body" sz="quarter" idx="12"/>
+          </p:nvPr>
+        </p:nvSpPr>
+        <p:spPr/>
+        <p:txBody>
+          <a:bodyPr/>
+          <a:lstStyle/>
+          <a:p>
+            <a:pPr algn="l"/>
+            <a:r>
+              <a:rPr lang="en-US" sz="1050" b="1" kern="0" dirty="0"/>
+              <a:t>Balls &amp; bins</a:t>
+            </a:r>
+            <a:endParaRPr lang="en-US" sz="1050" kern="0" dirty="0"/>
+          </a:p>
+        </p:txBody>
+      </p:sp>
+      <p:sp>
+        <p:nvSpPr>
+          <p:cNvPr id="6" name="Text Placeholder 10">
+            <a:extLst>
+              <a:ext uri="{FF2B5EF4-FFF2-40B4-BE49-F238E27FC236}">
+                <a16:creationId xmlns:a16="http://schemas.microsoft.com/office/drawing/2014/main" id="{AB316EBA-D5B5-007A-4428-2F122707D38D}"/>
+              </a:ext>
+            </a:extLst>
+          </p:cNvPr>
+          <p:cNvSpPr>
+            <a:spLocks noGrp="1"/>
+          </p:cNvSpPr>
+          <p:nvPr>
+            <p:ph type="body" sz="quarter" idx="13"/>
+          </p:nvPr>
+        </p:nvSpPr>
+        <p:spPr>
+          <a:xfrm>
+            <a:off x="9525" y="3429000"/>
+            <a:ext cx="1143000" cy="1143000"/>
+          </a:xfrm>
+        </p:spPr>
+        <p:txBody>
+          <a:bodyPr/>
+          <a:lstStyle/>
+          <a:p>
+            <a:r>
+              <a:rPr lang="en-US" sz="1100" dirty="0">
+                <a:solidFill>
+                  <a:schemeClr val="bg2"/>
+                </a:solidFill>
+              </a:rPr>
+              <a:t>Motivation</a:t>
+            </a:r>
+          </a:p>
+          <a:p>
+            <a:r>
+              <a:rPr lang="en-US" sz="1100" dirty="0">
+                <a:solidFill>
+                  <a:schemeClr val="bg2"/>
+                </a:solidFill>
+              </a:rPr>
+              <a:t>Model</a:t>
+            </a:r>
+          </a:p>
+          <a:p>
+            <a:r>
+              <a:rPr lang="en-US" sz="1100" dirty="0">
+                <a:solidFill>
+                  <a:schemeClr val="bg2"/>
+                </a:solidFill>
+              </a:rPr>
+              <a:t>Algorithms</a:t>
+            </a:r>
+          </a:p>
+          <a:p>
+            <a:r>
+              <a:rPr lang="en-US" sz="1100" dirty="0">
+                <a:solidFill>
+                  <a:schemeClr val="bg2"/>
+                </a:solidFill>
+              </a:rPr>
+              <a:t>Results</a:t>
+            </a:r>
+          </a:p>
+          <a:p>
+            <a:r>
+              <a:rPr lang="en-US" sz="1100" b="1" dirty="0"/>
+              <a:t>Summary</a:t>
+            </a:r>
+          </a:p>
+          <a:p>
+            <a:endParaRPr lang="en-US" dirty="0"/>
+          </a:p>
+        </p:txBody>
+      </p:sp>
+      <p:graphicFrame>
+        <p:nvGraphicFramePr>
+          <p:cNvPr id="12" name="Table 11">
+            <a:extLst>
+              <a:ext uri="{FF2B5EF4-FFF2-40B4-BE49-F238E27FC236}">
+                <a16:creationId xmlns:a16="http://schemas.microsoft.com/office/drawing/2014/main" id="{9B8AE478-D72C-45D8-A9CB-AC3330A4B2C2}"/>
+              </a:ext>
+            </a:extLst>
+          </p:cNvPr>
+          <p:cNvGraphicFramePr>
+            <a:graphicFrameLocks noGrp="1"/>
+          </p:cNvGraphicFramePr>
+          <p:nvPr/>
+        </p:nvGraphicFramePr>
+        <p:xfrm>
+          <a:off x="7654737" y="1378857"/>
+          <a:ext cx="208280" cy="365760"/>
+        </p:xfrm>
+        <a:graphic>
+          <a:graphicData uri="http://schemas.openxmlformats.org/drawingml/2006/table">
+            <a:tbl>
+              <a:tblPr rtl="1"/>
+              <a:tblGrid>
+                <a:gridCol w="208280">
+                  <a:extLst>
+                    <a:ext uri="{9D8B030D-6E8A-4147-A177-3AD203B41FA5}">
+                      <a16:colId xmlns:a16="http://schemas.microsoft.com/office/drawing/2014/main" val="4271487709"/>
+                    </a:ext>
+                  </a:extLst>
+                </a:gridCol>
+              </a:tblGrid>
+              <a:tr h="0">
+                <a:tc>
+                  <a:txBody>
+                    <a:bodyPr/>
+                    <a:lstStyle/>
+                    <a:p>
+                      <a:pPr rtl="1"/>
+                      <a:endParaRPr lang="he-IL" dirty="0"/>
+                    </a:p>
+                  </a:txBody>
+                  <a:tcPr>
+                    <a:lnL>
+                      <a:noFill/>
+                    </a:lnL>
+                    <a:lnR>
+                      <a:noFill/>
+                    </a:lnR>
+                    <a:lnT>
+                      <a:noFill/>
+                    </a:lnT>
+                    <a:lnB>
+                      <a:noFill/>
+                    </a:lnB>
+                  </a:tcPr>
+                </a:tc>
+                <a:extLst>
+                  <a:ext uri="{0D108BD9-81ED-4DB2-BD59-A6C34878D82A}">
+                    <a16:rowId xmlns:a16="http://schemas.microsoft.com/office/drawing/2014/main" val="852532958"/>
+                  </a:ext>
+                </a:extLst>
+              </a:tr>
+            </a:tbl>
+          </a:graphicData>
+        </a:graphic>
+      </p:graphicFrame>
+      <p:sp>
+        <p:nvSpPr>
+          <p:cNvPr id="3" name="Rectangle 2">
+            <a:extLst>
+              <a:ext uri="{FF2B5EF4-FFF2-40B4-BE49-F238E27FC236}">
+                <a16:creationId xmlns:a16="http://schemas.microsoft.com/office/drawing/2014/main" id="{D667B383-1AE1-4ADB-8F04-ACA4A4DFB618}"/>
+              </a:ext>
+            </a:extLst>
+          </p:cNvPr>
+          <p:cNvSpPr/>
+          <p:nvPr/>
+        </p:nvSpPr>
+        <p:spPr bwMode="auto">
+          <a:xfrm>
+            <a:off x="0" y="0"/>
+            <a:ext cx="1143000" cy="1378857"/>
+          </a:xfrm>
+          <a:prstGeom prst="rect">
+            <a:avLst/>
+          </a:prstGeom>
+          <a:solidFill>
+            <a:srgbClr val="003399"/>
+          </a:solidFill>
+          <a:ln w="9525" cap="flat" cmpd="sng" algn="ctr">
+            <a:noFill/>
+            <a:prstDash val="solid"/>
+            <a:round/>
+            <a:headEnd type="none" w="med" len="med"/>
+            <a:tailEnd type="none" w="med" len="med"/>
+          </a:ln>
+          <a:effectLst/>
+        </p:spPr>
+        <p:txBody>
+          <a:bodyPr vert="horz" wrap="square" lIns="91440" tIns="45720" rIns="91440" bIns="45720" numCol="1" rtlCol="0" anchor="t" anchorCtr="0" compatLnSpc="1">
+            <a:prstTxWarp prst="textNoShape">
+              <a:avLst/>
+            </a:prstTxWarp>
+          </a:bodyPr>
+          <a:lstStyle/>
+          <a:p>
+            <a:pPr marL="0" marR="0" indent="0" algn="l" defTabSz="914400" rtl="0" eaLnBrk="1" fontAlgn="base" latinLnBrk="0" hangingPunct="1">
+              <a:lnSpc>
+                <a:spcPct val="100000"/>
+              </a:lnSpc>
+              <a:spcBef>
+                <a:spcPct val="0"/>
+              </a:spcBef>
+              <a:spcAft>
+                <a:spcPct val="0"/>
+              </a:spcAft>
+              <a:buClrTx/>
+              <a:buSzTx/>
+              <a:buFontTx/>
+              <a:buNone/>
+              <a:tabLst/>
+            </a:pPr>
+            <a:endParaRPr kumimoji="0" lang="en-US" sz="1800" b="1" i="0" u="none" strike="noStrike" cap="none" normalizeH="0" baseline="0">
+              <a:ln>
+                <a:noFill/>
+              </a:ln>
+              <a:solidFill>
+                <a:schemeClr val="tx1"/>
+              </a:solidFill>
+              <a:effectLst/>
+              <a:latin typeface="Arial" charset="0"/>
+              <a:cs typeface="Arial" charset="0"/>
+            </a:endParaRPr>
+          </a:p>
+        </p:txBody>
+      </p:sp>
+      <p:sp>
+        <p:nvSpPr>
+          <p:cNvPr id="2" name="Content Placeholder 12">
+            <a:extLst>
+              <a:ext uri="{FF2B5EF4-FFF2-40B4-BE49-F238E27FC236}">
+                <a16:creationId xmlns:a16="http://schemas.microsoft.com/office/drawing/2014/main" id="{7DB9547F-E35D-2DF9-B022-A9A26B6B8706}"/>
+              </a:ext>
+            </a:extLst>
+          </p:cNvPr>
+          <p:cNvSpPr>
+            <a:spLocks noGrp="1"/>
+          </p:cNvSpPr>
+          <p:nvPr>
+            <p:ph idx="1"/>
+          </p:nvPr>
+        </p:nvSpPr>
+        <p:spPr>
+          <a:xfrm>
+            <a:off x="1143000" y="1600200"/>
+            <a:ext cx="7696200" cy="5029200"/>
+          </a:xfrm>
+        </p:spPr>
+        <p:txBody>
+          <a:bodyPr/>
+          <a:lstStyle/>
+          <a:p>
+            <a:r>
+              <a:rPr lang="en-US" dirty="0"/>
               <a:t>Heterogeneous balls, bins</a:t>
             </a:r>
           </a:p>
@@ -31313,6 +31916,13 @@
             <a:r>
               <a:rPr lang="en-US" dirty="0"/>
               <a:t>Decaying load (finished tasks)</a:t>
+            </a:r>
+          </a:p>
+          <a:p>
+            <a:pPr lvl="1"/>
+            <a:r>
+              <a:rPr lang="en-US" dirty="0"/>
+              <a:t>Poisson</a:t>
             </a:r>
           </a:p>
           <a:p>
@@ -31333,7 +31943,7 @@
     </p:spTree>
     <p:extLst>
       <p:ext uri="{BB962C8B-B14F-4D97-AF65-F5344CB8AC3E}">
-        <p14:creationId xmlns:p14="http://schemas.microsoft.com/office/powerpoint/2010/main" val="1393143545"/>
+        <p14:creationId xmlns:p14="http://schemas.microsoft.com/office/powerpoint/2010/main" val="2576425383"/>
       </p:ext>
     </p:extLst>
   </p:cSld>
@@ -31588,6 +32198,55 @@
                       </p:childTnLst>
                     </p:cTn>
                   </p:par>
+                  <p:par>
+                    <p:cTn id="21" fill="hold">
+                      <p:stCondLst>
+                        <p:cond delay="indefinite"/>
+                      </p:stCondLst>
+                      <p:childTnLst>
+                        <p:par>
+                          <p:cTn id="22" fill="hold">
+                            <p:stCondLst>
+                              <p:cond delay="0"/>
+                            </p:stCondLst>
+                            <p:childTnLst>
+                              <p:par>
+                                <p:cTn id="23" presetID="1" presetClass="entr" presetSubtype="0" fill="hold" nodeType="clickEffect">
+                                  <p:stCondLst>
+                                    <p:cond delay="0"/>
+                                  </p:stCondLst>
+                                  <p:childTnLst>
+                                    <p:set>
+                                      <p:cBhvr>
+                                        <p:cTn id="24" dur="1" fill="hold">
+                                          <p:stCondLst>
+                                            <p:cond delay="0"/>
+                                          </p:stCondLst>
+                                        </p:cTn>
+                                        <p:tgtEl>
+                                          <p:spTgt spid="2">
+                                            <p:txEl>
+                                              <p:pRg st="7" end="7"/>
+                                            </p:txEl>
+                                          </p:spTgt>
+                                        </p:tgtEl>
+                                        <p:attrNameLst>
+                                          <p:attrName>style.visibility</p:attrName>
+                                        </p:attrNameLst>
+                                      </p:cBhvr>
+                                      <p:to>
+                                        <p:strVal val="visible"/>
+                                      </p:to>
+                                    </p:set>
+                                  </p:childTnLst>
+                                </p:cTn>
+                              </p:par>
+                            </p:childTnLst>
+                          </p:cTn>
+                        </p:par>
+                      </p:childTnLst>
+                    </p:cTn>
+                  </p:par>
                 </p:childTnLst>
               </p:cTn>
               <p:prevCondLst>
@@ -31613,7 +32272,7 @@
 </p:sld>
 </file>
 
-<file path=ppt/slides/slide27.xml><?xml version="1.0" encoding="utf-8"?>
+<file path=ppt/slides/slide28.xml><?xml version="1.0" encoding="utf-8"?>
 <p:sld xmlns:a="http://schemas.openxmlformats.org/drawingml/2006/main" xmlns:r="http://schemas.openxmlformats.org/officeDocument/2006/relationships" xmlns:p="http://schemas.openxmlformats.org/presentationml/2006/main">
   <p:cSld>
     <p:spTree>
@@ -31653,7 +32312,7 @@
           <a:p>
             <a:r>
               <a:rPr lang="en-US" sz="3400" dirty="0"/>
-              <a:t>Parallelization</a:t>
+              <a:t>Do we really want LB?</a:t>
             </a:r>
           </a:p>
         </p:txBody>
@@ -31927,6 +32586,392 @@
           <a:lstStyle/>
           <a:p>
             <a:r>
+              <a:rPr lang="en-US" sz="3200" dirty="0"/>
+              <a:t>Reversing the supermarket </a:t>
+            </a:r>
+            <a:r>
+              <a:rPr lang="en-US" sz="2400" dirty="0">
+                <a:latin typeface="+mj-lt"/>
+              </a:rPr>
+              <a:t>[Nahir’16]</a:t>
+            </a:r>
+            <a:endParaRPr lang="en-US" dirty="0">
+              <a:latin typeface="+mj-lt"/>
+            </a:endParaRPr>
+          </a:p>
+          <a:p>
+            <a:pPr lvl="1"/>
+            <a:r>
+              <a:rPr lang="en-US" sz="3200" dirty="0"/>
+              <a:t>Supermarket: balls </a:t>
+            </a:r>
+            <a:r>
+              <a:rPr lang="en-US" sz="3200" dirty="0">
+                <a:sym typeface="Wingdings" panose="05000000000000000000" pitchFamily="2" charset="2"/>
+              </a:rPr>
+              <a:t> M/M/1 Qs</a:t>
+            </a:r>
+            <a:endParaRPr lang="en-US" sz="3200" dirty="0"/>
+          </a:p>
+          <a:p>
+            <a:pPr lvl="1"/>
+            <a:r>
+              <a:rPr lang="en-US" sz="3200" dirty="0"/>
+              <a:t>Save energy</a:t>
+            </a:r>
+          </a:p>
+          <a:p>
+            <a:pPr lvl="1"/>
+            <a:r>
+              <a:rPr lang="en-US" sz="3200" dirty="0"/>
+              <a:t>Assuring load in [</a:t>
+            </a:r>
+            <a:r>
+              <a:rPr lang="en-US" sz="3200" dirty="0" err="1"/>
+              <a:t>low_th</a:t>
+            </a:r>
+            <a:r>
+              <a:rPr lang="en-US" sz="3200" dirty="0"/>
+              <a:t>, </a:t>
+            </a:r>
+            <a:r>
+              <a:rPr lang="en-US" sz="3200" dirty="0" err="1"/>
+              <a:t>high_th</a:t>
+            </a:r>
+            <a:r>
+              <a:rPr lang="en-US" sz="3200" dirty="0"/>
+              <a:t>]</a:t>
+            </a:r>
+          </a:p>
+        </p:txBody>
+      </p:sp>
+    </p:spTree>
+    <p:extLst>
+      <p:ext uri="{BB962C8B-B14F-4D97-AF65-F5344CB8AC3E}">
+        <p14:creationId xmlns:p14="http://schemas.microsoft.com/office/powerpoint/2010/main" val="416747389"/>
+      </p:ext>
+    </p:extLst>
+  </p:cSld>
+  <p:clrMapOvr>
+    <a:masterClrMapping/>
+  </p:clrMapOvr>
+</p:sld>
+</file>
+
+<file path=ppt/slides/slide29.xml><?xml version="1.0" encoding="utf-8"?>
+<p:sld xmlns:a="http://schemas.openxmlformats.org/drawingml/2006/main" xmlns:r="http://schemas.openxmlformats.org/officeDocument/2006/relationships" xmlns:p="http://schemas.openxmlformats.org/presentationml/2006/main">
+  <p:cSld>
+    <p:spTree>
+      <p:nvGrpSpPr>
+        <p:cNvPr id="1" name=""/>
+        <p:cNvGrpSpPr/>
+        <p:nvPr/>
+      </p:nvGrpSpPr>
+      <p:grpSpPr>
+        <a:xfrm>
+          <a:off x="0" y="0"/>
+          <a:ext cx="0" cy="0"/>
+          <a:chOff x="0" y="0"/>
+          <a:chExt cx="0" cy="0"/>
+        </a:xfrm>
+      </p:grpSpPr>
+      <p:sp>
+        <p:nvSpPr>
+          <p:cNvPr id="7" name="Title 6">
+            <a:extLst>
+              <a:ext uri="{FF2B5EF4-FFF2-40B4-BE49-F238E27FC236}">
+                <a16:creationId xmlns:a16="http://schemas.microsoft.com/office/drawing/2014/main" id="{D6049869-35E6-4A4F-9958-096B69AB27F3}"/>
+              </a:ext>
+            </a:extLst>
+          </p:cNvPr>
+          <p:cNvSpPr>
+            <a:spLocks noGrp="1"/>
+          </p:cNvSpPr>
+          <p:nvPr>
+            <p:ph type="title"/>
+          </p:nvPr>
+        </p:nvSpPr>
+        <p:spPr/>
+        <p:txBody>
+          <a:bodyPr/>
+          <a:lstStyle/>
+          <a:p>
+            <a:r>
+              <a:rPr lang="en-US" sz="3400" dirty="0"/>
+              <a:t>Parallelization</a:t>
+            </a:r>
+          </a:p>
+        </p:txBody>
+      </p:sp>
+      <p:sp>
+        <p:nvSpPr>
+          <p:cNvPr id="10" name="Text Placeholder 9">
+            <a:extLst>
+              <a:ext uri="{FF2B5EF4-FFF2-40B4-BE49-F238E27FC236}">
+                <a16:creationId xmlns:a16="http://schemas.microsoft.com/office/drawing/2014/main" id="{91363926-AF37-4C4D-BCBB-A6176E203D7B}"/>
+              </a:ext>
+            </a:extLst>
+          </p:cNvPr>
+          <p:cNvSpPr>
+            <a:spLocks noGrp="1"/>
+          </p:cNvSpPr>
+          <p:nvPr>
+            <p:ph type="body" sz="quarter" idx="12"/>
+          </p:nvPr>
+        </p:nvSpPr>
+        <p:spPr/>
+        <p:txBody>
+          <a:bodyPr/>
+          <a:lstStyle/>
+          <a:p>
+            <a:pPr algn="l"/>
+            <a:r>
+              <a:rPr lang="en-US" sz="1050" b="1" kern="0" dirty="0"/>
+              <a:t>Balls &amp; bins</a:t>
+            </a:r>
+            <a:endParaRPr lang="en-US" sz="1050" kern="0" dirty="0"/>
+          </a:p>
+        </p:txBody>
+      </p:sp>
+      <p:sp>
+        <p:nvSpPr>
+          <p:cNvPr id="6" name="Text Placeholder 10">
+            <a:extLst>
+              <a:ext uri="{FF2B5EF4-FFF2-40B4-BE49-F238E27FC236}">
+                <a16:creationId xmlns:a16="http://schemas.microsoft.com/office/drawing/2014/main" id="{AB316EBA-D5B5-007A-4428-2F122707D38D}"/>
+              </a:ext>
+            </a:extLst>
+          </p:cNvPr>
+          <p:cNvSpPr>
+            <a:spLocks noGrp="1"/>
+          </p:cNvSpPr>
+          <p:nvPr>
+            <p:ph type="body" sz="quarter" idx="13"/>
+          </p:nvPr>
+        </p:nvSpPr>
+        <p:spPr>
+          <a:xfrm>
+            <a:off x="9525" y="3429000"/>
+            <a:ext cx="1143000" cy="1143000"/>
+          </a:xfrm>
+        </p:spPr>
+        <p:txBody>
+          <a:bodyPr/>
+          <a:lstStyle/>
+          <a:p>
+            <a:r>
+              <a:rPr lang="en-US" sz="1100" dirty="0">
+                <a:solidFill>
+                  <a:schemeClr val="bg2"/>
+                </a:solidFill>
+              </a:rPr>
+              <a:t>Motivation</a:t>
+            </a:r>
+          </a:p>
+          <a:p>
+            <a:r>
+              <a:rPr lang="en-US" sz="1100" dirty="0">
+                <a:solidFill>
+                  <a:schemeClr val="bg2"/>
+                </a:solidFill>
+              </a:rPr>
+              <a:t>Model</a:t>
+            </a:r>
+          </a:p>
+          <a:p>
+            <a:r>
+              <a:rPr lang="en-US" sz="1100" dirty="0">
+                <a:solidFill>
+                  <a:schemeClr val="bg2"/>
+                </a:solidFill>
+              </a:rPr>
+              <a:t>Algorithms</a:t>
+            </a:r>
+          </a:p>
+          <a:p>
+            <a:r>
+              <a:rPr lang="en-US" sz="1100" dirty="0">
+                <a:solidFill>
+                  <a:schemeClr val="bg2"/>
+                </a:solidFill>
+              </a:rPr>
+              <a:t>Results</a:t>
+            </a:r>
+          </a:p>
+          <a:p>
+            <a:r>
+              <a:rPr lang="en-US" sz="1100" b="1" dirty="0"/>
+              <a:t>Summary</a:t>
+            </a:r>
+          </a:p>
+          <a:p>
+            <a:endParaRPr lang="en-US" dirty="0"/>
+          </a:p>
+        </p:txBody>
+      </p:sp>
+      <p:graphicFrame>
+        <p:nvGraphicFramePr>
+          <p:cNvPr id="12" name="Table 11">
+            <a:extLst>
+              <a:ext uri="{FF2B5EF4-FFF2-40B4-BE49-F238E27FC236}">
+                <a16:creationId xmlns:a16="http://schemas.microsoft.com/office/drawing/2014/main" id="{9B8AE478-D72C-45D8-A9CB-AC3330A4B2C2}"/>
+              </a:ext>
+            </a:extLst>
+          </p:cNvPr>
+          <p:cNvGraphicFramePr>
+            <a:graphicFrameLocks noGrp="1"/>
+          </p:cNvGraphicFramePr>
+          <p:nvPr/>
+        </p:nvGraphicFramePr>
+        <p:xfrm>
+          <a:off x="7654737" y="1378857"/>
+          <a:ext cx="208280" cy="365760"/>
+        </p:xfrm>
+        <a:graphic>
+          <a:graphicData uri="http://schemas.openxmlformats.org/drawingml/2006/table">
+            <a:tbl>
+              <a:tblPr rtl="1"/>
+              <a:tblGrid>
+                <a:gridCol w="208280">
+                  <a:extLst>
+                    <a:ext uri="{9D8B030D-6E8A-4147-A177-3AD203B41FA5}">
+                      <a16:colId xmlns:a16="http://schemas.microsoft.com/office/drawing/2014/main" val="4271487709"/>
+                    </a:ext>
+                  </a:extLst>
+                </a:gridCol>
+              </a:tblGrid>
+              <a:tr h="0">
+                <a:tc>
+                  <a:txBody>
+                    <a:bodyPr/>
+                    <a:lstStyle/>
+                    <a:p>
+                      <a:pPr rtl="1"/>
+                      <a:endParaRPr lang="he-IL" dirty="0"/>
+                    </a:p>
+                  </a:txBody>
+                  <a:tcPr>
+                    <a:lnL>
+                      <a:noFill/>
+                    </a:lnL>
+                    <a:lnR>
+                      <a:noFill/>
+                    </a:lnR>
+                    <a:lnT>
+                      <a:noFill/>
+                    </a:lnT>
+                    <a:lnB>
+                      <a:noFill/>
+                    </a:lnB>
+                  </a:tcPr>
+                </a:tc>
+                <a:extLst>
+                  <a:ext uri="{0D108BD9-81ED-4DB2-BD59-A6C34878D82A}">
+                    <a16:rowId xmlns:a16="http://schemas.microsoft.com/office/drawing/2014/main" val="852532958"/>
+                  </a:ext>
+                </a:extLst>
+              </a:tr>
+            </a:tbl>
+          </a:graphicData>
+        </a:graphic>
+      </p:graphicFrame>
+      <p:sp>
+        <p:nvSpPr>
+          <p:cNvPr id="3" name="Rectangle 2">
+            <a:extLst>
+              <a:ext uri="{FF2B5EF4-FFF2-40B4-BE49-F238E27FC236}">
+                <a16:creationId xmlns:a16="http://schemas.microsoft.com/office/drawing/2014/main" id="{D667B383-1AE1-4ADB-8F04-ACA4A4DFB618}"/>
+              </a:ext>
+            </a:extLst>
+          </p:cNvPr>
+          <p:cNvSpPr/>
+          <p:nvPr/>
+        </p:nvSpPr>
+        <p:spPr bwMode="auto">
+          <a:xfrm>
+            <a:off x="0" y="0"/>
+            <a:ext cx="1143000" cy="1378857"/>
+          </a:xfrm>
+          <a:prstGeom prst="rect">
+            <a:avLst/>
+          </a:prstGeom>
+          <a:solidFill>
+            <a:srgbClr val="003399"/>
+          </a:solidFill>
+          <a:ln w="9525" cap="flat" cmpd="sng" algn="ctr">
+            <a:noFill/>
+            <a:prstDash val="solid"/>
+            <a:round/>
+            <a:headEnd type="none" w="med" len="med"/>
+            <a:tailEnd type="none" w="med" len="med"/>
+          </a:ln>
+          <a:effectLst/>
+        </p:spPr>
+        <p:txBody>
+          <a:bodyPr vert="horz" wrap="square" lIns="91440" tIns="45720" rIns="91440" bIns="45720" numCol="1" rtlCol="0" anchor="t" anchorCtr="0" compatLnSpc="1">
+            <a:prstTxWarp prst="textNoShape">
+              <a:avLst/>
+            </a:prstTxWarp>
+          </a:bodyPr>
+          <a:lstStyle/>
+          <a:p>
+            <a:pPr marL="0" marR="0" indent="0" algn="l" defTabSz="914400" rtl="0" eaLnBrk="1" fontAlgn="base" latinLnBrk="0" hangingPunct="1">
+              <a:lnSpc>
+                <a:spcPct val="100000"/>
+              </a:lnSpc>
+              <a:spcBef>
+                <a:spcPct val="0"/>
+              </a:spcBef>
+              <a:spcAft>
+                <a:spcPct val="0"/>
+              </a:spcAft>
+              <a:buClrTx/>
+              <a:buSzTx/>
+              <a:buFontTx/>
+              <a:buNone/>
+              <a:tabLst/>
+            </a:pPr>
+            <a:endParaRPr kumimoji="0" lang="en-US" sz="1800" b="1" i="0" u="none" strike="noStrike" cap="none" normalizeH="0" baseline="0">
+              <a:ln>
+                <a:noFill/>
+              </a:ln>
+              <a:solidFill>
+                <a:schemeClr val="tx1"/>
+              </a:solidFill>
+              <a:effectLst/>
+              <a:latin typeface="Arial" charset="0"/>
+              <a:cs typeface="Arial" charset="0"/>
+            </a:endParaRPr>
+          </a:p>
+        </p:txBody>
+      </p:sp>
+      <p:sp>
+        <p:nvSpPr>
+          <p:cNvPr id="2" name="Content Placeholder 12">
+            <a:extLst>
+              <a:ext uri="{FF2B5EF4-FFF2-40B4-BE49-F238E27FC236}">
+                <a16:creationId xmlns:a16="http://schemas.microsoft.com/office/drawing/2014/main" id="{7DB9547F-E35D-2DF9-B022-A9A26B6B8706}"/>
+              </a:ext>
+            </a:extLst>
+          </p:cNvPr>
+          <p:cNvSpPr>
+            <a:spLocks noGrp="1"/>
+          </p:cNvSpPr>
+          <p:nvPr>
+            <p:ph idx="1"/>
+          </p:nvPr>
+        </p:nvSpPr>
+        <p:spPr>
+          <a:xfrm>
+            <a:off x="1143000" y="1600200"/>
+            <a:ext cx="7696200" cy="5029200"/>
+          </a:xfrm>
+        </p:spPr>
+        <p:txBody>
+          <a:bodyPr/>
+          <a:lstStyle/>
+          <a:p>
+            <a:r>
               <a:rPr lang="en-US" dirty="0"/>
               <a:t>Independent schedulers may collide</a:t>
             </a:r>
@@ -31941,7 +32986,15 @@
             <a:pPr lvl="1"/>
             <a:r>
               <a:rPr lang="en-US" dirty="0"/>
-              <a:t>Static partition</a:t>
+              <a:t>Static partition </a:t>
+            </a:r>
+            <a:r>
+              <a:rPr lang="en-US" sz="2400" dirty="0">
+                <a:latin typeface="+mj-lt"/>
+                <a:ea typeface="+mn-ea"/>
+                <a:cs typeface="+mn-cs"/>
+              </a:rPr>
+              <a:t>[Quincy]</a:t>
             </a:r>
           </a:p>
           <a:p>
@@ -31968,7 +33021,15 @@
             <a:pPr lvl="1"/>
             <a:r>
               <a:rPr lang="en-US" dirty="0"/>
-              <a:t>Dynamic partition</a:t>
+              <a:t>Dynamic partition </a:t>
+            </a:r>
+            <a:r>
+              <a:rPr lang="en-US" sz="2400" dirty="0">
+                <a:latin typeface="+mj-lt"/>
+                <a:ea typeface="+mn-ea"/>
+                <a:cs typeface="+mn-cs"/>
+              </a:rPr>
+              <a:t>[Mesos]</a:t>
             </a:r>
           </a:p>
           <a:p>
@@ -32011,7 +33072,15 @@
             </a:r>
             <a:r>
               <a:rPr lang="en-US" dirty="0"/>
-              <a:t>Balance between TP and collision ratio</a:t>
+              <a:t>Balance TP Vs. collision ratio </a:t>
+            </a:r>
+            <a:r>
+              <a:rPr lang="en-US" dirty="0">
+                <a:latin typeface="+mj-lt"/>
+                <a:ea typeface="+mn-ea"/>
+                <a:cs typeface="+mn-cs"/>
+              </a:rPr>
+              <a:t>[Cohen’23]</a:t>
             </a:r>
           </a:p>
         </p:txBody>
@@ -32663,6 +33732,519 @@
     <p:extLst>
       <p:ext uri="{BB962C8B-B14F-4D97-AF65-F5344CB8AC3E}">
         <p14:creationId xmlns:p14="http://schemas.microsoft.com/office/powerpoint/2010/main" val="2432591808"/>
+      </p:ext>
+    </p:extLst>
+  </p:cSld>
+  <p:clrMapOvr>
+    <a:masterClrMapping/>
+  </p:clrMapOvr>
+</p:sld>
+</file>
+
+<file path=ppt/slides/slide30.xml><?xml version="1.0" encoding="utf-8"?>
+<p:sld xmlns:a="http://schemas.openxmlformats.org/drawingml/2006/main" xmlns:r="http://schemas.openxmlformats.org/officeDocument/2006/relationships" xmlns:p="http://schemas.openxmlformats.org/presentationml/2006/main">
+  <p:cSld>
+    <p:spTree>
+      <p:nvGrpSpPr>
+        <p:cNvPr id="1" name=""/>
+        <p:cNvGrpSpPr/>
+        <p:nvPr/>
+      </p:nvGrpSpPr>
+      <p:grpSpPr>
+        <a:xfrm>
+          <a:off x="0" y="0"/>
+          <a:ext cx="0" cy="0"/>
+          <a:chOff x="0" y="0"/>
+          <a:chExt cx="0" cy="0"/>
+        </a:xfrm>
+      </p:grpSpPr>
+      <p:sp>
+        <p:nvSpPr>
+          <p:cNvPr id="7" name="Title 6">
+            <a:extLst>
+              <a:ext uri="{FF2B5EF4-FFF2-40B4-BE49-F238E27FC236}">
+                <a16:creationId xmlns:a16="http://schemas.microsoft.com/office/drawing/2014/main" id="{D6049869-35E6-4A4F-9958-096B69AB27F3}"/>
+              </a:ext>
+            </a:extLst>
+          </p:cNvPr>
+          <p:cNvSpPr>
+            <a:spLocks noGrp="1"/>
+          </p:cNvSpPr>
+          <p:nvPr>
+            <p:ph type="title"/>
+          </p:nvPr>
+        </p:nvSpPr>
+        <p:spPr/>
+        <p:txBody>
+          <a:bodyPr/>
+          <a:lstStyle/>
+          <a:p>
+            <a:r>
+              <a:rPr lang="en-US" sz="3400" dirty="0"/>
+              <a:t>References</a:t>
+            </a:r>
+          </a:p>
+        </p:txBody>
+      </p:sp>
+      <p:sp>
+        <p:nvSpPr>
+          <p:cNvPr id="10" name="Text Placeholder 9">
+            <a:extLst>
+              <a:ext uri="{FF2B5EF4-FFF2-40B4-BE49-F238E27FC236}">
+                <a16:creationId xmlns:a16="http://schemas.microsoft.com/office/drawing/2014/main" id="{91363926-AF37-4C4D-BCBB-A6176E203D7B}"/>
+              </a:ext>
+            </a:extLst>
+          </p:cNvPr>
+          <p:cNvSpPr>
+            <a:spLocks noGrp="1"/>
+          </p:cNvSpPr>
+          <p:nvPr>
+            <p:ph type="body" sz="quarter" idx="12"/>
+          </p:nvPr>
+        </p:nvSpPr>
+        <p:spPr/>
+        <p:txBody>
+          <a:bodyPr/>
+          <a:lstStyle/>
+          <a:p>
+            <a:pPr algn="l"/>
+            <a:r>
+              <a:rPr lang="en-US" sz="1050" b="1" kern="0" dirty="0"/>
+              <a:t>Balls &amp; bins</a:t>
+            </a:r>
+            <a:endParaRPr lang="en-US" sz="1050" kern="0" dirty="0"/>
+          </a:p>
+        </p:txBody>
+      </p:sp>
+      <p:sp>
+        <p:nvSpPr>
+          <p:cNvPr id="6" name="Text Placeholder 10">
+            <a:extLst>
+              <a:ext uri="{FF2B5EF4-FFF2-40B4-BE49-F238E27FC236}">
+                <a16:creationId xmlns:a16="http://schemas.microsoft.com/office/drawing/2014/main" id="{AB316EBA-D5B5-007A-4428-2F122707D38D}"/>
+              </a:ext>
+            </a:extLst>
+          </p:cNvPr>
+          <p:cNvSpPr>
+            <a:spLocks noGrp="1"/>
+          </p:cNvSpPr>
+          <p:nvPr>
+            <p:ph type="body" sz="quarter" idx="13"/>
+          </p:nvPr>
+        </p:nvSpPr>
+        <p:spPr>
+          <a:xfrm>
+            <a:off x="9525" y="3429000"/>
+            <a:ext cx="1143000" cy="1143000"/>
+          </a:xfrm>
+        </p:spPr>
+        <p:txBody>
+          <a:bodyPr/>
+          <a:lstStyle/>
+          <a:p>
+            <a:r>
+              <a:rPr lang="en-US" sz="1100" dirty="0">
+                <a:solidFill>
+                  <a:schemeClr val="bg2"/>
+                </a:solidFill>
+              </a:rPr>
+              <a:t>Motivation</a:t>
+            </a:r>
+          </a:p>
+          <a:p>
+            <a:r>
+              <a:rPr lang="en-US" sz="1100" dirty="0">
+                <a:solidFill>
+                  <a:schemeClr val="bg2"/>
+                </a:solidFill>
+              </a:rPr>
+              <a:t>Model</a:t>
+            </a:r>
+          </a:p>
+          <a:p>
+            <a:r>
+              <a:rPr lang="en-US" sz="1100" dirty="0">
+                <a:solidFill>
+                  <a:schemeClr val="bg2"/>
+                </a:solidFill>
+              </a:rPr>
+              <a:t>Algorithms</a:t>
+            </a:r>
+          </a:p>
+          <a:p>
+            <a:r>
+              <a:rPr lang="en-US" sz="1100" dirty="0">
+                <a:solidFill>
+                  <a:schemeClr val="bg2"/>
+                </a:solidFill>
+              </a:rPr>
+              <a:t>Results</a:t>
+            </a:r>
+          </a:p>
+          <a:p>
+            <a:r>
+              <a:rPr lang="en-US" sz="1100" dirty="0">
+                <a:solidFill>
+                  <a:schemeClr val="bg2"/>
+                </a:solidFill>
+              </a:rPr>
+              <a:t>Summary</a:t>
+            </a:r>
+          </a:p>
+          <a:p>
+            <a:endParaRPr lang="en-US" dirty="0"/>
+          </a:p>
+        </p:txBody>
+      </p:sp>
+      <p:graphicFrame>
+        <p:nvGraphicFramePr>
+          <p:cNvPr id="12" name="Table 11">
+            <a:extLst>
+              <a:ext uri="{FF2B5EF4-FFF2-40B4-BE49-F238E27FC236}">
+                <a16:creationId xmlns:a16="http://schemas.microsoft.com/office/drawing/2014/main" id="{9B8AE478-D72C-45D8-A9CB-AC3330A4B2C2}"/>
+              </a:ext>
+            </a:extLst>
+          </p:cNvPr>
+          <p:cNvGraphicFramePr>
+            <a:graphicFrameLocks noGrp="1"/>
+          </p:cNvGraphicFramePr>
+          <p:nvPr/>
+        </p:nvGraphicFramePr>
+        <p:xfrm>
+          <a:off x="7654737" y="1378857"/>
+          <a:ext cx="208280" cy="365760"/>
+        </p:xfrm>
+        <a:graphic>
+          <a:graphicData uri="http://schemas.openxmlformats.org/drawingml/2006/table">
+            <a:tbl>
+              <a:tblPr rtl="1"/>
+              <a:tblGrid>
+                <a:gridCol w="208280">
+                  <a:extLst>
+                    <a:ext uri="{9D8B030D-6E8A-4147-A177-3AD203B41FA5}">
+                      <a16:colId xmlns:a16="http://schemas.microsoft.com/office/drawing/2014/main" val="4271487709"/>
+                    </a:ext>
+                  </a:extLst>
+                </a:gridCol>
+              </a:tblGrid>
+              <a:tr h="0">
+                <a:tc>
+                  <a:txBody>
+                    <a:bodyPr/>
+                    <a:lstStyle/>
+                    <a:p>
+                      <a:pPr rtl="1"/>
+                      <a:endParaRPr lang="he-IL" dirty="0"/>
+                    </a:p>
+                  </a:txBody>
+                  <a:tcPr>
+                    <a:lnL>
+                      <a:noFill/>
+                    </a:lnL>
+                    <a:lnR>
+                      <a:noFill/>
+                    </a:lnR>
+                    <a:lnT>
+                      <a:noFill/>
+                    </a:lnT>
+                    <a:lnB>
+                      <a:noFill/>
+                    </a:lnB>
+                  </a:tcPr>
+                </a:tc>
+                <a:extLst>
+                  <a:ext uri="{0D108BD9-81ED-4DB2-BD59-A6C34878D82A}">
+                    <a16:rowId xmlns:a16="http://schemas.microsoft.com/office/drawing/2014/main" val="852532958"/>
+                  </a:ext>
+                </a:extLst>
+              </a:tr>
+            </a:tbl>
+          </a:graphicData>
+        </a:graphic>
+      </p:graphicFrame>
+      <p:sp>
+        <p:nvSpPr>
+          <p:cNvPr id="3" name="Rectangle 2">
+            <a:extLst>
+              <a:ext uri="{FF2B5EF4-FFF2-40B4-BE49-F238E27FC236}">
+                <a16:creationId xmlns:a16="http://schemas.microsoft.com/office/drawing/2014/main" id="{D667B383-1AE1-4ADB-8F04-ACA4A4DFB618}"/>
+              </a:ext>
+            </a:extLst>
+          </p:cNvPr>
+          <p:cNvSpPr/>
+          <p:nvPr/>
+        </p:nvSpPr>
+        <p:spPr bwMode="auto">
+          <a:xfrm>
+            <a:off x="0" y="0"/>
+            <a:ext cx="1143000" cy="1378857"/>
+          </a:xfrm>
+          <a:prstGeom prst="rect">
+            <a:avLst/>
+          </a:prstGeom>
+          <a:solidFill>
+            <a:srgbClr val="003399"/>
+          </a:solidFill>
+          <a:ln w="9525" cap="flat" cmpd="sng" algn="ctr">
+            <a:noFill/>
+            <a:prstDash val="solid"/>
+            <a:round/>
+            <a:headEnd type="none" w="med" len="med"/>
+            <a:tailEnd type="none" w="med" len="med"/>
+          </a:ln>
+          <a:effectLst/>
+        </p:spPr>
+        <p:txBody>
+          <a:bodyPr vert="horz" wrap="square" lIns="91440" tIns="45720" rIns="91440" bIns="45720" numCol="1" rtlCol="0" anchor="t" anchorCtr="0" compatLnSpc="1">
+            <a:prstTxWarp prst="textNoShape">
+              <a:avLst/>
+            </a:prstTxWarp>
+          </a:bodyPr>
+          <a:lstStyle/>
+          <a:p>
+            <a:pPr marL="0" marR="0" indent="0" algn="l" defTabSz="914400" rtl="0" eaLnBrk="1" fontAlgn="base" latinLnBrk="0" hangingPunct="1">
+              <a:lnSpc>
+                <a:spcPct val="100000"/>
+              </a:lnSpc>
+              <a:spcBef>
+                <a:spcPct val="0"/>
+              </a:spcBef>
+              <a:spcAft>
+                <a:spcPct val="0"/>
+              </a:spcAft>
+              <a:buClrTx/>
+              <a:buSzTx/>
+              <a:buFontTx/>
+              <a:buNone/>
+              <a:tabLst/>
+            </a:pPr>
+            <a:endParaRPr kumimoji="0" lang="en-US" sz="1800" b="1" i="0" u="none" strike="noStrike" cap="none" normalizeH="0" baseline="0">
+              <a:ln>
+                <a:noFill/>
+              </a:ln>
+              <a:solidFill>
+                <a:schemeClr val="tx1"/>
+              </a:solidFill>
+              <a:effectLst/>
+              <a:latin typeface="Arial" charset="0"/>
+              <a:cs typeface="Arial" charset="0"/>
+            </a:endParaRPr>
+          </a:p>
+        </p:txBody>
+      </p:sp>
+      <p:sp>
+        <p:nvSpPr>
+          <p:cNvPr id="2" name="Content Placeholder 12">
+            <a:extLst>
+              <a:ext uri="{FF2B5EF4-FFF2-40B4-BE49-F238E27FC236}">
+                <a16:creationId xmlns:a16="http://schemas.microsoft.com/office/drawing/2014/main" id="{7DB9547F-E35D-2DF9-B022-A9A26B6B8706}"/>
+              </a:ext>
+            </a:extLst>
+          </p:cNvPr>
+          <p:cNvSpPr>
+            <a:spLocks noGrp="1"/>
+          </p:cNvSpPr>
+          <p:nvPr>
+            <p:ph idx="1"/>
+          </p:nvPr>
+        </p:nvSpPr>
+        <p:spPr>
+          <a:xfrm>
+            <a:off x="1143000" y="1600200"/>
+            <a:ext cx="7696200" cy="5029200"/>
+          </a:xfrm>
+        </p:spPr>
+        <p:txBody>
+          <a:bodyPr/>
+          <a:lstStyle/>
+          <a:p>
+            <a:r>
+              <a:rPr lang="en-US" sz="1800" dirty="0">
+                <a:solidFill>
+                  <a:srgbClr val="222222"/>
+                </a:solidFill>
+                <a:highlight>
+                  <a:srgbClr val="FFFFFF"/>
+                </a:highlight>
+                <a:latin typeface="Arial" panose="020B0604020202020204" pitchFamily="34" charset="0"/>
+              </a:rPr>
+              <a:t>[Mitzenmacher’01] </a:t>
+            </a:r>
+            <a:r>
+              <a:rPr lang="en-US" sz="1800" dirty="0" err="1">
+                <a:solidFill>
+                  <a:srgbClr val="222222"/>
+                </a:solidFill>
+                <a:highlight>
+                  <a:srgbClr val="FFFFFF"/>
+                </a:highlight>
+                <a:latin typeface="Arial" panose="020B0604020202020204" pitchFamily="34" charset="0"/>
+              </a:rPr>
+              <a:t>Mitzenmacher</a:t>
+            </a:r>
+            <a:r>
+              <a:rPr lang="en-US" sz="1800" dirty="0">
+                <a:solidFill>
+                  <a:srgbClr val="222222"/>
+                </a:solidFill>
+                <a:highlight>
+                  <a:srgbClr val="FFFFFF"/>
+                </a:highlight>
+                <a:latin typeface="Arial" panose="020B0604020202020204" pitchFamily="34" charset="0"/>
+              </a:rPr>
+              <a:t>, M. "The power of two choices in randomized load balancing." </a:t>
+            </a:r>
+            <a:r>
+              <a:rPr lang="en-US" sz="1800" i="1" dirty="0">
+                <a:solidFill>
+                  <a:srgbClr val="222222"/>
+                </a:solidFill>
+                <a:highlight>
+                  <a:srgbClr val="FFFFFF"/>
+                </a:highlight>
+                <a:latin typeface="Arial" panose="020B0604020202020204" pitchFamily="34" charset="0"/>
+              </a:rPr>
+              <a:t>IEEE Transactions on Parallel and Distributed Systems</a:t>
+            </a:r>
+            <a:r>
+              <a:rPr lang="en-US" sz="1800" dirty="0">
+                <a:solidFill>
+                  <a:srgbClr val="222222"/>
+                </a:solidFill>
+                <a:highlight>
+                  <a:srgbClr val="FFFFFF"/>
+                </a:highlight>
+                <a:latin typeface="Arial" panose="020B0604020202020204" pitchFamily="34" charset="0"/>
+              </a:rPr>
+              <a:t> 12.10 (2001): 1094-1104.</a:t>
+            </a:r>
+          </a:p>
+          <a:p>
+            <a:r>
+              <a:rPr lang="en-US" sz="1800" dirty="0">
+                <a:solidFill>
+                  <a:srgbClr val="222222"/>
+                </a:solidFill>
+                <a:highlight>
+                  <a:srgbClr val="FFFFFF"/>
+                </a:highlight>
+                <a:latin typeface="Arial" panose="020B0604020202020204" pitchFamily="34" charset="0"/>
+              </a:rPr>
+              <a:t>[Nahir’16] </a:t>
+            </a:r>
+            <a:r>
+              <a:rPr lang="en-US" sz="1800" dirty="0" err="1">
+                <a:solidFill>
+                  <a:srgbClr val="222222"/>
+                </a:solidFill>
+                <a:highlight>
+                  <a:srgbClr val="FFFFFF"/>
+                </a:highlight>
+                <a:latin typeface="Arial" panose="020B0604020202020204" pitchFamily="34" charset="0"/>
+              </a:rPr>
+              <a:t>Nahir</a:t>
+            </a:r>
+            <a:r>
+              <a:rPr lang="en-US" sz="1800" dirty="0">
+                <a:solidFill>
+                  <a:srgbClr val="222222"/>
+                </a:solidFill>
+                <a:highlight>
+                  <a:srgbClr val="FFFFFF"/>
+                </a:highlight>
+                <a:latin typeface="Arial" panose="020B0604020202020204" pitchFamily="34" charset="0"/>
+              </a:rPr>
+              <a:t>, A., </a:t>
+            </a:r>
+            <a:r>
+              <a:rPr lang="en-US" sz="1800" dirty="0" err="1">
+                <a:solidFill>
+                  <a:srgbClr val="222222"/>
+                </a:solidFill>
+                <a:highlight>
+                  <a:srgbClr val="FFFFFF"/>
+                </a:highlight>
+                <a:latin typeface="Arial" panose="020B0604020202020204" pitchFamily="34" charset="0"/>
+              </a:rPr>
+              <a:t>Orda</a:t>
+            </a:r>
+            <a:r>
+              <a:rPr lang="en-US" sz="1800" dirty="0">
+                <a:solidFill>
+                  <a:srgbClr val="222222"/>
+                </a:solidFill>
+                <a:highlight>
+                  <a:srgbClr val="FFFFFF"/>
+                </a:highlight>
+                <a:latin typeface="Arial" panose="020B0604020202020204" pitchFamily="34" charset="0"/>
+              </a:rPr>
+              <a:t>, A., &amp; Raz, D. (2016, April). Reversing the supermarket: A distributed approach for handling elasticity in the cloud. In </a:t>
+            </a:r>
+            <a:r>
+              <a:rPr lang="en-US" sz="1800" i="1" dirty="0">
+                <a:solidFill>
+                  <a:srgbClr val="222222"/>
+                </a:solidFill>
+                <a:highlight>
+                  <a:srgbClr val="FFFFFF"/>
+                </a:highlight>
+                <a:latin typeface="Arial" panose="020B0604020202020204" pitchFamily="34" charset="0"/>
+              </a:rPr>
+              <a:t>NOMS 2016-2016 IEEE/IFIP Network Operations and Management Symposium</a:t>
+            </a:r>
+            <a:r>
+              <a:rPr lang="en-US" sz="1800" dirty="0">
+                <a:solidFill>
+                  <a:srgbClr val="222222"/>
+                </a:solidFill>
+                <a:highlight>
+                  <a:srgbClr val="FFFFFF"/>
+                </a:highlight>
+                <a:latin typeface="Arial" panose="020B0604020202020204" pitchFamily="34" charset="0"/>
+              </a:rPr>
+              <a:t> (pp. 87-95). IEEE.</a:t>
+            </a:r>
+          </a:p>
+          <a:p>
+            <a:r>
+              <a:rPr lang="en-US" sz="1800" dirty="0"/>
+              <a:t>[Quincy] M. </a:t>
+            </a:r>
+            <a:r>
+              <a:rPr lang="en-US" sz="1800" dirty="0" err="1"/>
+              <a:t>Isard</a:t>
+            </a:r>
+            <a:r>
+              <a:rPr lang="en-US" sz="1800" dirty="0"/>
+              <a:t> et al. “Quincy: Fair scheduling for distributed computing clusters,” in Proc. ACM SIGOPS, 2009, pp. 261–276.</a:t>
+            </a:r>
+          </a:p>
+          <a:p>
+            <a:r>
+              <a:rPr lang="en-US" sz="1800" dirty="0"/>
+              <a:t>[Mesos] B. Hindman et al., “Mesos: A platform for fine-grained resource sharing in the data center,” in Proc. NSDI, 2011, pp. 295–308.</a:t>
+            </a:r>
+          </a:p>
+          <a:p>
+            <a:r>
+              <a:rPr lang="en-US" sz="1800" dirty="0"/>
+              <a:t>[Cohen’23] Cohen, Itamar, et al. "High throughput </a:t>
+            </a:r>
+            <a:r>
+              <a:rPr lang="en-US" sz="1800" dirty="0" err="1"/>
+              <a:t>vms</a:t>
+            </a:r>
+            <a:r>
+              <a:rPr lang="en-US" sz="1800" dirty="0"/>
+              <a:t> placement with constrained communication overhead and provable guarantees." IEEE Transactions on Network and Service Management 20.3 (2023): 3148-3161.</a:t>
+            </a:r>
+          </a:p>
+        </p:txBody>
+      </p:sp>
+    </p:spTree>
+    <p:extLst>
+      <p:ext uri="{BB962C8B-B14F-4D97-AF65-F5344CB8AC3E}">
+        <p14:creationId xmlns:p14="http://schemas.microsoft.com/office/powerpoint/2010/main" val="278500759"/>
       </p:ext>
     </p:extLst>
   </p:cSld>

--- a/BallsNBins_Cisco.pptx
+++ b/BallsNBins_Cisco.pptx
@@ -27719,19 +27719,8 @@
                 <a:latin typeface="+mj-lt"/>
                 <a:sym typeface="Wingdings" pitchFamily="2" charset="2"/>
               </a:rPr>
-              <a:t>E.g.,    </a:t>
+              <a:t>E.g.,    =1M:</a:t>
             </a:r>
-            <a:r>
-              <a:rPr lang="en-US" sz="3200">
-                <a:latin typeface="+mj-lt"/>
-                <a:sym typeface="Wingdings" pitchFamily="2" charset="2"/>
-              </a:rPr>
-              <a:t>=1M:</a:t>
-            </a:r>
-            <a:endParaRPr lang="en-US" sz="3200" dirty="0">
-              <a:latin typeface="+mj-lt"/>
-              <a:sym typeface="Wingdings" pitchFamily="2" charset="2"/>
-            </a:endParaRPr>
           </a:p>
           <a:p>
             <a:pPr lvl="2"/>
@@ -27764,8 +27753,19 @@
                 <a:latin typeface="+mj-lt"/>
                 <a:sym typeface="Wingdings" pitchFamily="2" charset="2"/>
               </a:rPr>
-              <a:t>max. load=5.26</a:t>
+              <a:t>max. load=5.26 + </a:t>
             </a:r>
+            <a:r>
+              <a:rPr lang="en-US" sz="2400" i="1" dirty="0">
+                <a:latin typeface="+mj-lt"/>
+                <a:sym typeface="Wingdings" pitchFamily="2" charset="2"/>
+              </a:rPr>
+              <a:t>o(1)</a:t>
+            </a:r>
+            <a:endParaRPr lang="en-US" sz="2400" dirty="0">
+              <a:latin typeface="+mj-lt"/>
+              <a:sym typeface="Wingdings" pitchFamily="2" charset="2"/>
+            </a:endParaRPr>
           </a:p>
           <a:p>
             <a:pPr lvl="2"/>
@@ -27784,7 +27784,14 @@
                 <a:latin typeface="+mj-lt"/>
                 <a:sym typeface="Wingdings" pitchFamily="2" charset="2"/>
               </a:rPr>
-              <a:t>max. load=2.63</a:t>
+              <a:t>max. load=3.78 + </a:t>
+            </a:r>
+            <a:r>
+              <a:rPr lang="en-US" sz="2400" i="1" dirty="0">
+                <a:latin typeface="+mj-lt"/>
+                <a:sym typeface="Wingdings" pitchFamily="2" charset="2"/>
+              </a:rPr>
+              <a:t>o(1)</a:t>
             </a:r>
             <a:endParaRPr lang="en-US" sz="2400" dirty="0">
               <a:latin typeface="+mj-lt"/>

--- a/BallsNBins_Cisco.pptx
+++ b/BallsNBins_Cisco.pptx
@@ -5,10 +5,10 @@
     <p:sldMasterId id="2147483909" r:id="rId1"/>
   </p:sldMasterIdLst>
   <p:notesMasterIdLst>
-    <p:notesMasterId r:id="rId32"/>
+    <p:notesMasterId r:id="rId33"/>
   </p:notesMasterIdLst>
   <p:handoutMasterIdLst>
-    <p:handoutMasterId r:id="rId33"/>
+    <p:handoutMasterId r:id="rId34"/>
   </p:handoutMasterIdLst>
   <p:sldIdLst>
     <p:sldId id="258" r:id="rId2"/>
@@ -38,9 +38,10 @@
     <p:sldId id="392" r:id="rId26"/>
     <p:sldId id="396" r:id="rId27"/>
     <p:sldId id="405" r:id="rId28"/>
-    <p:sldId id="403" r:id="rId29"/>
-    <p:sldId id="397" r:id="rId30"/>
+    <p:sldId id="397" r:id="rId29"/>
+    <p:sldId id="403" r:id="rId30"/>
     <p:sldId id="404" r:id="rId31"/>
+    <p:sldId id="406" r:id="rId32"/>
   </p:sldIdLst>
   <p:sldSz cx="9144000" cy="6858000" type="screen4x3"/>
   <p:notesSz cx="7099300" cy="10234613"/>
@@ -2983,7 +2984,7 @@
     </p:spTree>
     <p:extLst>
       <p:ext uri="{BB962C8B-B14F-4D97-AF65-F5344CB8AC3E}">
-        <p14:creationId xmlns:p14="http://schemas.microsoft.com/office/powerpoint/2010/main" val="3044171517"/>
+        <p14:creationId xmlns:p14="http://schemas.microsoft.com/office/powerpoint/2010/main" val="3822420504"/>
       </p:ext>
     </p:extLst>
   </p:cSld>
@@ -3037,6 +3038,36 @@
           <a:bodyPr/>
           <a:lstStyle/>
           <a:p>
+            <a:pPr marL="0" marR="0" lvl="0" indent="0" algn="l" defTabSz="914400" rtl="0" eaLnBrk="0" fontAlgn="base" latinLnBrk="0" hangingPunct="0">
+              <a:lnSpc>
+                <a:spcPct val="107000"/>
+              </a:lnSpc>
+              <a:spcBef>
+                <a:spcPct val="30000"/>
+              </a:spcBef>
+              <a:spcAft>
+                <a:spcPts val="800"/>
+              </a:spcAft>
+              <a:buClrTx/>
+              <a:buSzTx/>
+              <a:buFontTx/>
+              <a:buNone/>
+              <a:tabLst/>
+              <a:defRPr/>
+            </a:pPr>
+            <a:r>
+              <a:rPr lang="en-US" sz="1200" dirty="0"/>
+              <a:t>Supermarket: balls </a:t>
+            </a:r>
+            <a:r>
+              <a:rPr lang="en-US" sz="1200" dirty="0">
+                <a:sym typeface="Wingdings" panose="05000000000000000000" pitchFamily="2" charset="2"/>
+              </a:rPr>
+              <a:t> M/M/1 Qs</a:t>
+            </a:r>
+            <a:endParaRPr lang="en-US" sz="1200" dirty="0"/>
+          </a:p>
+          <a:p>
             <a:pPr algn="l" rtl="0">
               <a:lnSpc>
                 <a:spcPct val="107000"/>
@@ -3081,7 +3112,7 @@
     </p:spTree>
     <p:extLst>
       <p:ext uri="{BB962C8B-B14F-4D97-AF65-F5344CB8AC3E}">
-        <p14:creationId xmlns:p14="http://schemas.microsoft.com/office/powerpoint/2010/main" val="3822420504"/>
+        <p14:creationId xmlns:p14="http://schemas.microsoft.com/office/powerpoint/2010/main" val="1404350271"/>
       </p:ext>
     </p:extLst>
   </p:cSld>
@@ -3278,6 +3309,104 @@
     <p:extLst>
       <p:ext uri="{BB962C8B-B14F-4D97-AF65-F5344CB8AC3E}">
         <p14:creationId xmlns:p14="http://schemas.microsoft.com/office/powerpoint/2010/main" val="1298502251"/>
+      </p:ext>
+    </p:extLst>
+  </p:cSld>
+  <p:clrMapOvr>
+    <a:masterClrMapping/>
+  </p:clrMapOvr>
+</p:notes>
+</file>
+
+<file path=ppt/notesSlides/notesSlide31.xml><?xml version="1.0" encoding="utf-8"?>
+<p:notes xmlns:a="http://schemas.openxmlformats.org/drawingml/2006/main" xmlns:r="http://schemas.openxmlformats.org/officeDocument/2006/relationships" xmlns:p="http://schemas.openxmlformats.org/presentationml/2006/main">
+  <p:cSld>
+    <p:spTree>
+      <p:nvGrpSpPr>
+        <p:cNvPr id="1" name=""/>
+        <p:cNvGrpSpPr/>
+        <p:nvPr/>
+      </p:nvGrpSpPr>
+      <p:grpSpPr>
+        <a:xfrm>
+          <a:off x="0" y="0"/>
+          <a:ext cx="0" cy="0"/>
+          <a:chOff x="0" y="0"/>
+          <a:chExt cx="0" cy="0"/>
+        </a:xfrm>
+      </p:grpSpPr>
+      <p:sp>
+        <p:nvSpPr>
+          <p:cNvPr id="2" name="Slide Image Placeholder 1"/>
+          <p:cNvSpPr>
+            <a:spLocks noGrp="1" noRot="1" noChangeAspect="1"/>
+          </p:cNvSpPr>
+          <p:nvPr>
+            <p:ph type="sldImg"/>
+          </p:nvPr>
+        </p:nvSpPr>
+        <p:spPr/>
+      </p:sp>
+      <p:sp>
+        <p:nvSpPr>
+          <p:cNvPr id="3" name="Notes Placeholder 2"/>
+          <p:cNvSpPr>
+            <a:spLocks noGrp="1"/>
+          </p:cNvSpPr>
+          <p:nvPr>
+            <p:ph type="body" idx="1"/>
+          </p:nvPr>
+        </p:nvSpPr>
+        <p:spPr/>
+        <p:txBody>
+          <a:bodyPr/>
+          <a:lstStyle/>
+          <a:p>
+            <a:pPr algn="l" rtl="0">
+              <a:lnSpc>
+                <a:spcPct val="107000"/>
+              </a:lnSpc>
+              <a:spcAft>
+                <a:spcPts val="800"/>
+              </a:spcAft>
+            </a:pPr>
+            <a:endParaRPr lang="en-US" dirty="0"/>
+          </a:p>
+        </p:txBody>
+      </p:sp>
+      <p:sp>
+        <p:nvSpPr>
+          <p:cNvPr id="4" name="Slide Number Placeholder 3"/>
+          <p:cNvSpPr>
+            <a:spLocks noGrp="1"/>
+          </p:cNvSpPr>
+          <p:nvPr>
+            <p:ph type="sldNum" sz="quarter" idx="5"/>
+          </p:nvPr>
+        </p:nvSpPr>
+        <p:spPr/>
+        <p:txBody>
+          <a:bodyPr/>
+          <a:lstStyle/>
+          <a:p>
+            <a:pPr>
+              <a:defRPr/>
+            </a:pPr>
+            <a:fld id="{AF3000EE-471F-49DA-891E-26BB1401A0F3}" type="slidenum">
+              <a:rPr lang="he-IL" smtClean="0"/>
+              <a:pPr>
+                <a:defRPr/>
+              </a:pPr>
+              <a:t>31</a:t>
+            </a:fld>
+            <a:endParaRPr lang="en-US"/>
+          </a:p>
+        </p:txBody>
+      </p:sp>
+    </p:spTree>
+    <p:extLst>
+      <p:ext uri="{BB962C8B-B14F-4D97-AF65-F5344CB8AC3E}">
+        <p14:creationId xmlns:p14="http://schemas.microsoft.com/office/powerpoint/2010/main" val="3158271123"/>
       </p:ext>
     </p:extLst>
   </p:cSld>
@@ -7354,6 +7483,21 @@
               </a:rPr>
               <a:t> problem</a:t>
             </a:r>
+            <a:r>
+              <a:rPr lang="en-GB" sz="3200" dirty="0">
+                <a:latin typeface="+mj-lt"/>
+              </a:rPr>
+              <a:t> </a:t>
+            </a:r>
+            <a:r>
+              <a:rPr lang="en-GB" sz="2400" dirty="0">
+                <a:latin typeface="+mj-lt"/>
+              </a:rPr>
+              <a:t>[Cohen’23]</a:t>
+            </a:r>
+            <a:endParaRPr lang="en-US" sz="2400" dirty="0">
+              <a:latin typeface="+mj-lt"/>
+            </a:endParaRPr>
           </a:p>
           <a:p>
             <a:pPr marL="0" indent="0">
@@ -31048,7 +31192,7 @@
             <a:pPr lvl="1"/>
             <a:r>
               <a:rPr lang="en-US" dirty="0"/>
-              <a:t>especially effective when </a:t>
+              <a:t>more relevant when </a:t>
             </a:r>
             <a:r>
               <a:rPr lang="en-US" i="1" dirty="0" err="1"/>
@@ -31947,6 +32091,42 @@
           </a:p>
         </p:txBody>
       </p:sp>
+      <p:pic>
+        <p:nvPicPr>
+          <p:cNvPr id="8" name="Picture 7" descr="A colorful ball with four different colors&#10;&#10;Description automatically generated">
+            <a:extLst>
+              <a:ext uri="{FF2B5EF4-FFF2-40B4-BE49-F238E27FC236}">
+                <a16:creationId xmlns:a16="http://schemas.microsoft.com/office/drawing/2014/main" id="{02D8CF6C-B52C-C582-73AA-E2FA8BCBE3E6}"/>
+              </a:ext>
+            </a:extLst>
+          </p:cNvPr>
+          <p:cNvPicPr>
+            <a:picLocks noChangeAspect="1"/>
+          </p:cNvPicPr>
+          <p:nvPr/>
+        </p:nvPicPr>
+        <p:blipFill>
+          <a:blip r:embed="rId3" cstate="print">
+            <a:extLst>
+              <a:ext uri="{28A0092B-C50C-407E-A947-70E740481C1C}">
+                <a14:useLocalDpi xmlns:a14="http://schemas.microsoft.com/office/drawing/2010/main" val="0"/>
+              </a:ext>
+            </a:extLst>
+          </a:blip>
+          <a:stretch>
+            <a:fillRect/>
+          </a:stretch>
+        </p:blipFill>
+        <p:spPr>
+          <a:xfrm>
+            <a:off x="5334000" y="2133600"/>
+            <a:ext cx="1981200" cy="1981200"/>
+          </a:xfrm>
+          <a:prstGeom prst="rect">
+            <a:avLst/>
+          </a:prstGeom>
+        </p:spPr>
+      </p:pic>
     </p:spTree>
     <p:extLst>
       <p:ext uri="{BB962C8B-B14F-4D97-AF65-F5344CB8AC3E}">
@@ -32319,7 +32499,7 @@
           <a:p>
             <a:r>
               <a:rPr lang="en-US" sz="3400" dirty="0"/>
-              <a:t>Do we really want LB?</a:t>
+              <a:t>Parallelization</a:t>
             </a:r>
           </a:p>
         </p:txBody>
@@ -32593,392 +32773,6 @@
           <a:lstStyle/>
           <a:p>
             <a:r>
-              <a:rPr lang="en-US" sz="3200" dirty="0"/>
-              <a:t>Reversing the supermarket </a:t>
-            </a:r>
-            <a:r>
-              <a:rPr lang="en-US" sz="2400" dirty="0">
-                <a:latin typeface="+mj-lt"/>
-              </a:rPr>
-              <a:t>[Nahir’16]</a:t>
-            </a:r>
-            <a:endParaRPr lang="en-US" dirty="0">
-              <a:latin typeface="+mj-lt"/>
-            </a:endParaRPr>
-          </a:p>
-          <a:p>
-            <a:pPr lvl="1"/>
-            <a:r>
-              <a:rPr lang="en-US" sz="3200" dirty="0"/>
-              <a:t>Supermarket: balls </a:t>
-            </a:r>
-            <a:r>
-              <a:rPr lang="en-US" sz="3200" dirty="0">
-                <a:sym typeface="Wingdings" panose="05000000000000000000" pitchFamily="2" charset="2"/>
-              </a:rPr>
-              <a:t> M/M/1 Qs</a:t>
-            </a:r>
-            <a:endParaRPr lang="en-US" sz="3200" dirty="0"/>
-          </a:p>
-          <a:p>
-            <a:pPr lvl="1"/>
-            <a:r>
-              <a:rPr lang="en-US" sz="3200" dirty="0"/>
-              <a:t>Save energy</a:t>
-            </a:r>
-          </a:p>
-          <a:p>
-            <a:pPr lvl="1"/>
-            <a:r>
-              <a:rPr lang="en-US" sz="3200" dirty="0"/>
-              <a:t>Assuring load in [</a:t>
-            </a:r>
-            <a:r>
-              <a:rPr lang="en-US" sz="3200" dirty="0" err="1"/>
-              <a:t>low_th</a:t>
-            </a:r>
-            <a:r>
-              <a:rPr lang="en-US" sz="3200" dirty="0"/>
-              <a:t>, </a:t>
-            </a:r>
-            <a:r>
-              <a:rPr lang="en-US" sz="3200" dirty="0" err="1"/>
-              <a:t>high_th</a:t>
-            </a:r>
-            <a:r>
-              <a:rPr lang="en-US" sz="3200" dirty="0"/>
-              <a:t>]</a:t>
-            </a:r>
-          </a:p>
-        </p:txBody>
-      </p:sp>
-    </p:spTree>
-    <p:extLst>
-      <p:ext uri="{BB962C8B-B14F-4D97-AF65-F5344CB8AC3E}">
-        <p14:creationId xmlns:p14="http://schemas.microsoft.com/office/powerpoint/2010/main" val="416747389"/>
-      </p:ext>
-    </p:extLst>
-  </p:cSld>
-  <p:clrMapOvr>
-    <a:masterClrMapping/>
-  </p:clrMapOvr>
-</p:sld>
-</file>
-
-<file path=ppt/slides/slide29.xml><?xml version="1.0" encoding="utf-8"?>
-<p:sld xmlns:a="http://schemas.openxmlformats.org/drawingml/2006/main" xmlns:r="http://schemas.openxmlformats.org/officeDocument/2006/relationships" xmlns:p="http://schemas.openxmlformats.org/presentationml/2006/main">
-  <p:cSld>
-    <p:spTree>
-      <p:nvGrpSpPr>
-        <p:cNvPr id="1" name=""/>
-        <p:cNvGrpSpPr/>
-        <p:nvPr/>
-      </p:nvGrpSpPr>
-      <p:grpSpPr>
-        <a:xfrm>
-          <a:off x="0" y="0"/>
-          <a:ext cx="0" cy="0"/>
-          <a:chOff x="0" y="0"/>
-          <a:chExt cx="0" cy="0"/>
-        </a:xfrm>
-      </p:grpSpPr>
-      <p:sp>
-        <p:nvSpPr>
-          <p:cNvPr id="7" name="Title 6">
-            <a:extLst>
-              <a:ext uri="{FF2B5EF4-FFF2-40B4-BE49-F238E27FC236}">
-                <a16:creationId xmlns:a16="http://schemas.microsoft.com/office/drawing/2014/main" id="{D6049869-35E6-4A4F-9958-096B69AB27F3}"/>
-              </a:ext>
-            </a:extLst>
-          </p:cNvPr>
-          <p:cNvSpPr>
-            <a:spLocks noGrp="1"/>
-          </p:cNvSpPr>
-          <p:nvPr>
-            <p:ph type="title"/>
-          </p:nvPr>
-        </p:nvSpPr>
-        <p:spPr/>
-        <p:txBody>
-          <a:bodyPr/>
-          <a:lstStyle/>
-          <a:p>
-            <a:r>
-              <a:rPr lang="en-US" sz="3400" dirty="0"/>
-              <a:t>Parallelization</a:t>
-            </a:r>
-          </a:p>
-        </p:txBody>
-      </p:sp>
-      <p:sp>
-        <p:nvSpPr>
-          <p:cNvPr id="10" name="Text Placeholder 9">
-            <a:extLst>
-              <a:ext uri="{FF2B5EF4-FFF2-40B4-BE49-F238E27FC236}">
-                <a16:creationId xmlns:a16="http://schemas.microsoft.com/office/drawing/2014/main" id="{91363926-AF37-4C4D-BCBB-A6176E203D7B}"/>
-              </a:ext>
-            </a:extLst>
-          </p:cNvPr>
-          <p:cNvSpPr>
-            <a:spLocks noGrp="1"/>
-          </p:cNvSpPr>
-          <p:nvPr>
-            <p:ph type="body" sz="quarter" idx="12"/>
-          </p:nvPr>
-        </p:nvSpPr>
-        <p:spPr/>
-        <p:txBody>
-          <a:bodyPr/>
-          <a:lstStyle/>
-          <a:p>
-            <a:pPr algn="l"/>
-            <a:r>
-              <a:rPr lang="en-US" sz="1050" b="1" kern="0" dirty="0"/>
-              <a:t>Balls &amp; bins</a:t>
-            </a:r>
-            <a:endParaRPr lang="en-US" sz="1050" kern="0" dirty="0"/>
-          </a:p>
-        </p:txBody>
-      </p:sp>
-      <p:sp>
-        <p:nvSpPr>
-          <p:cNvPr id="6" name="Text Placeholder 10">
-            <a:extLst>
-              <a:ext uri="{FF2B5EF4-FFF2-40B4-BE49-F238E27FC236}">
-                <a16:creationId xmlns:a16="http://schemas.microsoft.com/office/drawing/2014/main" id="{AB316EBA-D5B5-007A-4428-2F122707D38D}"/>
-              </a:ext>
-            </a:extLst>
-          </p:cNvPr>
-          <p:cNvSpPr>
-            <a:spLocks noGrp="1"/>
-          </p:cNvSpPr>
-          <p:nvPr>
-            <p:ph type="body" sz="quarter" idx="13"/>
-          </p:nvPr>
-        </p:nvSpPr>
-        <p:spPr>
-          <a:xfrm>
-            <a:off x="9525" y="3429000"/>
-            <a:ext cx="1143000" cy="1143000"/>
-          </a:xfrm>
-        </p:spPr>
-        <p:txBody>
-          <a:bodyPr/>
-          <a:lstStyle/>
-          <a:p>
-            <a:r>
-              <a:rPr lang="en-US" sz="1100" dirty="0">
-                <a:solidFill>
-                  <a:schemeClr val="bg2"/>
-                </a:solidFill>
-              </a:rPr>
-              <a:t>Motivation</a:t>
-            </a:r>
-          </a:p>
-          <a:p>
-            <a:r>
-              <a:rPr lang="en-US" sz="1100" dirty="0">
-                <a:solidFill>
-                  <a:schemeClr val="bg2"/>
-                </a:solidFill>
-              </a:rPr>
-              <a:t>Model</a:t>
-            </a:r>
-          </a:p>
-          <a:p>
-            <a:r>
-              <a:rPr lang="en-US" sz="1100" dirty="0">
-                <a:solidFill>
-                  <a:schemeClr val="bg2"/>
-                </a:solidFill>
-              </a:rPr>
-              <a:t>Algorithms</a:t>
-            </a:r>
-          </a:p>
-          <a:p>
-            <a:r>
-              <a:rPr lang="en-US" sz="1100" dirty="0">
-                <a:solidFill>
-                  <a:schemeClr val="bg2"/>
-                </a:solidFill>
-              </a:rPr>
-              <a:t>Results</a:t>
-            </a:r>
-          </a:p>
-          <a:p>
-            <a:r>
-              <a:rPr lang="en-US" sz="1100" b="1" dirty="0"/>
-              <a:t>Summary</a:t>
-            </a:r>
-          </a:p>
-          <a:p>
-            <a:endParaRPr lang="en-US" dirty="0"/>
-          </a:p>
-        </p:txBody>
-      </p:sp>
-      <p:graphicFrame>
-        <p:nvGraphicFramePr>
-          <p:cNvPr id="12" name="Table 11">
-            <a:extLst>
-              <a:ext uri="{FF2B5EF4-FFF2-40B4-BE49-F238E27FC236}">
-                <a16:creationId xmlns:a16="http://schemas.microsoft.com/office/drawing/2014/main" id="{9B8AE478-D72C-45D8-A9CB-AC3330A4B2C2}"/>
-              </a:ext>
-            </a:extLst>
-          </p:cNvPr>
-          <p:cNvGraphicFramePr>
-            <a:graphicFrameLocks noGrp="1"/>
-          </p:cNvGraphicFramePr>
-          <p:nvPr/>
-        </p:nvGraphicFramePr>
-        <p:xfrm>
-          <a:off x="7654737" y="1378857"/>
-          <a:ext cx="208280" cy="365760"/>
-        </p:xfrm>
-        <a:graphic>
-          <a:graphicData uri="http://schemas.openxmlformats.org/drawingml/2006/table">
-            <a:tbl>
-              <a:tblPr rtl="1"/>
-              <a:tblGrid>
-                <a:gridCol w="208280">
-                  <a:extLst>
-                    <a:ext uri="{9D8B030D-6E8A-4147-A177-3AD203B41FA5}">
-                      <a16:colId xmlns:a16="http://schemas.microsoft.com/office/drawing/2014/main" val="4271487709"/>
-                    </a:ext>
-                  </a:extLst>
-                </a:gridCol>
-              </a:tblGrid>
-              <a:tr h="0">
-                <a:tc>
-                  <a:txBody>
-                    <a:bodyPr/>
-                    <a:lstStyle/>
-                    <a:p>
-                      <a:pPr rtl="1"/>
-                      <a:endParaRPr lang="he-IL" dirty="0"/>
-                    </a:p>
-                  </a:txBody>
-                  <a:tcPr>
-                    <a:lnL>
-                      <a:noFill/>
-                    </a:lnL>
-                    <a:lnR>
-                      <a:noFill/>
-                    </a:lnR>
-                    <a:lnT>
-                      <a:noFill/>
-                    </a:lnT>
-                    <a:lnB>
-                      <a:noFill/>
-                    </a:lnB>
-                  </a:tcPr>
-                </a:tc>
-                <a:extLst>
-                  <a:ext uri="{0D108BD9-81ED-4DB2-BD59-A6C34878D82A}">
-                    <a16:rowId xmlns:a16="http://schemas.microsoft.com/office/drawing/2014/main" val="852532958"/>
-                  </a:ext>
-                </a:extLst>
-              </a:tr>
-            </a:tbl>
-          </a:graphicData>
-        </a:graphic>
-      </p:graphicFrame>
-      <p:sp>
-        <p:nvSpPr>
-          <p:cNvPr id="3" name="Rectangle 2">
-            <a:extLst>
-              <a:ext uri="{FF2B5EF4-FFF2-40B4-BE49-F238E27FC236}">
-                <a16:creationId xmlns:a16="http://schemas.microsoft.com/office/drawing/2014/main" id="{D667B383-1AE1-4ADB-8F04-ACA4A4DFB618}"/>
-              </a:ext>
-            </a:extLst>
-          </p:cNvPr>
-          <p:cNvSpPr/>
-          <p:nvPr/>
-        </p:nvSpPr>
-        <p:spPr bwMode="auto">
-          <a:xfrm>
-            <a:off x="0" y="0"/>
-            <a:ext cx="1143000" cy="1378857"/>
-          </a:xfrm>
-          <a:prstGeom prst="rect">
-            <a:avLst/>
-          </a:prstGeom>
-          <a:solidFill>
-            <a:srgbClr val="003399"/>
-          </a:solidFill>
-          <a:ln w="9525" cap="flat" cmpd="sng" algn="ctr">
-            <a:noFill/>
-            <a:prstDash val="solid"/>
-            <a:round/>
-            <a:headEnd type="none" w="med" len="med"/>
-            <a:tailEnd type="none" w="med" len="med"/>
-          </a:ln>
-          <a:effectLst/>
-        </p:spPr>
-        <p:txBody>
-          <a:bodyPr vert="horz" wrap="square" lIns="91440" tIns="45720" rIns="91440" bIns="45720" numCol="1" rtlCol="0" anchor="t" anchorCtr="0" compatLnSpc="1">
-            <a:prstTxWarp prst="textNoShape">
-              <a:avLst/>
-            </a:prstTxWarp>
-          </a:bodyPr>
-          <a:lstStyle/>
-          <a:p>
-            <a:pPr marL="0" marR="0" indent="0" algn="l" defTabSz="914400" rtl="0" eaLnBrk="1" fontAlgn="base" latinLnBrk="0" hangingPunct="1">
-              <a:lnSpc>
-                <a:spcPct val="100000"/>
-              </a:lnSpc>
-              <a:spcBef>
-                <a:spcPct val="0"/>
-              </a:spcBef>
-              <a:spcAft>
-                <a:spcPct val="0"/>
-              </a:spcAft>
-              <a:buClrTx/>
-              <a:buSzTx/>
-              <a:buFontTx/>
-              <a:buNone/>
-              <a:tabLst/>
-            </a:pPr>
-            <a:endParaRPr kumimoji="0" lang="en-US" sz="1800" b="1" i="0" u="none" strike="noStrike" cap="none" normalizeH="0" baseline="0">
-              <a:ln>
-                <a:noFill/>
-              </a:ln>
-              <a:solidFill>
-                <a:schemeClr val="tx1"/>
-              </a:solidFill>
-              <a:effectLst/>
-              <a:latin typeface="Arial" charset="0"/>
-              <a:cs typeface="Arial" charset="0"/>
-            </a:endParaRPr>
-          </a:p>
-        </p:txBody>
-      </p:sp>
-      <p:sp>
-        <p:nvSpPr>
-          <p:cNvPr id="2" name="Content Placeholder 12">
-            <a:extLst>
-              <a:ext uri="{FF2B5EF4-FFF2-40B4-BE49-F238E27FC236}">
-                <a16:creationId xmlns:a16="http://schemas.microsoft.com/office/drawing/2014/main" id="{7DB9547F-E35D-2DF9-B022-A9A26B6B8706}"/>
-              </a:ext>
-            </a:extLst>
-          </p:cNvPr>
-          <p:cNvSpPr>
-            <a:spLocks noGrp="1"/>
-          </p:cNvSpPr>
-          <p:nvPr>
-            <p:ph idx="1"/>
-          </p:nvPr>
-        </p:nvSpPr>
-        <p:spPr>
-          <a:xfrm>
-            <a:off x="1143000" y="1600200"/>
-            <a:ext cx="7696200" cy="5029200"/>
-          </a:xfrm>
-        </p:spPr>
-        <p:txBody>
-          <a:bodyPr/>
-          <a:lstStyle/>
-          <a:p>
-            <a:r>
               <a:rPr lang="en-US" dirty="0"/>
               <a:t>Independent schedulers may collide</a:t>
             </a:r>
@@ -33065,6 +32859,19 @@
               <a:rPr lang="en-US" dirty="0"/>
               <a:t>Our contribution: adjustable # of sched’s.</a:t>
             </a:r>
+          </a:p>
+          <a:p>
+            <a:pPr lvl="2"/>
+            <a:r>
+              <a:rPr lang="en-US" dirty="0"/>
+              <a:t>Show that random. decreases collisions prob’</a:t>
+            </a:r>
+            <a:endParaRPr lang="en-US" b="1" dirty="0">
+              <a:solidFill>
+                <a:srgbClr val="00FF00"/>
+              </a:solidFill>
+              <a:sym typeface="Wingdings" pitchFamily="2" charset="2"/>
+            </a:endParaRPr>
           </a:p>
           <a:p>
             <a:pPr lvl="2"/>
@@ -33344,15 +33151,33 @@
                                   </p:childTnLst>
                                 </p:cTn>
                               </p:par>
+                            </p:childTnLst>
+                          </p:cTn>
+                        </p:par>
+                      </p:childTnLst>
+                    </p:cTn>
+                  </p:par>
+                  <p:par>
+                    <p:cTn id="21" fill="hold">
+                      <p:stCondLst>
+                        <p:cond delay="indefinite"/>
+                      </p:stCondLst>
+                      <p:childTnLst>
+                        <p:par>
+                          <p:cTn id="22" fill="hold">
+                            <p:stCondLst>
+                              <p:cond delay="0"/>
+                            </p:stCondLst>
+                            <p:childTnLst>
                               <p:par>
-                                <p:cTn id="21" presetID="1" presetClass="entr" presetSubtype="0" fill="hold" nodeType="withEffect">
+                                <p:cTn id="23" presetID="1" presetClass="entr" presetSubtype="0" fill="hold" nodeType="clickEffect">
                                   <p:stCondLst>
                                     <p:cond delay="0"/>
                                   </p:stCondLst>
                                   <p:childTnLst>
                                     <p:set>
                                       <p:cBhvr>
-                                        <p:cTn id="22" dur="1" fill="hold">
+                                        <p:cTn id="24" dur="1" fill="hold">
                                           <p:stCondLst>
                                             <p:cond delay="0"/>
                                           </p:stCondLst>
@@ -33361,6 +33186,37 @@
                                           <p:spTgt spid="2">
                                             <p:txEl>
                                               <p:pRg st="7" end="7"/>
+                                            </p:txEl>
+                                          </p:spTgt>
+                                        </p:tgtEl>
+                                        <p:attrNameLst>
+                                          <p:attrName>style.visibility</p:attrName>
+                                        </p:attrNameLst>
+                                      </p:cBhvr>
+                                      <p:to>
+                                        <p:strVal val="visible"/>
+                                      </p:to>
+                                    </p:set>
+                                  </p:childTnLst>
+                                </p:cTn>
+                              </p:par>
+                              <p:par>
+                                <p:cTn id="25" presetID="1" presetClass="entr" presetSubtype="0" fill="hold" nodeType="withEffect">
+                                  <p:stCondLst>
+                                    <p:cond delay="0"/>
+                                  </p:stCondLst>
+                                  <p:childTnLst>
+                                    <p:set>
+                                      <p:cBhvr>
+                                        <p:cTn id="26" dur="1" fill="hold">
+                                          <p:stCondLst>
+                                            <p:cond delay="0"/>
+                                          </p:stCondLst>
+                                        </p:cTn>
+                                        <p:tgtEl>
+                                          <p:spTgt spid="2">
+                                            <p:txEl>
+                                              <p:pRg st="8" end="8"/>
                                             </p:txEl>
                                           </p:spTgt>
                                         </p:tgtEl>
@@ -33406,7 +33262,7 @@
 </p:sld>
 </file>
 
-<file path=ppt/slides/slide3.xml><?xml version="1.0" encoding="utf-8"?>
+<file path=ppt/slides/slide29.xml><?xml version="1.0" encoding="utf-8"?>
 <p:sld xmlns:a="http://schemas.openxmlformats.org/drawingml/2006/main" xmlns:r="http://schemas.openxmlformats.org/officeDocument/2006/relationships" xmlns:p="http://schemas.openxmlformats.org/presentationml/2006/main">
   <p:cSld>
     <p:spTree>
@@ -33446,8 +33302,17 @@
           <a:p>
             <a:r>
               <a:rPr lang="en-US" sz="3400" dirty="0"/>
-              <a:t>Motivation</a:t>
+              <a:t>A</a:t>
             </a:r>
+            <a:r>
+              <a:rPr lang="en-GB" sz="3400" dirty="0" err="1"/>
+              <a:t>lternative</a:t>
+            </a:r>
+            <a:r>
+              <a:rPr lang="en-GB" sz="3400" dirty="0"/>
+              <a:t> approaches</a:t>
+            </a:r>
+            <a:endParaRPr lang="en-US" sz="3400" dirty="0"/>
           </a:p>
         </p:txBody>
       </p:sp>
@@ -33497,13 +33362,22 @@
             <p:ph type="body" sz="quarter" idx="13"/>
           </p:nvPr>
         </p:nvSpPr>
-        <p:spPr/>
+        <p:spPr>
+          <a:xfrm>
+            <a:off x="9525" y="3429000"/>
+            <a:ext cx="1143000" cy="1143000"/>
+          </a:xfrm>
+        </p:spPr>
         <p:txBody>
           <a:bodyPr/>
           <a:lstStyle/>
           <a:p>
             <a:r>
-              <a:rPr lang="en-US" sz="1100" b="1" dirty="0"/>
+              <a:rPr lang="en-US" sz="1100" dirty="0">
+                <a:solidFill>
+                  <a:schemeClr val="bg2"/>
+                </a:solidFill>
+              </a:rPr>
               <a:t>Motivation</a:t>
             </a:r>
           </a:p>
@@ -33539,11 +33413,7 @@
           </a:p>
           <a:p>
             <a:r>
-              <a:rPr lang="en-US" sz="1100" dirty="0">
-                <a:solidFill>
-                  <a:schemeClr val="bg2"/>
-                </a:solidFill>
-              </a:rPr>
+              <a:rPr lang="en-US" sz="1100" b="1" dirty="0"/>
               <a:t>Summary</a:t>
             </a:r>
           </a:p>
@@ -33688,57 +33558,85 @@
           </a:p>
         </p:txBody>
       </p:sp>
-      <p:pic>
-        <p:nvPicPr>
-          <p:cNvPr id="4098" name="Picture 2" descr="למה מצויה – ויקיפדיה">
+      <p:sp>
+        <p:nvSpPr>
+          <p:cNvPr id="2" name="Content Placeholder 12">
             <a:extLst>
               <a:ext uri="{FF2B5EF4-FFF2-40B4-BE49-F238E27FC236}">
-                <a16:creationId xmlns:a16="http://schemas.microsoft.com/office/drawing/2014/main" id="{DF4BA195-A4F3-86D9-18CB-E872F099BD24}"/>
+                <a16:creationId xmlns:a16="http://schemas.microsoft.com/office/drawing/2014/main" id="{7DB9547F-E35D-2DF9-B022-A9A26B6B8706}"/>
               </a:ext>
             </a:extLst>
           </p:cNvPr>
-          <p:cNvPicPr>
-            <a:picLocks noChangeAspect="1" noChangeArrowheads="1"/>
-          </p:cNvPicPr>
-          <p:nvPr/>
-        </p:nvPicPr>
-        <p:blipFill>
-          <a:blip r:embed="rId3">
-            <a:extLst>
-              <a:ext uri="{28A0092B-C50C-407E-A947-70E740481C1C}">
-                <a14:useLocalDpi xmlns:a14="http://schemas.microsoft.com/office/drawing/2010/main" val="0"/>
-              </a:ext>
-            </a:extLst>
-          </a:blip>
-          <a:srcRect/>
-          <a:stretch>
-            <a:fillRect/>
-          </a:stretch>
-        </p:blipFill>
-        <p:spPr bwMode="auto">
+          <p:cNvSpPr>
+            <a:spLocks noGrp="1"/>
+          </p:cNvSpPr>
+          <p:nvPr>
+            <p:ph idx="1"/>
+          </p:nvPr>
+        </p:nvSpPr>
+        <p:spPr>
           <a:xfrm>
-            <a:off x="2301875" y="1544419"/>
-            <a:ext cx="4540250" cy="5295324"/>
+            <a:off x="1143000" y="1600200"/>
+            <a:ext cx="7696200" cy="5029200"/>
           </a:xfrm>
-          <a:prstGeom prst="rect">
-            <a:avLst/>
-          </a:prstGeom>
-          <a:noFill/>
-          <a:extLst>
-            <a:ext uri="{909E8E84-426E-40DD-AFC4-6F175D3DCCD1}">
-              <a14:hiddenFill xmlns:a14="http://schemas.microsoft.com/office/drawing/2010/main">
-                <a:solidFill>
-                  <a:srgbClr val="FFFFFF"/>
-                </a:solidFill>
-              </a14:hiddenFill>
-            </a:ext>
-          </a:extLst>
         </p:spPr>
-      </p:pic>
+        <p:txBody>
+          <a:bodyPr/>
+          <a:lstStyle/>
+          <a:p>
+            <a:r>
+              <a:rPr lang="en-US" sz="3200" dirty="0"/>
+              <a:t>Use cached state snapshots </a:t>
+            </a:r>
+            <a:r>
+              <a:rPr lang="en-US" sz="2400" dirty="0"/>
+              <a:t>[ASC]</a:t>
+            </a:r>
+          </a:p>
+          <a:p>
+            <a:r>
+              <a:rPr lang="en-US" sz="3200" dirty="0"/>
+              <a:t>Reversing the supermarket </a:t>
+            </a:r>
+            <a:r>
+              <a:rPr lang="en-US" sz="2400" dirty="0">
+                <a:latin typeface="+mj-lt"/>
+              </a:rPr>
+              <a:t>[Nahir’16]</a:t>
+            </a:r>
+            <a:endParaRPr lang="en-US" dirty="0">
+              <a:latin typeface="+mj-lt"/>
+            </a:endParaRPr>
+          </a:p>
+          <a:p>
+            <a:pPr lvl="1"/>
+            <a:r>
+              <a:rPr lang="en-US" sz="3200" dirty="0"/>
+              <a:t>Save energy by assuring load in [</a:t>
+            </a:r>
+            <a:r>
+              <a:rPr lang="en-US" sz="3200" dirty="0" err="1"/>
+              <a:t>low_th</a:t>
+            </a:r>
+            <a:r>
+              <a:rPr lang="en-US" sz="3200" dirty="0"/>
+              <a:t>, </a:t>
+            </a:r>
+            <a:r>
+              <a:rPr lang="en-US" sz="3200" dirty="0" err="1"/>
+              <a:t>high_th</a:t>
+            </a:r>
+            <a:r>
+              <a:rPr lang="en-US" sz="3200" dirty="0"/>
+              <a:t>]</a:t>
+            </a:r>
+          </a:p>
+        </p:txBody>
+      </p:sp>
     </p:spTree>
     <p:extLst>
       <p:ext uri="{BB962C8B-B14F-4D97-AF65-F5344CB8AC3E}">
-        <p14:creationId xmlns:p14="http://schemas.microsoft.com/office/powerpoint/2010/main" val="2432591808"/>
+        <p14:creationId xmlns:p14="http://schemas.microsoft.com/office/powerpoint/2010/main" val="1600590283"/>
       </p:ext>
     </p:extLst>
   </p:cSld>
@@ -33748,7 +33646,7 @@
 </p:sld>
 </file>
 
-<file path=ppt/slides/slide30.xml><?xml version="1.0" encoding="utf-8"?>
+<file path=ppt/slides/slide3.xml><?xml version="1.0" encoding="utf-8"?>
 <p:sld xmlns:a="http://schemas.openxmlformats.org/drawingml/2006/main" xmlns:r="http://schemas.openxmlformats.org/officeDocument/2006/relationships" xmlns:p="http://schemas.openxmlformats.org/presentationml/2006/main">
   <p:cSld>
     <p:spTree>
@@ -33788,7 +33686,7 @@
           <a:p>
             <a:r>
               <a:rPr lang="en-US" sz="3400" dirty="0"/>
-              <a:t>References</a:t>
+              <a:t>Motivation</a:t>
             </a:r>
           </a:p>
         </p:txBody>
@@ -33839,22 +33737,13 @@
             <p:ph type="body" sz="quarter" idx="13"/>
           </p:nvPr>
         </p:nvSpPr>
-        <p:spPr>
-          <a:xfrm>
-            <a:off x="9525" y="3429000"/>
-            <a:ext cx="1143000" cy="1143000"/>
-          </a:xfrm>
-        </p:spPr>
+        <p:spPr/>
         <p:txBody>
           <a:bodyPr/>
           <a:lstStyle/>
           <a:p>
             <a:r>
-              <a:rPr lang="en-US" sz="1100" dirty="0">
-                <a:solidFill>
-                  <a:schemeClr val="bg2"/>
-                </a:solidFill>
-              </a:rPr>
+              <a:rPr lang="en-US" sz="1100" b="1" dirty="0"/>
               <a:t>Motivation</a:t>
             </a:r>
           </a:p>
@@ -34039,6 +33928,357 @@
           </a:p>
         </p:txBody>
       </p:sp>
+      <p:pic>
+        <p:nvPicPr>
+          <p:cNvPr id="4098" name="Picture 2" descr="למה מצויה – ויקיפדיה">
+            <a:extLst>
+              <a:ext uri="{FF2B5EF4-FFF2-40B4-BE49-F238E27FC236}">
+                <a16:creationId xmlns:a16="http://schemas.microsoft.com/office/drawing/2014/main" id="{DF4BA195-A4F3-86D9-18CB-E872F099BD24}"/>
+              </a:ext>
+            </a:extLst>
+          </p:cNvPr>
+          <p:cNvPicPr>
+            <a:picLocks noChangeAspect="1" noChangeArrowheads="1"/>
+          </p:cNvPicPr>
+          <p:nvPr/>
+        </p:nvPicPr>
+        <p:blipFill>
+          <a:blip r:embed="rId3">
+            <a:extLst>
+              <a:ext uri="{28A0092B-C50C-407E-A947-70E740481C1C}">
+                <a14:useLocalDpi xmlns:a14="http://schemas.microsoft.com/office/drawing/2010/main" val="0"/>
+              </a:ext>
+            </a:extLst>
+          </a:blip>
+          <a:srcRect/>
+          <a:stretch>
+            <a:fillRect/>
+          </a:stretch>
+        </p:blipFill>
+        <p:spPr bwMode="auto">
+          <a:xfrm>
+            <a:off x="2301875" y="1544419"/>
+            <a:ext cx="4540250" cy="5295324"/>
+          </a:xfrm>
+          <a:prstGeom prst="rect">
+            <a:avLst/>
+          </a:prstGeom>
+          <a:noFill/>
+          <a:extLst>
+            <a:ext uri="{909E8E84-426E-40DD-AFC4-6F175D3DCCD1}">
+              <a14:hiddenFill xmlns:a14="http://schemas.microsoft.com/office/drawing/2010/main">
+                <a:solidFill>
+                  <a:srgbClr val="FFFFFF"/>
+                </a:solidFill>
+              </a14:hiddenFill>
+            </a:ext>
+          </a:extLst>
+        </p:spPr>
+      </p:pic>
+    </p:spTree>
+    <p:extLst>
+      <p:ext uri="{BB962C8B-B14F-4D97-AF65-F5344CB8AC3E}">
+        <p14:creationId xmlns:p14="http://schemas.microsoft.com/office/powerpoint/2010/main" val="2432591808"/>
+      </p:ext>
+    </p:extLst>
+  </p:cSld>
+  <p:clrMapOvr>
+    <a:masterClrMapping/>
+  </p:clrMapOvr>
+</p:sld>
+</file>
+
+<file path=ppt/slides/slide30.xml><?xml version="1.0" encoding="utf-8"?>
+<p:sld xmlns:a="http://schemas.openxmlformats.org/drawingml/2006/main" xmlns:r="http://schemas.openxmlformats.org/officeDocument/2006/relationships" xmlns:p="http://schemas.openxmlformats.org/presentationml/2006/main">
+  <p:cSld>
+    <p:spTree>
+      <p:nvGrpSpPr>
+        <p:cNvPr id="1" name=""/>
+        <p:cNvGrpSpPr/>
+        <p:nvPr/>
+      </p:nvGrpSpPr>
+      <p:grpSpPr>
+        <a:xfrm>
+          <a:off x="0" y="0"/>
+          <a:ext cx="0" cy="0"/>
+          <a:chOff x="0" y="0"/>
+          <a:chExt cx="0" cy="0"/>
+        </a:xfrm>
+      </p:grpSpPr>
+      <p:sp>
+        <p:nvSpPr>
+          <p:cNvPr id="7" name="Title 6">
+            <a:extLst>
+              <a:ext uri="{FF2B5EF4-FFF2-40B4-BE49-F238E27FC236}">
+                <a16:creationId xmlns:a16="http://schemas.microsoft.com/office/drawing/2014/main" id="{D6049869-35E6-4A4F-9958-096B69AB27F3}"/>
+              </a:ext>
+            </a:extLst>
+          </p:cNvPr>
+          <p:cNvSpPr>
+            <a:spLocks noGrp="1"/>
+          </p:cNvSpPr>
+          <p:nvPr>
+            <p:ph type="title"/>
+          </p:nvPr>
+        </p:nvSpPr>
+        <p:spPr/>
+        <p:txBody>
+          <a:bodyPr/>
+          <a:lstStyle/>
+          <a:p>
+            <a:r>
+              <a:rPr lang="en-US" sz="3400" dirty="0"/>
+              <a:t>References</a:t>
+            </a:r>
+          </a:p>
+        </p:txBody>
+      </p:sp>
+      <p:sp>
+        <p:nvSpPr>
+          <p:cNvPr id="10" name="Text Placeholder 9">
+            <a:extLst>
+              <a:ext uri="{FF2B5EF4-FFF2-40B4-BE49-F238E27FC236}">
+                <a16:creationId xmlns:a16="http://schemas.microsoft.com/office/drawing/2014/main" id="{91363926-AF37-4C4D-BCBB-A6176E203D7B}"/>
+              </a:ext>
+            </a:extLst>
+          </p:cNvPr>
+          <p:cNvSpPr>
+            <a:spLocks noGrp="1"/>
+          </p:cNvSpPr>
+          <p:nvPr>
+            <p:ph type="body" sz="quarter" idx="12"/>
+          </p:nvPr>
+        </p:nvSpPr>
+        <p:spPr/>
+        <p:txBody>
+          <a:bodyPr/>
+          <a:lstStyle/>
+          <a:p>
+            <a:pPr algn="l"/>
+            <a:r>
+              <a:rPr lang="en-US" sz="1050" b="1" kern="0" dirty="0"/>
+              <a:t>Balls &amp; bins</a:t>
+            </a:r>
+            <a:endParaRPr lang="en-US" sz="1050" kern="0" dirty="0"/>
+          </a:p>
+        </p:txBody>
+      </p:sp>
+      <p:sp>
+        <p:nvSpPr>
+          <p:cNvPr id="6" name="Text Placeholder 10">
+            <a:extLst>
+              <a:ext uri="{FF2B5EF4-FFF2-40B4-BE49-F238E27FC236}">
+                <a16:creationId xmlns:a16="http://schemas.microsoft.com/office/drawing/2014/main" id="{AB316EBA-D5B5-007A-4428-2F122707D38D}"/>
+              </a:ext>
+            </a:extLst>
+          </p:cNvPr>
+          <p:cNvSpPr>
+            <a:spLocks noGrp="1"/>
+          </p:cNvSpPr>
+          <p:nvPr>
+            <p:ph type="body" sz="quarter" idx="13"/>
+          </p:nvPr>
+        </p:nvSpPr>
+        <p:spPr>
+          <a:xfrm>
+            <a:off x="9525" y="3429000"/>
+            <a:ext cx="1143000" cy="1143000"/>
+          </a:xfrm>
+        </p:spPr>
+        <p:txBody>
+          <a:bodyPr/>
+          <a:lstStyle/>
+          <a:p>
+            <a:r>
+              <a:rPr lang="en-US" sz="1100" dirty="0">
+                <a:solidFill>
+                  <a:schemeClr val="bg2"/>
+                </a:solidFill>
+              </a:rPr>
+              <a:t>Motivation</a:t>
+            </a:r>
+          </a:p>
+          <a:p>
+            <a:r>
+              <a:rPr lang="en-US" sz="1100" dirty="0">
+                <a:solidFill>
+                  <a:schemeClr val="bg2"/>
+                </a:solidFill>
+              </a:rPr>
+              <a:t>Model</a:t>
+            </a:r>
+          </a:p>
+          <a:p>
+            <a:r>
+              <a:rPr lang="en-US" sz="1100" dirty="0">
+                <a:solidFill>
+                  <a:schemeClr val="bg2"/>
+                </a:solidFill>
+              </a:rPr>
+              <a:t>Algorithms</a:t>
+            </a:r>
+          </a:p>
+          <a:p>
+            <a:r>
+              <a:rPr lang="en-US" sz="1100" dirty="0">
+                <a:solidFill>
+                  <a:schemeClr val="bg2"/>
+                </a:solidFill>
+              </a:rPr>
+              <a:t>Results</a:t>
+            </a:r>
+          </a:p>
+          <a:p>
+            <a:r>
+              <a:rPr lang="en-US" sz="1100" dirty="0">
+                <a:solidFill>
+                  <a:schemeClr val="bg2"/>
+                </a:solidFill>
+              </a:rPr>
+              <a:t>Summary</a:t>
+            </a:r>
+          </a:p>
+          <a:p>
+            <a:endParaRPr lang="en-US" dirty="0"/>
+          </a:p>
+        </p:txBody>
+      </p:sp>
+      <p:graphicFrame>
+        <p:nvGraphicFramePr>
+          <p:cNvPr id="12" name="Table 11">
+            <a:extLst>
+              <a:ext uri="{FF2B5EF4-FFF2-40B4-BE49-F238E27FC236}">
+                <a16:creationId xmlns:a16="http://schemas.microsoft.com/office/drawing/2014/main" id="{9B8AE478-D72C-45D8-A9CB-AC3330A4B2C2}"/>
+              </a:ext>
+            </a:extLst>
+          </p:cNvPr>
+          <p:cNvGraphicFramePr>
+            <a:graphicFrameLocks noGrp="1"/>
+          </p:cNvGraphicFramePr>
+          <p:nvPr/>
+        </p:nvGraphicFramePr>
+        <p:xfrm>
+          <a:off x="7654737" y="1378857"/>
+          <a:ext cx="208280" cy="365760"/>
+        </p:xfrm>
+        <a:graphic>
+          <a:graphicData uri="http://schemas.openxmlformats.org/drawingml/2006/table">
+            <a:tbl>
+              <a:tblPr rtl="1"/>
+              <a:tblGrid>
+                <a:gridCol w="208280">
+                  <a:extLst>
+                    <a:ext uri="{9D8B030D-6E8A-4147-A177-3AD203B41FA5}">
+                      <a16:colId xmlns:a16="http://schemas.microsoft.com/office/drawing/2014/main" val="4271487709"/>
+                    </a:ext>
+                  </a:extLst>
+                </a:gridCol>
+              </a:tblGrid>
+              <a:tr h="0">
+                <a:tc>
+                  <a:txBody>
+                    <a:bodyPr/>
+                    <a:lstStyle/>
+                    <a:p>
+                      <a:pPr rtl="1"/>
+                      <a:endParaRPr lang="he-IL" dirty="0"/>
+                    </a:p>
+                  </a:txBody>
+                  <a:tcPr>
+                    <a:lnL>
+                      <a:noFill/>
+                    </a:lnL>
+                    <a:lnR>
+                      <a:noFill/>
+                    </a:lnR>
+                    <a:lnT>
+                      <a:noFill/>
+                    </a:lnT>
+                    <a:lnB>
+                      <a:noFill/>
+                    </a:lnB>
+                  </a:tcPr>
+                </a:tc>
+                <a:extLst>
+                  <a:ext uri="{0D108BD9-81ED-4DB2-BD59-A6C34878D82A}">
+                    <a16:rowId xmlns:a16="http://schemas.microsoft.com/office/drawing/2014/main" val="852532958"/>
+                  </a:ext>
+                </a:extLst>
+              </a:tr>
+            </a:tbl>
+          </a:graphicData>
+        </a:graphic>
+      </p:graphicFrame>
+      <p:sp>
+        <p:nvSpPr>
+          <p:cNvPr id="3" name="Rectangle 2">
+            <a:extLst>
+              <a:ext uri="{FF2B5EF4-FFF2-40B4-BE49-F238E27FC236}">
+                <a16:creationId xmlns:a16="http://schemas.microsoft.com/office/drawing/2014/main" id="{D667B383-1AE1-4ADB-8F04-ACA4A4DFB618}"/>
+              </a:ext>
+            </a:extLst>
+          </p:cNvPr>
+          <p:cNvSpPr/>
+          <p:nvPr/>
+        </p:nvSpPr>
+        <p:spPr bwMode="auto">
+          <a:xfrm>
+            <a:off x="0" y="0"/>
+            <a:ext cx="1143000" cy="1378857"/>
+          </a:xfrm>
+          <a:prstGeom prst="rect">
+            <a:avLst/>
+          </a:prstGeom>
+          <a:solidFill>
+            <a:srgbClr val="003399"/>
+          </a:solidFill>
+          <a:ln w="9525" cap="flat" cmpd="sng" algn="ctr">
+            <a:noFill/>
+            <a:prstDash val="solid"/>
+            <a:round/>
+            <a:headEnd type="none" w="med" len="med"/>
+            <a:tailEnd type="none" w="med" len="med"/>
+          </a:ln>
+          <a:effectLst/>
+        </p:spPr>
+        <p:txBody>
+          <a:bodyPr vert="horz" wrap="square" lIns="91440" tIns="45720" rIns="91440" bIns="45720" numCol="1" rtlCol="0" anchor="t" anchorCtr="0" compatLnSpc="1">
+            <a:prstTxWarp prst="textNoShape">
+              <a:avLst/>
+            </a:prstTxWarp>
+          </a:bodyPr>
+          <a:lstStyle/>
+          <a:p>
+            <a:pPr marL="0" marR="0" indent="0" algn="l" defTabSz="914400" rtl="0" eaLnBrk="1" fontAlgn="base" latinLnBrk="0" hangingPunct="1">
+              <a:lnSpc>
+                <a:spcPct val="100000"/>
+              </a:lnSpc>
+              <a:spcBef>
+                <a:spcPct val="0"/>
+              </a:spcBef>
+              <a:spcAft>
+                <a:spcPct val="0"/>
+              </a:spcAft>
+              <a:buClrTx/>
+              <a:buSzTx/>
+              <a:buFontTx/>
+              <a:buNone/>
+              <a:tabLst/>
+            </a:pPr>
+            <a:endParaRPr kumimoji="0" lang="en-US" sz="1800" b="1" i="0" u="none" strike="noStrike" cap="none" normalizeH="0" baseline="0">
+              <a:ln>
+                <a:noFill/>
+              </a:ln>
+              <a:solidFill>
+                <a:schemeClr val="tx1"/>
+              </a:solidFill>
+              <a:effectLst/>
+              <a:latin typeface="Arial" charset="0"/>
+              <a:cs typeface="Arial" charset="0"/>
+            </a:endParaRPr>
+          </a:p>
+        </p:txBody>
+      </p:sp>
       <p:sp>
         <p:nvSpPr>
           <p:cNvPr id="2" name="Content Placeholder 12">
@@ -34066,150 +34306,38 @@
           <a:lstStyle/>
           <a:p>
             <a:r>
-              <a:rPr lang="en-US" sz="1800" dirty="0">
-                <a:solidFill>
-                  <a:srgbClr val="222222"/>
-                </a:solidFill>
-                <a:highlight>
-                  <a:srgbClr val="FFFFFF"/>
-                </a:highlight>
-                <a:latin typeface="Arial" panose="020B0604020202020204" pitchFamily="34" charset="0"/>
-              </a:rPr>
+              <a:rPr lang="en-US" sz="1800" dirty="0"/>
               <a:t>[Mitzenmacher’01] </a:t>
             </a:r>
             <a:r>
-              <a:rPr lang="en-US" sz="1800" dirty="0" err="1">
-                <a:solidFill>
-                  <a:srgbClr val="222222"/>
-                </a:solidFill>
-                <a:highlight>
-                  <a:srgbClr val="FFFFFF"/>
-                </a:highlight>
-                <a:latin typeface="Arial" panose="020B0604020202020204" pitchFamily="34" charset="0"/>
-              </a:rPr>
+              <a:rPr lang="en-US" sz="1800" dirty="0" err="1"/>
               <a:t>Mitzenmacher</a:t>
             </a:r>
             <a:r>
-              <a:rPr lang="en-US" sz="1800" dirty="0">
-                <a:solidFill>
-                  <a:srgbClr val="222222"/>
-                </a:solidFill>
-                <a:highlight>
-                  <a:srgbClr val="FFFFFF"/>
-                </a:highlight>
-                <a:latin typeface="Arial" panose="020B0604020202020204" pitchFamily="34" charset="0"/>
-              </a:rPr>
-              <a:t>, M. "The power of two choices in randomized load balancing." </a:t>
+              <a:rPr lang="en-US" sz="1800" dirty="0"/>
+              <a:t>, M. "The power of two choices in randomized load balancing." IEEE Transactions on Parallel and Distributed Systems 12.10 (2001): 1094-1104.</a:t>
             </a:r>
+          </a:p>
+          <a:p>
             <a:r>
-              <a:rPr lang="en-US" sz="1800" i="1" dirty="0">
-                <a:solidFill>
-                  <a:srgbClr val="222222"/>
-                </a:solidFill>
-                <a:highlight>
-                  <a:srgbClr val="FFFFFF"/>
-                </a:highlight>
-                <a:latin typeface="Arial" panose="020B0604020202020204" pitchFamily="34" charset="0"/>
-              </a:rPr>
-              <a:t>IEEE Transactions on Parallel and Distributed Systems</a:t>
-            </a:r>
-            <a:r>
-              <a:rPr lang="en-US" sz="1800" dirty="0">
-                <a:solidFill>
-                  <a:srgbClr val="222222"/>
-                </a:solidFill>
-                <a:highlight>
-                  <a:srgbClr val="FFFFFF"/>
-                </a:highlight>
-                <a:latin typeface="Arial" panose="020B0604020202020204" pitchFamily="34" charset="0"/>
-              </a:rPr>
-              <a:t> 12.10 (2001): 1094-1104.</a:t>
-            </a:r>
-          </a:p>
-          <a:p>
-            <a:r>
-              <a:rPr lang="en-US" sz="1800" dirty="0">
-                <a:solidFill>
-                  <a:srgbClr val="222222"/>
-                </a:solidFill>
-                <a:highlight>
-                  <a:srgbClr val="FFFFFF"/>
-                </a:highlight>
-                <a:latin typeface="Arial" panose="020B0604020202020204" pitchFamily="34" charset="0"/>
-              </a:rPr>
+              <a:rPr lang="en-US" sz="1800" dirty="0"/>
               <a:t>[Nahir’16] </a:t>
             </a:r>
             <a:r>
-              <a:rPr lang="en-US" sz="1800" dirty="0" err="1">
-                <a:solidFill>
-                  <a:srgbClr val="222222"/>
-                </a:solidFill>
-                <a:highlight>
-                  <a:srgbClr val="FFFFFF"/>
-                </a:highlight>
-                <a:latin typeface="Arial" panose="020B0604020202020204" pitchFamily="34" charset="0"/>
-              </a:rPr>
+              <a:rPr lang="en-US" sz="1800" dirty="0" err="1"/>
               <a:t>Nahir</a:t>
             </a:r>
             <a:r>
-              <a:rPr lang="en-US" sz="1800" dirty="0">
-                <a:solidFill>
-                  <a:srgbClr val="222222"/>
-                </a:solidFill>
-                <a:highlight>
-                  <a:srgbClr val="FFFFFF"/>
-                </a:highlight>
-                <a:latin typeface="Arial" panose="020B0604020202020204" pitchFamily="34" charset="0"/>
-              </a:rPr>
+              <a:rPr lang="en-US" sz="1800" dirty="0"/>
               <a:t>, A., </a:t>
             </a:r>
             <a:r>
-              <a:rPr lang="en-US" sz="1800" dirty="0" err="1">
-                <a:solidFill>
-                  <a:srgbClr val="222222"/>
-                </a:solidFill>
-                <a:highlight>
-                  <a:srgbClr val="FFFFFF"/>
-                </a:highlight>
-                <a:latin typeface="Arial" panose="020B0604020202020204" pitchFamily="34" charset="0"/>
-              </a:rPr>
+              <a:rPr lang="en-US" sz="1800" dirty="0" err="1"/>
               <a:t>Orda</a:t>
             </a:r>
             <a:r>
-              <a:rPr lang="en-US" sz="1800" dirty="0">
-                <a:solidFill>
-                  <a:srgbClr val="222222"/>
-                </a:solidFill>
-                <a:highlight>
-                  <a:srgbClr val="FFFFFF"/>
-                </a:highlight>
-                <a:latin typeface="Arial" panose="020B0604020202020204" pitchFamily="34" charset="0"/>
-              </a:rPr>
-              <a:t>, A., &amp; Raz, D. (2016, April). Reversing the supermarket: A distributed approach for handling elasticity in the cloud. In </a:t>
-            </a:r>
-            <a:r>
-              <a:rPr lang="en-US" sz="1800" i="1" dirty="0">
-                <a:solidFill>
-                  <a:srgbClr val="222222"/>
-                </a:solidFill>
-                <a:highlight>
-                  <a:srgbClr val="FFFFFF"/>
-                </a:highlight>
-                <a:latin typeface="Arial" panose="020B0604020202020204" pitchFamily="34" charset="0"/>
-              </a:rPr>
-              <a:t>NOMS 2016-2016 IEEE/IFIP Network Operations and Management Symposium</a:t>
-            </a:r>
-            <a:r>
-              <a:rPr lang="en-US" sz="1800" dirty="0">
-                <a:solidFill>
-                  <a:srgbClr val="222222"/>
-                </a:solidFill>
-                <a:highlight>
-                  <a:srgbClr val="FFFFFF"/>
-                </a:highlight>
-                <a:latin typeface="Arial" panose="020B0604020202020204" pitchFamily="34" charset="0"/>
-              </a:rPr>
-              <a:t> (pp. 87-95). IEEE.</a:t>
+              <a:rPr lang="en-US" sz="1800" dirty="0"/>
+              <a:t>, A., &amp; Raz, D. (2016, April). Reversing the supermarket: A distributed approach for handling elasticity in the cloud. In NOMS 2016-2016 IEEE/IFIP Network Operations and Management Symposium (pp. 87-95). IEEE.</a:t>
             </a:r>
           </a:p>
           <a:p>
@@ -34235,6 +34363,381 @@
           <a:p>
             <a:r>
               <a:rPr lang="en-US" sz="1800" dirty="0"/>
+              <a:t>[ASC] </a:t>
+            </a:r>
+            <a:r>
+              <a:rPr lang="en-GB" sz="1800" dirty="0"/>
+              <a:t>G. </a:t>
+            </a:r>
+            <a:r>
+              <a:rPr lang="en-GB" sz="1800" dirty="0" err="1"/>
+              <a:t>Einziger</a:t>
+            </a:r>
+            <a:r>
+              <a:rPr lang="en-GB" sz="1800" dirty="0"/>
+              <a:t>, M. Goldstein, and Y. </a:t>
+            </a:r>
+            <a:r>
+              <a:rPr lang="en-GB" sz="1800" dirty="0" err="1"/>
+              <a:t>Sa’ar</a:t>
+            </a:r>
+            <a:r>
+              <a:rPr lang="en-GB" sz="1800" dirty="0"/>
+              <a:t>, “Faster placement of virtual machines through adaptive caching,” in Proc. INFOCOM, 2019,</a:t>
+            </a:r>
+          </a:p>
+          <a:p>
+            <a:pPr marL="0" indent="0">
+              <a:buNone/>
+            </a:pPr>
+            <a:r>
+              <a:rPr lang="en-GB" sz="1800" dirty="0"/>
+              <a:t>     pp. 2458–2466.</a:t>
+            </a:r>
+            <a:endParaRPr lang="en-US" sz="1800" dirty="0"/>
+          </a:p>
+        </p:txBody>
+      </p:sp>
+    </p:spTree>
+    <p:extLst>
+      <p:ext uri="{BB962C8B-B14F-4D97-AF65-F5344CB8AC3E}">
+        <p14:creationId xmlns:p14="http://schemas.microsoft.com/office/powerpoint/2010/main" val="278500759"/>
+      </p:ext>
+    </p:extLst>
+  </p:cSld>
+  <p:clrMapOvr>
+    <a:masterClrMapping/>
+  </p:clrMapOvr>
+</p:sld>
+</file>
+
+<file path=ppt/slides/slide31.xml><?xml version="1.0" encoding="utf-8"?>
+<p:sld xmlns:a="http://schemas.openxmlformats.org/drawingml/2006/main" xmlns:r="http://schemas.openxmlformats.org/officeDocument/2006/relationships" xmlns:p="http://schemas.openxmlformats.org/presentationml/2006/main">
+  <p:cSld>
+    <p:spTree>
+      <p:nvGrpSpPr>
+        <p:cNvPr id="1" name=""/>
+        <p:cNvGrpSpPr/>
+        <p:nvPr/>
+      </p:nvGrpSpPr>
+      <p:grpSpPr>
+        <a:xfrm>
+          <a:off x="0" y="0"/>
+          <a:ext cx="0" cy="0"/>
+          <a:chOff x="0" y="0"/>
+          <a:chExt cx="0" cy="0"/>
+        </a:xfrm>
+      </p:grpSpPr>
+      <p:sp>
+        <p:nvSpPr>
+          <p:cNvPr id="7" name="Title 6">
+            <a:extLst>
+              <a:ext uri="{FF2B5EF4-FFF2-40B4-BE49-F238E27FC236}">
+                <a16:creationId xmlns:a16="http://schemas.microsoft.com/office/drawing/2014/main" id="{D6049869-35E6-4A4F-9958-096B69AB27F3}"/>
+              </a:ext>
+            </a:extLst>
+          </p:cNvPr>
+          <p:cNvSpPr>
+            <a:spLocks noGrp="1"/>
+          </p:cNvSpPr>
+          <p:nvPr>
+            <p:ph type="title"/>
+          </p:nvPr>
+        </p:nvSpPr>
+        <p:spPr/>
+        <p:txBody>
+          <a:bodyPr/>
+          <a:lstStyle/>
+          <a:p>
+            <a:r>
+              <a:rPr lang="en-US" sz="3400" dirty="0"/>
+              <a:t>References (</a:t>
+            </a:r>
+            <a:r>
+              <a:rPr lang="en-US" sz="3400" dirty="0" err="1"/>
+              <a:t>Cont</a:t>
+            </a:r>
+            <a:r>
+              <a:rPr lang="en-US" sz="3400" dirty="0"/>
+              <a:t>’)</a:t>
+            </a:r>
+          </a:p>
+        </p:txBody>
+      </p:sp>
+      <p:sp>
+        <p:nvSpPr>
+          <p:cNvPr id="10" name="Text Placeholder 9">
+            <a:extLst>
+              <a:ext uri="{FF2B5EF4-FFF2-40B4-BE49-F238E27FC236}">
+                <a16:creationId xmlns:a16="http://schemas.microsoft.com/office/drawing/2014/main" id="{91363926-AF37-4C4D-BCBB-A6176E203D7B}"/>
+              </a:ext>
+            </a:extLst>
+          </p:cNvPr>
+          <p:cNvSpPr>
+            <a:spLocks noGrp="1"/>
+          </p:cNvSpPr>
+          <p:nvPr>
+            <p:ph type="body" sz="quarter" idx="12"/>
+          </p:nvPr>
+        </p:nvSpPr>
+        <p:spPr/>
+        <p:txBody>
+          <a:bodyPr/>
+          <a:lstStyle/>
+          <a:p>
+            <a:pPr algn="l"/>
+            <a:r>
+              <a:rPr lang="en-US" sz="1050" b="1" kern="0" dirty="0"/>
+              <a:t>Balls &amp; bins</a:t>
+            </a:r>
+            <a:endParaRPr lang="en-US" sz="1050" kern="0" dirty="0"/>
+          </a:p>
+        </p:txBody>
+      </p:sp>
+      <p:sp>
+        <p:nvSpPr>
+          <p:cNvPr id="6" name="Text Placeholder 10">
+            <a:extLst>
+              <a:ext uri="{FF2B5EF4-FFF2-40B4-BE49-F238E27FC236}">
+                <a16:creationId xmlns:a16="http://schemas.microsoft.com/office/drawing/2014/main" id="{AB316EBA-D5B5-007A-4428-2F122707D38D}"/>
+              </a:ext>
+            </a:extLst>
+          </p:cNvPr>
+          <p:cNvSpPr>
+            <a:spLocks noGrp="1"/>
+          </p:cNvSpPr>
+          <p:nvPr>
+            <p:ph type="body" sz="quarter" idx="13"/>
+          </p:nvPr>
+        </p:nvSpPr>
+        <p:spPr>
+          <a:xfrm>
+            <a:off x="9525" y="3429000"/>
+            <a:ext cx="1143000" cy="1143000"/>
+          </a:xfrm>
+        </p:spPr>
+        <p:txBody>
+          <a:bodyPr/>
+          <a:lstStyle/>
+          <a:p>
+            <a:r>
+              <a:rPr lang="en-US" sz="1100" dirty="0">
+                <a:solidFill>
+                  <a:schemeClr val="bg2"/>
+                </a:solidFill>
+              </a:rPr>
+              <a:t>Motivation</a:t>
+            </a:r>
+          </a:p>
+          <a:p>
+            <a:r>
+              <a:rPr lang="en-US" sz="1100" dirty="0">
+                <a:solidFill>
+                  <a:schemeClr val="bg2"/>
+                </a:solidFill>
+              </a:rPr>
+              <a:t>Model</a:t>
+            </a:r>
+          </a:p>
+          <a:p>
+            <a:r>
+              <a:rPr lang="en-US" sz="1100" dirty="0">
+                <a:solidFill>
+                  <a:schemeClr val="bg2"/>
+                </a:solidFill>
+              </a:rPr>
+              <a:t>Algorithms</a:t>
+            </a:r>
+          </a:p>
+          <a:p>
+            <a:r>
+              <a:rPr lang="en-US" sz="1100" dirty="0">
+                <a:solidFill>
+                  <a:schemeClr val="bg2"/>
+                </a:solidFill>
+              </a:rPr>
+              <a:t>Results</a:t>
+            </a:r>
+          </a:p>
+          <a:p>
+            <a:r>
+              <a:rPr lang="en-US" sz="1100" dirty="0">
+                <a:solidFill>
+                  <a:schemeClr val="bg2"/>
+                </a:solidFill>
+              </a:rPr>
+              <a:t>Summary</a:t>
+            </a:r>
+          </a:p>
+          <a:p>
+            <a:endParaRPr lang="en-US" dirty="0"/>
+          </a:p>
+        </p:txBody>
+      </p:sp>
+      <p:graphicFrame>
+        <p:nvGraphicFramePr>
+          <p:cNvPr id="12" name="Table 11">
+            <a:extLst>
+              <a:ext uri="{FF2B5EF4-FFF2-40B4-BE49-F238E27FC236}">
+                <a16:creationId xmlns:a16="http://schemas.microsoft.com/office/drawing/2014/main" id="{9B8AE478-D72C-45D8-A9CB-AC3330A4B2C2}"/>
+              </a:ext>
+            </a:extLst>
+          </p:cNvPr>
+          <p:cNvGraphicFramePr>
+            <a:graphicFrameLocks noGrp="1"/>
+          </p:cNvGraphicFramePr>
+          <p:nvPr/>
+        </p:nvGraphicFramePr>
+        <p:xfrm>
+          <a:off x="7654737" y="1378857"/>
+          <a:ext cx="208280" cy="365760"/>
+        </p:xfrm>
+        <a:graphic>
+          <a:graphicData uri="http://schemas.openxmlformats.org/drawingml/2006/table">
+            <a:tbl>
+              <a:tblPr rtl="1"/>
+              <a:tblGrid>
+                <a:gridCol w="208280">
+                  <a:extLst>
+                    <a:ext uri="{9D8B030D-6E8A-4147-A177-3AD203B41FA5}">
+                      <a16:colId xmlns:a16="http://schemas.microsoft.com/office/drawing/2014/main" val="4271487709"/>
+                    </a:ext>
+                  </a:extLst>
+                </a:gridCol>
+              </a:tblGrid>
+              <a:tr h="0">
+                <a:tc>
+                  <a:txBody>
+                    <a:bodyPr/>
+                    <a:lstStyle/>
+                    <a:p>
+                      <a:pPr rtl="1"/>
+                      <a:endParaRPr lang="he-IL" dirty="0"/>
+                    </a:p>
+                  </a:txBody>
+                  <a:tcPr>
+                    <a:lnL>
+                      <a:noFill/>
+                    </a:lnL>
+                    <a:lnR>
+                      <a:noFill/>
+                    </a:lnR>
+                    <a:lnT>
+                      <a:noFill/>
+                    </a:lnT>
+                    <a:lnB>
+                      <a:noFill/>
+                    </a:lnB>
+                  </a:tcPr>
+                </a:tc>
+                <a:extLst>
+                  <a:ext uri="{0D108BD9-81ED-4DB2-BD59-A6C34878D82A}">
+                    <a16:rowId xmlns:a16="http://schemas.microsoft.com/office/drawing/2014/main" val="852532958"/>
+                  </a:ext>
+                </a:extLst>
+              </a:tr>
+            </a:tbl>
+          </a:graphicData>
+        </a:graphic>
+      </p:graphicFrame>
+      <p:sp>
+        <p:nvSpPr>
+          <p:cNvPr id="3" name="Rectangle 2">
+            <a:extLst>
+              <a:ext uri="{FF2B5EF4-FFF2-40B4-BE49-F238E27FC236}">
+                <a16:creationId xmlns:a16="http://schemas.microsoft.com/office/drawing/2014/main" id="{D667B383-1AE1-4ADB-8F04-ACA4A4DFB618}"/>
+              </a:ext>
+            </a:extLst>
+          </p:cNvPr>
+          <p:cNvSpPr/>
+          <p:nvPr/>
+        </p:nvSpPr>
+        <p:spPr bwMode="auto">
+          <a:xfrm>
+            <a:off x="0" y="0"/>
+            <a:ext cx="1143000" cy="1378857"/>
+          </a:xfrm>
+          <a:prstGeom prst="rect">
+            <a:avLst/>
+          </a:prstGeom>
+          <a:solidFill>
+            <a:srgbClr val="003399"/>
+          </a:solidFill>
+          <a:ln w="9525" cap="flat" cmpd="sng" algn="ctr">
+            <a:noFill/>
+            <a:prstDash val="solid"/>
+            <a:round/>
+            <a:headEnd type="none" w="med" len="med"/>
+            <a:tailEnd type="none" w="med" len="med"/>
+          </a:ln>
+          <a:effectLst/>
+        </p:spPr>
+        <p:txBody>
+          <a:bodyPr vert="horz" wrap="square" lIns="91440" tIns="45720" rIns="91440" bIns="45720" numCol="1" rtlCol="0" anchor="t" anchorCtr="0" compatLnSpc="1">
+            <a:prstTxWarp prst="textNoShape">
+              <a:avLst/>
+            </a:prstTxWarp>
+          </a:bodyPr>
+          <a:lstStyle/>
+          <a:p>
+            <a:pPr marL="0" marR="0" indent="0" algn="l" defTabSz="914400" rtl="0" eaLnBrk="1" fontAlgn="base" latinLnBrk="0" hangingPunct="1">
+              <a:lnSpc>
+                <a:spcPct val="100000"/>
+              </a:lnSpc>
+              <a:spcBef>
+                <a:spcPct val="0"/>
+              </a:spcBef>
+              <a:spcAft>
+                <a:spcPct val="0"/>
+              </a:spcAft>
+              <a:buClrTx/>
+              <a:buSzTx/>
+              <a:buFontTx/>
+              <a:buNone/>
+              <a:tabLst/>
+            </a:pPr>
+            <a:endParaRPr kumimoji="0" lang="en-US" sz="1800" b="1" i="0" u="none" strike="noStrike" cap="none" normalizeH="0" baseline="0">
+              <a:ln>
+                <a:noFill/>
+              </a:ln>
+              <a:solidFill>
+                <a:schemeClr val="tx1"/>
+              </a:solidFill>
+              <a:effectLst/>
+              <a:latin typeface="Arial" charset="0"/>
+              <a:cs typeface="Arial" charset="0"/>
+            </a:endParaRPr>
+          </a:p>
+        </p:txBody>
+      </p:sp>
+      <p:sp>
+        <p:nvSpPr>
+          <p:cNvPr id="2" name="Content Placeholder 12">
+            <a:extLst>
+              <a:ext uri="{FF2B5EF4-FFF2-40B4-BE49-F238E27FC236}">
+                <a16:creationId xmlns:a16="http://schemas.microsoft.com/office/drawing/2014/main" id="{7DB9547F-E35D-2DF9-B022-A9A26B6B8706}"/>
+              </a:ext>
+            </a:extLst>
+          </p:cNvPr>
+          <p:cNvSpPr>
+            <a:spLocks noGrp="1"/>
+          </p:cNvSpPr>
+          <p:nvPr>
+            <p:ph idx="1"/>
+          </p:nvPr>
+        </p:nvSpPr>
+        <p:spPr>
+          <a:xfrm>
+            <a:off x="1143000" y="1600200"/>
+            <a:ext cx="7696200" cy="5029200"/>
+          </a:xfrm>
+        </p:spPr>
+        <p:txBody>
+          <a:bodyPr/>
+          <a:lstStyle/>
+          <a:p>
+            <a:r>
+              <a:rPr lang="en-US" sz="1800" dirty="0"/>
               <a:t>[Cohen’23] Cohen, Itamar, et al. "High throughput </a:t>
             </a:r>
             <a:r>
@@ -34243,7 +34746,7 @@
             </a:r>
             <a:r>
               <a:rPr lang="en-US" sz="1800" dirty="0"/>
-              <a:t> placement with constrained communication overhead and provable guarantees." IEEE Transactions on Network and Service Management 20.3 (2023): 3148-3161.</a:t>
+              <a:t> placement with constrained communication overhead and provable guarantees." IEEE TNSM 20.3 (2023): 3148-3161.</a:t>
             </a:r>
           </a:p>
         </p:txBody>
@@ -34251,7 +34754,7 @@
     </p:spTree>
     <p:extLst>
       <p:ext uri="{BB962C8B-B14F-4D97-AF65-F5344CB8AC3E}">
-        <p14:creationId xmlns:p14="http://schemas.microsoft.com/office/powerpoint/2010/main" val="278500759"/>
+        <p14:creationId xmlns:p14="http://schemas.microsoft.com/office/powerpoint/2010/main" val="3574932348"/>
       </p:ext>
     </p:extLst>
   </p:cSld>

--- a/BallsNBins_Cisco.pptx
+++ b/BallsNBins_Cisco.pptx
@@ -2850,6 +2850,42 @@
                 <a:spcPts val="800"/>
               </a:spcAft>
             </a:pPr>
+            <a:r>
+              <a:rPr lang="en-US" dirty="0"/>
+              <a:t>Multi-dim prob’:</a:t>
+            </a:r>
+          </a:p>
+          <a:p>
+            <a:pPr algn="l" rtl="0">
+              <a:lnSpc>
+                <a:spcPct val="107000"/>
+              </a:lnSpc>
+              <a:spcAft>
+                <a:spcPts val="800"/>
+              </a:spcAft>
+            </a:pPr>
+            <a:r>
+              <a:rPr lang="en-US" sz="1200" dirty="0"/>
+              <a:t>MD_P2_IBM: out of the sampled bins, select the one minimizing the maximal load (in all dims). Or the “total” load (?).</a:t>
+            </a:r>
+          </a:p>
+          <a:p>
+            <a:pPr algn="l" rtl="0">
+              <a:lnSpc>
+                <a:spcPct val="107000"/>
+              </a:lnSpc>
+              <a:spcAft>
+                <a:spcPts val="800"/>
+              </a:spcAft>
+            </a:pPr>
+            <a:r>
+              <a:rPr lang="en-US" sz="1200" dirty="0" err="1"/>
+              <a:t>Dist</a:t>
+            </a:r>
+            <a:r>
+              <a:rPr lang="en-US" sz="1200" dirty="0"/>
+              <a:t> from diag.</a:t>
+            </a:r>
             <a:endParaRPr lang="en-US" dirty="0"/>
           </a:p>
         </p:txBody>
@@ -32038,7 +32074,11 @@
           <a:p>
             <a:r>
               <a:rPr lang="en-US" dirty="0"/>
-              <a:t>Multiple dimensions</a:t>
+              <a:t>Multiple dimensions </a:t>
+            </a:r>
+            <a:r>
+              <a:rPr lang="en-US" sz="2400" dirty="0"/>
+              <a:t>[MD_P2_IBM]</a:t>
             </a:r>
           </a:p>
           <a:p>
@@ -32066,14 +32106,14 @@
           <a:p>
             <a:r>
               <a:rPr lang="en-US" dirty="0"/>
-              <a:t>Decaying load (finished tasks)</a:t>
+              <a:t>Dynamic case (finished tasks)</a:t>
             </a:r>
           </a:p>
           <a:p>
             <a:pPr lvl="1"/>
             <a:r>
               <a:rPr lang="en-US" dirty="0"/>
-              <a:t>Poisson</a:t>
+              <a:t>E.g., as a Poisson process</a:t>
             </a:r>
           </a:p>
           <a:p>
@@ -32119,8 +32159,8 @@
         </p:blipFill>
         <p:spPr>
           <a:xfrm>
-            <a:off x="5334000" y="2133600"/>
-            <a:ext cx="1981200" cy="1981200"/>
+            <a:off x="4876800" y="2667000"/>
+            <a:ext cx="1447800" cy="1447800"/>
           </a:xfrm>
           <a:prstGeom prst="rect">
             <a:avLst/>
@@ -32281,6 +32321,33 @@
                                   </p:childTnLst>
                                 </p:cTn>
                               </p:par>
+                              <p:par>
+                                <p:cTn id="13" presetID="1" presetClass="entr" presetSubtype="0" fill="hold" nodeType="withEffect">
+                                  <p:stCondLst>
+                                    <p:cond delay="0"/>
+                                  </p:stCondLst>
+                                  <p:childTnLst>
+                                    <p:set>
+                                      <p:cBhvr>
+                                        <p:cTn id="14" dur="1" fill="hold">
+                                          <p:stCondLst>
+                                            <p:cond delay="0"/>
+                                          </p:stCondLst>
+                                        </p:cTn>
+                                        <p:tgtEl>
+                                          <p:spTgt spid="8"/>
+                                        </p:tgtEl>
+                                        <p:attrNameLst>
+                                          <p:attrName>style.visibility</p:attrName>
+                                        </p:attrNameLst>
+                                      </p:cBhvr>
+                                      <p:to>
+                                        <p:strVal val="visible"/>
+                                      </p:to>
+                                    </p:set>
+                                  </p:childTnLst>
+                                </p:cTn>
+                              </p:par>
                             </p:childTnLst>
                           </p:cTn>
                         </p:par>
@@ -32288,26 +32355,26 @@
                     </p:cTn>
                   </p:par>
                   <p:par>
-                    <p:cTn id="13" fill="hold">
+                    <p:cTn id="15" fill="hold">
                       <p:stCondLst>
                         <p:cond delay="indefinite"/>
                       </p:stCondLst>
                       <p:childTnLst>
                         <p:par>
-                          <p:cTn id="14" fill="hold">
+                          <p:cTn id="16" fill="hold">
                             <p:stCondLst>
                               <p:cond delay="0"/>
                             </p:stCondLst>
                             <p:childTnLst>
                               <p:par>
-                                <p:cTn id="15" presetID="1" presetClass="entr" presetSubtype="0" fill="hold" nodeType="clickEffect">
+                                <p:cTn id="17" presetID="1" presetClass="entr" presetSubtype="0" fill="hold" nodeType="clickEffect">
                                   <p:stCondLst>
                                     <p:cond delay="0"/>
                                   </p:stCondLst>
                                   <p:childTnLst>
                                     <p:set>
                                       <p:cBhvr>
-                                        <p:cTn id="16" dur="1" fill="hold">
+                                        <p:cTn id="18" dur="1" fill="hold">
                                           <p:stCondLst>
                                             <p:cond delay="0"/>
                                           </p:stCondLst>
@@ -32337,26 +32404,26 @@
                     </p:cTn>
                   </p:par>
                   <p:par>
-                    <p:cTn id="17" fill="hold">
+                    <p:cTn id="19" fill="hold">
                       <p:stCondLst>
                         <p:cond delay="indefinite"/>
                       </p:stCondLst>
                       <p:childTnLst>
                         <p:par>
-                          <p:cTn id="18" fill="hold">
+                          <p:cTn id="20" fill="hold">
                             <p:stCondLst>
                               <p:cond delay="0"/>
                             </p:stCondLst>
                             <p:childTnLst>
                               <p:par>
-                                <p:cTn id="19" presetID="1" presetClass="entr" presetSubtype="0" fill="hold" nodeType="clickEffect">
+                                <p:cTn id="21" presetID="1" presetClass="entr" presetSubtype="0" fill="hold" nodeType="clickEffect">
                                   <p:stCondLst>
                                     <p:cond delay="0"/>
                                   </p:stCondLst>
                                   <p:childTnLst>
                                     <p:set>
                                       <p:cBhvr>
-                                        <p:cTn id="20" dur="1" fill="hold">
+                                        <p:cTn id="22" dur="1" fill="hold">
                                           <p:stCondLst>
                                             <p:cond delay="0"/>
                                           </p:stCondLst>
@@ -32386,26 +32453,26 @@
                     </p:cTn>
                   </p:par>
                   <p:par>
-                    <p:cTn id="21" fill="hold">
+                    <p:cTn id="23" fill="hold">
                       <p:stCondLst>
                         <p:cond delay="indefinite"/>
                       </p:stCondLst>
                       <p:childTnLst>
                         <p:par>
-                          <p:cTn id="22" fill="hold">
+                          <p:cTn id="24" fill="hold">
                             <p:stCondLst>
                               <p:cond delay="0"/>
                             </p:stCondLst>
                             <p:childTnLst>
                               <p:par>
-                                <p:cTn id="23" presetID="1" presetClass="entr" presetSubtype="0" fill="hold" nodeType="clickEffect">
+                                <p:cTn id="25" presetID="1" presetClass="entr" presetSubtype="0" fill="hold" nodeType="clickEffect">
                                   <p:stCondLst>
                                     <p:cond delay="0"/>
                                   </p:stCondLst>
                                   <p:childTnLst>
                                     <p:set>
                                       <p:cBhvr>
-                                        <p:cTn id="24" dur="1" fill="hold">
+                                        <p:cTn id="26" dur="1" fill="hold">
                                           <p:stCondLst>
                                             <p:cond delay="0"/>
                                           </p:stCondLst>
@@ -34307,6 +34374,20 @@
           <a:p>
             <a:r>
               <a:rPr lang="en-US" sz="1800" dirty="0"/>
+              <a:t>[Cohen’23] Cohen, Itamar, et al. "High throughput </a:t>
+            </a:r>
+            <a:r>
+              <a:rPr lang="en-US" sz="1800" dirty="0" err="1"/>
+              <a:t>vms</a:t>
+            </a:r>
+            <a:r>
+              <a:rPr lang="en-US" sz="1800" dirty="0"/>
+              <a:t> placement with constrained communication overhead and provable guarantees." IEEE TNSM 20.3 (2023): 3148-3161.</a:t>
+            </a:r>
+          </a:p>
+          <a:p>
+            <a:r>
+              <a:rPr lang="en-US" sz="1800" dirty="0"/>
               <a:t>[Mitzenmacher’01] </a:t>
             </a:r>
             <a:r>
@@ -34316,6 +34397,28 @@
             <a:r>
               <a:rPr lang="en-US" sz="1800" dirty="0"/>
               <a:t>, M. "The power of two choices in randomized load balancing." IEEE Transactions on Parallel and Distributed Systems 12.10 (2001): 1094-1104.</a:t>
+            </a:r>
+          </a:p>
+          <a:p>
+            <a:r>
+              <a:rPr lang="en-US" sz="1800" dirty="0"/>
+              <a:t>[MD_P2_IBM] Narang, A., Dutta, S., &amp; </a:t>
+            </a:r>
+            <a:r>
+              <a:rPr lang="en-US" sz="1800" dirty="0" err="1"/>
+              <a:t>Bhattacherjee</a:t>
+            </a:r>
+            <a:r>
+              <a:rPr lang="en-US" sz="1800" dirty="0"/>
+              <a:t>, S. (2011). Multidimensional Balanced Allocation for Multiple Choice &amp; (1+ Beta) Processes. </a:t>
+            </a:r>
+            <a:r>
+              <a:rPr lang="en-US" sz="1800" dirty="0" err="1"/>
+              <a:t>arXiv</a:t>
+            </a:r>
+            <a:r>
+              <a:rPr lang="en-US" sz="1800" dirty="0"/>
+              <a:t> preprint arXiv:1111.0762.</a:t>
             </a:r>
           </a:p>
           <a:p>
@@ -34359,42 +34462,6 @@
               <a:rPr lang="en-US" sz="1800" dirty="0"/>
               <a:t>[Mesos] B. Hindman et al., “Mesos: A platform for fine-grained resource sharing in the data center,” in Proc. NSDI, 2011, pp. 295–308.</a:t>
             </a:r>
-          </a:p>
-          <a:p>
-            <a:r>
-              <a:rPr lang="en-US" sz="1800" dirty="0"/>
-              <a:t>[ASC] </a:t>
-            </a:r>
-            <a:r>
-              <a:rPr lang="en-GB" sz="1800" dirty="0"/>
-              <a:t>G. </a:t>
-            </a:r>
-            <a:r>
-              <a:rPr lang="en-GB" sz="1800" dirty="0" err="1"/>
-              <a:t>Einziger</a:t>
-            </a:r>
-            <a:r>
-              <a:rPr lang="en-GB" sz="1800" dirty="0"/>
-              <a:t>, M. Goldstein, and Y. </a:t>
-            </a:r>
-            <a:r>
-              <a:rPr lang="en-GB" sz="1800" dirty="0" err="1"/>
-              <a:t>Sa’ar</a:t>
-            </a:r>
-            <a:r>
-              <a:rPr lang="en-GB" sz="1800" dirty="0"/>
-              <a:t>, “Faster placement of virtual machines through adaptive caching,” in Proc. INFOCOM, 2019,</a:t>
-            </a:r>
-          </a:p>
-          <a:p>
-            <a:pPr marL="0" indent="0">
-              <a:buNone/>
-            </a:pPr>
-            <a:r>
-              <a:rPr lang="en-GB" sz="1800" dirty="0"/>
-              <a:t>     pp. 2458–2466.</a:t>
-            </a:r>
-            <a:endParaRPr lang="en-US" sz="1800" dirty="0"/>
           </a:p>
         </p:txBody>
       </p:sp>
@@ -34738,16 +34805,41 @@
           <a:p>
             <a:r>
               <a:rPr lang="en-US" sz="1800" dirty="0"/>
-              <a:t>[Cohen’23] Cohen, Itamar, et al. "High throughput </a:t>
+              <a:t>[ASC] </a:t>
             </a:r>
             <a:r>
-              <a:rPr lang="en-US" sz="1800" dirty="0" err="1"/>
-              <a:t>vms</a:t>
+              <a:rPr lang="en-GB" sz="1800" dirty="0"/>
+              <a:t>G. </a:t>
             </a:r>
             <a:r>
-              <a:rPr lang="en-US" sz="1800" dirty="0"/>
-              <a:t> placement with constrained communication overhead and provable guarantees." IEEE TNSM 20.3 (2023): 3148-3161.</a:t>
+              <a:rPr lang="en-GB" sz="1800" dirty="0" err="1"/>
+              <a:t>Einziger</a:t>
             </a:r>
+            <a:r>
+              <a:rPr lang="en-GB" sz="1800" dirty="0"/>
+              <a:t>, M. Goldstein, and Y. </a:t>
+            </a:r>
+            <a:r>
+              <a:rPr lang="en-GB" sz="1800" dirty="0" err="1"/>
+              <a:t>Sa’ar</a:t>
+            </a:r>
+            <a:r>
+              <a:rPr lang="en-GB" sz="1800" dirty="0"/>
+              <a:t>, “Faster placement of virtual machines through adaptive caching,” in Proc. INFOCOM, 2019,</a:t>
+            </a:r>
+          </a:p>
+          <a:p>
+            <a:pPr marL="0" indent="0">
+              <a:buNone/>
+            </a:pPr>
+            <a:r>
+              <a:rPr lang="en-GB" sz="1800" dirty="0"/>
+              <a:t>     pp. 2458–2466.</a:t>
+            </a:r>
+            <a:endParaRPr lang="en-US" sz="1800" dirty="0"/>
+          </a:p>
+          <a:p>
+            <a:endParaRPr lang="en-US" sz="1800" dirty="0"/>
           </a:p>
         </p:txBody>
       </p:sp>

--- a/BallsNBins_Cisco.pptx
+++ b/BallsNBins_Cisco.pptx
@@ -5,10 +5,10 @@
     <p:sldMasterId id="2147483909" r:id="rId1"/>
   </p:sldMasterIdLst>
   <p:notesMasterIdLst>
-    <p:notesMasterId r:id="rId33"/>
+    <p:notesMasterId r:id="rId34"/>
   </p:notesMasterIdLst>
   <p:handoutMasterIdLst>
-    <p:handoutMasterId r:id="rId34"/>
+    <p:handoutMasterId r:id="rId35"/>
   </p:handoutMasterIdLst>
   <p:sldIdLst>
     <p:sldId id="258" r:id="rId2"/>
@@ -38,10 +38,11 @@
     <p:sldId id="392" r:id="rId26"/>
     <p:sldId id="396" r:id="rId27"/>
     <p:sldId id="405" r:id="rId28"/>
-    <p:sldId id="397" r:id="rId29"/>
-    <p:sldId id="403" r:id="rId30"/>
-    <p:sldId id="404" r:id="rId31"/>
-    <p:sldId id="406" r:id="rId32"/>
+    <p:sldId id="407" r:id="rId29"/>
+    <p:sldId id="397" r:id="rId30"/>
+    <p:sldId id="403" r:id="rId31"/>
+    <p:sldId id="404" r:id="rId32"/>
+    <p:sldId id="406" r:id="rId33"/>
   </p:sldIdLst>
   <p:sldSz cx="9144000" cy="6858000" type="screen4x3"/>
   <p:notesSz cx="7099300" cy="10234613"/>
@@ -337,7 +338,7 @@
               <a:pPr>
                 <a:defRPr/>
               </a:pPr>
-              <a:t>7/13/2024</a:t>
+              <a:t>7/14/2024</a:t>
             </a:fld>
             <a:endParaRPr lang="en-US"/>
           </a:p>
@@ -596,7 +597,7 @@
               <a:pPr>
                 <a:defRPr/>
               </a:pPr>
-              <a:t>7/13/2024</a:t>
+              <a:t>7/14/2024</a:t>
             </a:fld>
             <a:endParaRPr lang="en-US"/>
           </a:p>
@@ -2450,6 +2451,34 @@
           <a:bodyPr/>
           <a:lstStyle/>
           <a:p>
+            <a:r>
+              <a:rPr lang="en-US" sz="1400" dirty="0"/>
+              <a:t>Theoretical bounds</a:t>
+            </a:r>
+          </a:p>
+          <a:p>
+            <a:r>
+              <a:rPr lang="en-US" sz="1100" dirty="0"/>
+              <a:t>(10K bins)</a:t>
+            </a:r>
+            <a:r>
+              <a:rPr lang="en-US" sz="1400" dirty="0"/>
+              <a:t>:</a:t>
+            </a:r>
+          </a:p>
+          <a:p>
+            <a:r>
+              <a:rPr lang="en-US" b="0" dirty="0"/>
+              <a:t>1 sample:   4.15 + O(1)</a:t>
+            </a:r>
+          </a:p>
+          <a:p>
+            <a:r>
+              <a:rPr lang="en-US" b="0" dirty="0"/>
+              <a:t>2 samples: 3.2 + O(1)</a:t>
+            </a:r>
+          </a:p>
+          <a:p>
             <a:pPr algn="l" rtl="0">
               <a:lnSpc>
                 <a:spcPct val="107000"/>
@@ -2984,6 +3013,53 @@
                 <a:spcPts val="800"/>
               </a:spcAft>
             </a:pPr>
+            <a:r>
+              <a:rPr lang="en-US" dirty="0"/>
+              <a:t>Multi-dim prob’:</a:t>
+            </a:r>
+          </a:p>
+          <a:p>
+            <a:pPr algn="l" rtl="0">
+              <a:lnSpc>
+                <a:spcPct val="107000"/>
+              </a:lnSpc>
+              <a:spcAft>
+                <a:spcPts val="800"/>
+              </a:spcAft>
+            </a:pPr>
+            <a:r>
+              <a:rPr lang="en-US" sz="1200" dirty="0"/>
+              <a:t>MD_P2_IBM: out of the sampled bins, select the one minimizing the maximal load (in all dims). Or the “total” load (?).</a:t>
+            </a:r>
+          </a:p>
+          <a:p>
+            <a:pPr algn="l" rtl="0">
+              <a:lnSpc>
+                <a:spcPct val="107000"/>
+              </a:lnSpc>
+              <a:spcAft>
+                <a:spcPts val="800"/>
+              </a:spcAft>
+            </a:pPr>
+            <a:r>
+              <a:rPr lang="en-US" sz="1200" dirty="0" err="1"/>
+              <a:t>Dist</a:t>
+            </a:r>
+            <a:r>
+              <a:rPr lang="en-US" sz="1200" dirty="0"/>
+              <a:t> from diag.</a:t>
+            </a:r>
+            <a:endParaRPr lang="en-US" dirty="0"/>
+          </a:p>
+          <a:p>
+            <a:pPr algn="l" rtl="0">
+              <a:lnSpc>
+                <a:spcPct val="107000"/>
+              </a:lnSpc>
+              <a:spcAft>
+                <a:spcPts val="800"/>
+              </a:spcAft>
+            </a:pPr>
             <a:endParaRPr lang="en-US" dirty="0"/>
           </a:p>
         </p:txBody>
@@ -3020,7 +3096,7 @@
     </p:spTree>
     <p:extLst>
       <p:ext uri="{BB962C8B-B14F-4D97-AF65-F5344CB8AC3E}">
-        <p14:creationId xmlns:p14="http://schemas.microsoft.com/office/powerpoint/2010/main" val="3822420504"/>
+        <p14:creationId xmlns:p14="http://schemas.microsoft.com/office/powerpoint/2010/main" val="3696849390"/>
       </p:ext>
     </p:extLst>
   </p:cSld>
@@ -3074,36 +3150,6 @@
           <a:bodyPr/>
           <a:lstStyle/>
           <a:p>
-            <a:pPr marL="0" marR="0" lvl="0" indent="0" algn="l" defTabSz="914400" rtl="0" eaLnBrk="0" fontAlgn="base" latinLnBrk="0" hangingPunct="0">
-              <a:lnSpc>
-                <a:spcPct val="107000"/>
-              </a:lnSpc>
-              <a:spcBef>
-                <a:spcPct val="30000"/>
-              </a:spcBef>
-              <a:spcAft>
-                <a:spcPts val="800"/>
-              </a:spcAft>
-              <a:buClrTx/>
-              <a:buSzTx/>
-              <a:buFontTx/>
-              <a:buNone/>
-              <a:tabLst/>
-              <a:defRPr/>
-            </a:pPr>
-            <a:r>
-              <a:rPr lang="en-US" sz="1200" dirty="0"/>
-              <a:t>Supermarket: balls </a:t>
-            </a:r>
-            <a:r>
-              <a:rPr lang="en-US" sz="1200" dirty="0">
-                <a:sym typeface="Wingdings" panose="05000000000000000000" pitchFamily="2" charset="2"/>
-              </a:rPr>
-              <a:t> M/M/1 Qs</a:t>
-            </a:r>
-            <a:endParaRPr lang="en-US" sz="1200" dirty="0"/>
-          </a:p>
-          <a:p>
             <a:pPr algn="l" rtl="0">
               <a:lnSpc>
                 <a:spcPct val="107000"/>
@@ -3148,7 +3194,7 @@
     </p:spTree>
     <p:extLst>
       <p:ext uri="{BB962C8B-B14F-4D97-AF65-F5344CB8AC3E}">
-        <p14:creationId xmlns:p14="http://schemas.microsoft.com/office/powerpoint/2010/main" val="1404350271"/>
+        <p14:creationId xmlns:p14="http://schemas.microsoft.com/office/powerpoint/2010/main" val="3822420504"/>
       </p:ext>
     </p:extLst>
   </p:cSld>
@@ -3300,6 +3346,36 @@
           <a:bodyPr/>
           <a:lstStyle/>
           <a:p>
+            <a:pPr marL="0" marR="0" lvl="0" indent="0" algn="l" defTabSz="914400" rtl="0" eaLnBrk="0" fontAlgn="base" latinLnBrk="0" hangingPunct="0">
+              <a:lnSpc>
+                <a:spcPct val="107000"/>
+              </a:lnSpc>
+              <a:spcBef>
+                <a:spcPct val="30000"/>
+              </a:spcBef>
+              <a:spcAft>
+                <a:spcPts val="800"/>
+              </a:spcAft>
+              <a:buClrTx/>
+              <a:buSzTx/>
+              <a:buFontTx/>
+              <a:buNone/>
+              <a:tabLst/>
+              <a:defRPr/>
+            </a:pPr>
+            <a:r>
+              <a:rPr lang="en-US" sz="1200" dirty="0"/>
+              <a:t>Supermarket: balls </a:t>
+            </a:r>
+            <a:r>
+              <a:rPr lang="en-US" sz="1200" dirty="0">
+                <a:sym typeface="Wingdings" panose="05000000000000000000" pitchFamily="2" charset="2"/>
+              </a:rPr>
+              <a:t> M/M/1 Qs</a:t>
+            </a:r>
+            <a:endParaRPr lang="en-US" sz="1200" dirty="0"/>
+          </a:p>
+          <a:p>
             <a:pPr algn="l" rtl="0">
               <a:lnSpc>
                 <a:spcPct val="107000"/>
@@ -3344,7 +3420,7 @@
     </p:spTree>
     <p:extLst>
       <p:ext uri="{BB962C8B-B14F-4D97-AF65-F5344CB8AC3E}">
-        <p14:creationId xmlns:p14="http://schemas.microsoft.com/office/powerpoint/2010/main" val="1298502251"/>
+        <p14:creationId xmlns:p14="http://schemas.microsoft.com/office/powerpoint/2010/main" val="1404350271"/>
       </p:ext>
     </p:extLst>
   </p:cSld>
@@ -3434,6 +3510,104 @@
                 <a:defRPr/>
               </a:pPr>
               <a:t>31</a:t>
+            </a:fld>
+            <a:endParaRPr lang="en-US"/>
+          </a:p>
+        </p:txBody>
+      </p:sp>
+    </p:spTree>
+    <p:extLst>
+      <p:ext uri="{BB962C8B-B14F-4D97-AF65-F5344CB8AC3E}">
+        <p14:creationId xmlns:p14="http://schemas.microsoft.com/office/powerpoint/2010/main" val="1298502251"/>
+      </p:ext>
+    </p:extLst>
+  </p:cSld>
+  <p:clrMapOvr>
+    <a:masterClrMapping/>
+  </p:clrMapOvr>
+</p:notes>
+</file>
+
+<file path=ppt/notesSlides/notesSlide32.xml><?xml version="1.0" encoding="utf-8"?>
+<p:notes xmlns:a="http://schemas.openxmlformats.org/drawingml/2006/main" xmlns:r="http://schemas.openxmlformats.org/officeDocument/2006/relationships" xmlns:p="http://schemas.openxmlformats.org/presentationml/2006/main">
+  <p:cSld>
+    <p:spTree>
+      <p:nvGrpSpPr>
+        <p:cNvPr id="1" name=""/>
+        <p:cNvGrpSpPr/>
+        <p:nvPr/>
+      </p:nvGrpSpPr>
+      <p:grpSpPr>
+        <a:xfrm>
+          <a:off x="0" y="0"/>
+          <a:ext cx="0" cy="0"/>
+          <a:chOff x="0" y="0"/>
+          <a:chExt cx="0" cy="0"/>
+        </a:xfrm>
+      </p:grpSpPr>
+      <p:sp>
+        <p:nvSpPr>
+          <p:cNvPr id="2" name="Slide Image Placeholder 1"/>
+          <p:cNvSpPr>
+            <a:spLocks noGrp="1" noRot="1" noChangeAspect="1"/>
+          </p:cNvSpPr>
+          <p:nvPr>
+            <p:ph type="sldImg"/>
+          </p:nvPr>
+        </p:nvSpPr>
+        <p:spPr/>
+      </p:sp>
+      <p:sp>
+        <p:nvSpPr>
+          <p:cNvPr id="3" name="Notes Placeholder 2"/>
+          <p:cNvSpPr>
+            <a:spLocks noGrp="1"/>
+          </p:cNvSpPr>
+          <p:nvPr>
+            <p:ph type="body" idx="1"/>
+          </p:nvPr>
+        </p:nvSpPr>
+        <p:spPr/>
+        <p:txBody>
+          <a:bodyPr/>
+          <a:lstStyle/>
+          <a:p>
+            <a:pPr algn="l" rtl="0">
+              <a:lnSpc>
+                <a:spcPct val="107000"/>
+              </a:lnSpc>
+              <a:spcAft>
+                <a:spcPts val="800"/>
+              </a:spcAft>
+            </a:pPr>
+            <a:endParaRPr lang="en-US" dirty="0"/>
+          </a:p>
+        </p:txBody>
+      </p:sp>
+      <p:sp>
+        <p:nvSpPr>
+          <p:cNvPr id="4" name="Slide Number Placeholder 3"/>
+          <p:cNvSpPr>
+            <a:spLocks noGrp="1"/>
+          </p:cNvSpPr>
+          <p:nvPr>
+            <p:ph type="sldNum" sz="quarter" idx="5"/>
+          </p:nvPr>
+        </p:nvSpPr>
+        <p:spPr/>
+        <p:txBody>
+          <a:bodyPr/>
+          <a:lstStyle/>
+          <a:p>
+            <a:pPr>
+              <a:defRPr/>
+            </a:pPr>
+            <a:fld id="{AF3000EE-471F-49DA-891E-26BB1401A0F3}" type="slidenum">
+              <a:rPr lang="he-IL" smtClean="0"/>
+              <a:pPr>
+                <a:defRPr/>
+              </a:pPr>
+              <a:t>32</a:t>
             </a:fld>
             <a:endParaRPr lang="en-US"/>
           </a:p>
@@ -14725,7 +14899,7 @@
                 <a:latin typeface="+mj-lt"/>
                 <a:sym typeface="Wingdings" pitchFamily="2" charset="2"/>
               </a:rPr>
-              <a:t>   </a:t>
+              <a:t>    </a:t>
             </a:r>
             <a:r>
               <a:rPr lang="en-US" sz="3200" dirty="0">
@@ -14824,7 +14998,7 @@
         </p:blipFill>
         <p:spPr>
           <a:xfrm>
-            <a:off x="7270174" y="2374562"/>
+            <a:off x="7236054" y="2374562"/>
             <a:ext cx="306378" cy="304800"/>
           </a:xfrm>
           <a:prstGeom prst="rect">
@@ -27267,7 +27441,7 @@
         <p:spPr>
           <a:xfrm>
             <a:off x="1143000" y="1600200"/>
-            <a:ext cx="7696200" cy="5029200"/>
+            <a:ext cx="8001000" cy="5029200"/>
           </a:xfrm>
         </p:spPr>
         <p:txBody>
@@ -27323,7 +27497,7 @@
                 <a:latin typeface="+mj-lt"/>
                 <a:sym typeface="Wingdings" pitchFamily="2" charset="2"/>
               </a:rPr>
-              <a:t>balls     </a:t>
+              <a:t>balls,     </a:t>
             </a:r>
           </a:p>
           <a:p>
@@ -27335,7 +27509,7 @@
                 <a:latin typeface="+mj-lt"/>
                 <a:sym typeface="Wingdings" pitchFamily="2" charset="2"/>
               </a:rPr>
-              <a:t>    and    bins is </a:t>
+              <a:t>    bins is                 </a:t>
             </a:r>
             <a:r>
               <a:rPr lang="en-US" sz="3200" dirty="0" err="1">
@@ -27349,7 +27523,7 @@
                 <a:latin typeface="+mj-lt"/>
                 <a:sym typeface="Wingdings" pitchFamily="2" charset="2"/>
               </a:rPr>
-              <a:t>. 	 </a:t>
+              <a:t>. </a:t>
             </a:r>
             <a:r>
               <a:rPr lang="en-US" sz="2400" dirty="0">
@@ -27370,7 +27544,7 @@
               </a:rPr>
               <a:t>Mitzenmacher’01]</a:t>
             </a:r>
-            <a:endParaRPr lang="en-US" sz="3200" dirty="0">
+            <a:endParaRPr lang="en-US" dirty="0">
               <a:latin typeface="+mj-lt"/>
             </a:endParaRPr>
           </a:p>
@@ -27432,36 +27606,7 @@
       </p:pic>
       <p:pic>
         <p:nvPicPr>
-          <p:cNvPr id="43" name="Picture 42">
-            <a:extLst>
-              <a:ext uri="{FF2B5EF4-FFF2-40B4-BE49-F238E27FC236}">
-                <a16:creationId xmlns:a16="http://schemas.microsoft.com/office/drawing/2014/main" id="{2D185262-336B-62EB-AC2E-6E121AA169EF}"/>
-              </a:ext>
-            </a:extLst>
-          </p:cNvPr>
-          <p:cNvPicPr>
-            <a:picLocks noChangeAspect="1"/>
-          </p:cNvPicPr>
-          <p:nvPr/>
-        </p:nvPicPr>
-        <p:blipFill rotWithShape="1">
-          <a:blip r:embed="rId3"/>
-          <a:srcRect l="43333" t="42222" r="48498" b="46943"/>
-          <a:stretch/>
-        </p:blipFill>
-        <p:spPr>
-          <a:xfrm>
-            <a:off x="2406043" y="2945800"/>
-            <a:ext cx="306378" cy="304800"/>
-          </a:xfrm>
-          <a:prstGeom prst="rect">
-            <a:avLst/>
-          </a:prstGeom>
-        </p:spPr>
-      </p:pic>
-      <p:pic>
-        <p:nvPicPr>
-          <p:cNvPr id="52" name="Picture 51">
+          <p:cNvPr id="12" name="Picture 11">
             <a:extLst>
               <a:ext uri="{FF2B5EF4-FFF2-40B4-BE49-F238E27FC236}">
                 <a16:creationId xmlns:a16="http://schemas.microsoft.com/office/drawing/2014/main" id="{50D9D3D1-8782-A28B-A3E8-AB1FCE39D7D3}"/>
@@ -27480,7 +27625,7 @@
         </p:blipFill>
         <p:spPr>
           <a:xfrm>
-            <a:off x="4019550" y="2884814"/>
+            <a:off x="2924176" y="2859565"/>
             <a:ext cx="1771647" cy="466937"/>
           </a:xfrm>
           <a:prstGeom prst="rect">
@@ -27863,7 +28008,7 @@
                 <a:latin typeface="+mj-lt"/>
                 <a:sym typeface="Wingdings" pitchFamily="2" charset="2"/>
               </a:rPr>
-              <a:t>balls     </a:t>
+              <a:t>balls,     </a:t>
             </a:r>
           </a:p>
           <a:p>
@@ -27875,7 +28020,7 @@
                 <a:latin typeface="+mj-lt"/>
                 <a:sym typeface="Wingdings" pitchFamily="2" charset="2"/>
               </a:rPr>
-              <a:t>    and    bins is  		  </a:t>
+              <a:t>    bins is                 </a:t>
             </a:r>
             <a:r>
               <a:rPr lang="en-US" sz="3200" dirty="0" err="1">
@@ -27889,8 +28034,30 @@
                 <a:latin typeface="+mj-lt"/>
                 <a:sym typeface="Wingdings" pitchFamily="2" charset="2"/>
               </a:rPr>
-              <a:t>.</a:t>
+              <a:t>. </a:t>
             </a:r>
+            <a:r>
+              <a:rPr lang="en-US" sz="2400" dirty="0">
+                <a:latin typeface="+mj-lt"/>
+                <a:sym typeface="Wingdings" pitchFamily="2" charset="2"/>
+              </a:rPr>
+              <a:t>[</a:t>
+            </a:r>
+            <a:r>
+              <a:rPr lang="en-US" sz="2400" dirty="0">
+                <a:solidFill>
+                  <a:srgbClr val="222222"/>
+                </a:solidFill>
+                <a:highlight>
+                  <a:srgbClr val="FFFFFF"/>
+                </a:highlight>
+                <a:latin typeface="Arial" panose="020B0604020202020204" pitchFamily="34" charset="0"/>
+              </a:rPr>
+              <a:t>Mitzenmacher’01]</a:t>
+            </a:r>
+            <a:endParaRPr lang="en-US" sz="3200" dirty="0">
+              <a:latin typeface="+mj-lt"/>
+            </a:endParaRPr>
           </a:p>
           <a:p>
             <a:pPr lvl="1"/>
@@ -28035,64 +28202,6 @@
       </p:pic>
       <p:pic>
         <p:nvPicPr>
-          <p:cNvPr id="43" name="Picture 42">
-            <a:extLst>
-              <a:ext uri="{FF2B5EF4-FFF2-40B4-BE49-F238E27FC236}">
-                <a16:creationId xmlns:a16="http://schemas.microsoft.com/office/drawing/2014/main" id="{2D185262-336B-62EB-AC2E-6E121AA169EF}"/>
-              </a:ext>
-            </a:extLst>
-          </p:cNvPr>
-          <p:cNvPicPr>
-            <a:picLocks noChangeAspect="1"/>
-          </p:cNvPicPr>
-          <p:nvPr/>
-        </p:nvPicPr>
-        <p:blipFill rotWithShape="1">
-          <a:blip r:embed="rId3"/>
-          <a:srcRect l="43333" t="42222" r="48498" b="46943"/>
-          <a:stretch/>
-        </p:blipFill>
-        <p:spPr>
-          <a:xfrm>
-            <a:off x="2406043" y="2945800"/>
-            <a:ext cx="306378" cy="304800"/>
-          </a:xfrm>
-          <a:prstGeom prst="rect">
-            <a:avLst/>
-          </a:prstGeom>
-        </p:spPr>
-      </p:pic>
-      <p:pic>
-        <p:nvPicPr>
-          <p:cNvPr id="52" name="Picture 51">
-            <a:extLst>
-              <a:ext uri="{FF2B5EF4-FFF2-40B4-BE49-F238E27FC236}">
-                <a16:creationId xmlns:a16="http://schemas.microsoft.com/office/drawing/2014/main" id="{50D9D3D1-8782-A28B-A3E8-AB1FCE39D7D3}"/>
-              </a:ext>
-            </a:extLst>
-          </p:cNvPr>
-          <p:cNvPicPr>
-            <a:picLocks noChangeAspect="1"/>
-          </p:cNvPicPr>
-          <p:nvPr/>
-        </p:nvPicPr>
-        <p:blipFill rotWithShape="1">
-          <a:blip r:embed="rId4"/>
-          <a:srcRect l="22812" t="59627" r="41979" b="28000"/>
-          <a:stretch/>
-        </p:blipFill>
-        <p:spPr>
-          <a:xfrm>
-            <a:off x="4019550" y="2844648"/>
-            <a:ext cx="1924050" cy="507104"/>
-          </a:xfrm>
-          <a:prstGeom prst="rect">
-            <a:avLst/>
-          </a:prstGeom>
-        </p:spPr>
-      </p:pic>
-      <p:pic>
-        <p:nvPicPr>
           <p:cNvPr id="12" name="Picture 11">
             <a:extLst>
               <a:ext uri="{FF2B5EF4-FFF2-40B4-BE49-F238E27FC236}">
@@ -28114,6 +28223,35 @@
           <a:xfrm>
             <a:off x="2895600" y="3550227"/>
             <a:ext cx="306378" cy="304800"/>
+          </a:xfrm>
+          <a:prstGeom prst="rect">
+            <a:avLst/>
+          </a:prstGeom>
+        </p:spPr>
+      </p:pic>
+      <p:pic>
+        <p:nvPicPr>
+          <p:cNvPr id="5" name="Picture 4">
+            <a:extLst>
+              <a:ext uri="{FF2B5EF4-FFF2-40B4-BE49-F238E27FC236}">
+                <a16:creationId xmlns:a16="http://schemas.microsoft.com/office/drawing/2014/main" id="{5A9DFFEA-1D05-1473-B4BF-06A0019EFEA7}"/>
+              </a:ext>
+            </a:extLst>
+          </p:cNvPr>
+          <p:cNvPicPr>
+            <a:picLocks noChangeAspect="1"/>
+          </p:cNvPicPr>
+          <p:nvPr/>
+        </p:nvPicPr>
+        <p:blipFill rotWithShape="1">
+          <a:blip r:embed="rId4"/>
+          <a:srcRect l="22812" t="59627" r="41979" b="28000"/>
+          <a:stretch/>
+        </p:blipFill>
+        <p:spPr>
+          <a:xfrm>
+            <a:off x="2924176" y="2859565"/>
+            <a:ext cx="1771647" cy="466937"/>
           </a:xfrm>
           <a:prstGeom prst="rect">
             <a:avLst/>
@@ -28859,7 +28997,7 @@
         <p:spPr>
           <a:xfrm>
             <a:off x="1143000" y="1600200"/>
-            <a:ext cx="7696200" cy="5029200"/>
+            <a:ext cx="8001000" cy="5029200"/>
           </a:xfrm>
         </p:spPr>
         <p:txBody>
@@ -28895,29 +29033,17 @@
                 <a:latin typeface="+mj-lt"/>
                 <a:sym typeface="Wingdings" pitchFamily="2" charset="2"/>
               </a:rPr>
-              <a:t>    multiplicative factor            </a:t>
-            </a:r>
-          </a:p>
-          <a:p>
-            <a:pPr marL="0" indent="0">
-              <a:buNone/>
-            </a:pPr>
-            <a:r>
-              <a:rPr lang="en-US" sz="3200" dirty="0">
-                <a:latin typeface="+mj-lt"/>
-                <a:sym typeface="Wingdings" pitchFamily="2" charset="2"/>
-              </a:rPr>
-              <a:t>    </a:t>
+              <a:t>    multiplicative factor             </a:t>
             </a:r>
             <a:r>
-              <a:rPr lang="en-US" sz="2400" dirty="0">
+              <a:rPr lang="en-US" sz="2000" dirty="0">
                 <a:latin typeface="+mj-lt"/>
                 <a:sym typeface="Wingdings" pitchFamily="2" charset="2"/>
               </a:rPr>
               <a:t>[</a:t>
             </a:r>
             <a:r>
-              <a:rPr lang="en-US" sz="2400" dirty="0">
+              <a:rPr lang="en-US" sz="2000" dirty="0">
                 <a:solidFill>
                   <a:srgbClr val="222222"/>
                 </a:solidFill>
@@ -28929,7 +29055,7 @@
               <a:t>Mitzenmacher’01</a:t>
             </a:r>
             <a:r>
-              <a:rPr lang="en-US" sz="2400" dirty="0">
+              <a:rPr lang="en-US" sz="2000" dirty="0">
                 <a:latin typeface="+mj-lt"/>
                 <a:sym typeface="Wingdings" pitchFamily="2" charset="2"/>
               </a:rPr>
@@ -28947,14 +29073,6 @@
               <a:buNone/>
             </a:pPr>
             <a:endParaRPr lang="en-US" sz="3200" dirty="0"/>
-          </a:p>
-          <a:p>
-            <a:pPr marL="0" indent="0">
-              <a:buNone/>
-            </a:pPr>
-            <a:endParaRPr lang="en-US" sz="3200" dirty="0">
-              <a:latin typeface="+mj-lt"/>
-            </a:endParaRPr>
           </a:p>
         </p:txBody>
       </p:sp>
@@ -29008,7 +29126,7 @@
         </p:blipFill>
         <p:spPr>
           <a:xfrm>
-            <a:off x="5257800" y="2298469"/>
+            <a:off x="5250976" y="2318941"/>
             <a:ext cx="1258957" cy="381000"/>
           </a:xfrm>
           <a:prstGeom prst="rect">
@@ -30363,63 +30481,6 @@
           </a:prstGeom>
         </p:spPr>
       </p:pic>
-      <p:sp>
-        <p:nvSpPr>
-          <p:cNvPr id="2" name="TextBox 1">
-            <a:extLst>
-              <a:ext uri="{FF2B5EF4-FFF2-40B4-BE49-F238E27FC236}">
-                <a16:creationId xmlns:a16="http://schemas.microsoft.com/office/drawing/2014/main" id="{0DE00611-B19C-E634-6BDF-1885CE89AC4B}"/>
-              </a:ext>
-            </a:extLst>
-          </p:cNvPr>
-          <p:cNvSpPr txBox="1"/>
-          <p:nvPr/>
-        </p:nvSpPr>
-        <p:spPr>
-          <a:xfrm>
-            <a:off x="6534150" y="3733800"/>
-            <a:ext cx="3073705" cy="1261884"/>
-          </a:xfrm>
-          <a:prstGeom prst="rect">
-            <a:avLst/>
-          </a:prstGeom>
-          <a:noFill/>
-        </p:spPr>
-        <p:txBody>
-          <a:bodyPr wrap="square" rtlCol="0">
-            <a:spAutoFit/>
-          </a:bodyPr>
-          <a:lstStyle/>
-          <a:p>
-            <a:r>
-              <a:rPr lang="en-US" sz="2000" dirty="0"/>
-              <a:t>Theoretical bounds</a:t>
-            </a:r>
-          </a:p>
-          <a:p>
-            <a:r>
-              <a:rPr lang="en-US" sz="1600" dirty="0"/>
-              <a:t>(10K bins)</a:t>
-            </a:r>
-            <a:r>
-              <a:rPr lang="en-US" sz="2000" dirty="0"/>
-              <a:t>:</a:t>
-            </a:r>
-          </a:p>
-          <a:p>
-            <a:r>
-              <a:rPr lang="en-US" b="0" dirty="0"/>
-              <a:t>1 sample:   4.15 + O(1)</a:t>
-            </a:r>
-          </a:p>
-          <a:p>
-            <a:r>
-              <a:rPr lang="en-US" b="0" dirty="0"/>
-              <a:t>2 samples: 3.2 + O(1)</a:t>
-            </a:r>
-          </a:p>
-        </p:txBody>
-      </p:sp>
     </p:spTree>
     <p:extLst>
       <p:ext uri="{BB962C8B-B14F-4D97-AF65-F5344CB8AC3E}">
@@ -30483,51 +30544,6 @@
                       </p:childTnLst>
                     </p:cTn>
                   </p:par>
-                  <p:par>
-                    <p:cTn id="7" fill="hold">
-                      <p:stCondLst>
-                        <p:cond delay="indefinite"/>
-                      </p:stCondLst>
-                      <p:childTnLst>
-                        <p:par>
-                          <p:cTn id="8" fill="hold">
-                            <p:stCondLst>
-                              <p:cond delay="0"/>
-                            </p:stCondLst>
-                            <p:childTnLst>
-                              <p:par>
-                                <p:cTn id="9" presetID="1" presetClass="entr" presetSubtype="0" fill="hold" grpId="0" nodeType="clickEffect">
-                                  <p:stCondLst>
-                                    <p:cond delay="0"/>
-                                  </p:stCondLst>
-                                  <p:childTnLst>
-                                    <p:set>
-                                      <p:cBhvr>
-                                        <p:cTn id="10" dur="1" fill="hold">
-                                          <p:stCondLst>
-                                            <p:cond delay="0"/>
-                                          </p:stCondLst>
-                                        </p:cTn>
-                                        <p:tgtEl>
-                                          <p:spTgt spid="2"/>
-                                        </p:tgtEl>
-                                        <p:attrNameLst>
-                                          <p:attrName>style.visibility</p:attrName>
-                                        </p:attrNameLst>
-                                      </p:cBhvr>
-                                      <p:to>
-                                        <p:strVal val="visible"/>
-                                      </p:to>
-                                    </p:set>
-                                  </p:childTnLst>
-                                </p:cTn>
-                              </p:par>
-                            </p:childTnLst>
-                          </p:cTn>
-                        </p:par>
-                      </p:childTnLst>
-                    </p:cTn>
-                  </p:par>
                 </p:childTnLst>
               </p:cTn>
               <p:prevCondLst>
@@ -30549,9 +30565,6 @@
         </p:cTn>
       </p:par>
     </p:tnLst>
-    <p:bldLst>
-      <p:bldP spid="2" grpId="0"/>
-    </p:bldLst>
   </p:timing>
 </p:sld>
 </file>
@@ -32074,38 +32087,6 @@
           <a:p>
             <a:r>
               <a:rPr lang="en-US" dirty="0"/>
-              <a:t>Multiple dimensions </a:t>
-            </a:r>
-            <a:r>
-              <a:rPr lang="en-US" sz="2400" dirty="0"/>
-              <a:t>[MD_P2_IBM]</a:t>
-            </a:r>
-          </a:p>
-          <a:p>
-            <a:pPr lvl="1"/>
-            <a:r>
-              <a:rPr lang="en-US" dirty="0" err="1"/>
-              <a:t>Cpu</a:t>
-            </a:r>
-            <a:endParaRPr lang="en-US" dirty="0"/>
-          </a:p>
-          <a:p>
-            <a:pPr lvl="1"/>
-            <a:r>
-              <a:rPr lang="en-US" dirty="0"/>
-              <a:t>Memory</a:t>
-            </a:r>
-          </a:p>
-          <a:p>
-            <a:pPr lvl="1"/>
-            <a:r>
-              <a:rPr lang="en-US" dirty="0"/>
-              <a:t>BW</a:t>
-            </a:r>
-          </a:p>
-          <a:p>
-            <a:r>
-              <a:rPr lang="en-US" dirty="0"/>
               <a:t>Dynamic case (finished tasks)</a:t>
             </a:r>
           </a:p>
@@ -32127,46 +32108,44 @@
               </a:rPr>
               <a:t> pick  deploy</a:t>
             </a:r>
+          </a:p>
+          <a:p>
+            <a:r>
+              <a:rPr lang="en-US" dirty="0"/>
+              <a:t>Multiple dimensions </a:t>
+            </a:r>
+            <a:r>
+              <a:rPr lang="en-US" sz="2400" dirty="0"/>
+              <a:t>[MD_P2_IBM]</a:t>
+            </a:r>
+          </a:p>
+          <a:p>
+            <a:pPr lvl="1"/>
+            <a:r>
+              <a:rPr lang="en-US" dirty="0" err="1"/>
+              <a:t>Cpu</a:t>
+            </a:r>
+            <a:endParaRPr lang="en-US" dirty="0"/>
+          </a:p>
+          <a:p>
+            <a:pPr lvl="1"/>
+            <a:r>
+              <a:rPr lang="en-US" dirty="0"/>
+              <a:t>Memory</a:t>
+            </a:r>
+          </a:p>
+          <a:p>
+            <a:pPr lvl="1"/>
+            <a:r>
+              <a:rPr lang="en-US" dirty="0"/>
+              <a:t>BW</a:t>
+            </a:r>
+          </a:p>
+          <a:p>
             <a:endParaRPr lang="en-US" dirty="0"/>
           </a:p>
         </p:txBody>
       </p:sp>
-      <p:pic>
-        <p:nvPicPr>
-          <p:cNvPr id="8" name="Picture 7" descr="A colorful ball with four different colors&#10;&#10;Description automatically generated">
-            <a:extLst>
-              <a:ext uri="{FF2B5EF4-FFF2-40B4-BE49-F238E27FC236}">
-                <a16:creationId xmlns:a16="http://schemas.microsoft.com/office/drawing/2014/main" id="{02D8CF6C-B52C-C582-73AA-E2FA8BCBE3E6}"/>
-              </a:ext>
-            </a:extLst>
-          </p:cNvPr>
-          <p:cNvPicPr>
-            <a:picLocks noChangeAspect="1"/>
-          </p:cNvPicPr>
-          <p:nvPr/>
-        </p:nvPicPr>
-        <p:blipFill>
-          <a:blip r:embed="rId3" cstate="print">
-            <a:extLst>
-              <a:ext uri="{28A0092B-C50C-407E-A947-70E740481C1C}">
-                <a14:useLocalDpi xmlns:a14="http://schemas.microsoft.com/office/drawing/2010/main" val="0"/>
-              </a:ext>
-            </a:extLst>
-          </a:blip>
-          <a:stretch>
-            <a:fillRect/>
-          </a:stretch>
-        </p:blipFill>
-        <p:spPr>
-          <a:xfrm>
-            <a:off x="4876800" y="2667000"/>
-            <a:ext cx="1447800" cy="1447800"/>
-          </a:xfrm>
-          <a:prstGeom prst="rect">
-            <a:avLst/>
-          </a:prstGeom>
-        </p:spPr>
-      </p:pic>
     </p:spTree>
     <p:extLst>
       <p:ext uri="{BB962C8B-B14F-4D97-AF65-F5344CB8AC3E}">
@@ -32259,15 +32238,33 @@
                                   </p:childTnLst>
                                 </p:cTn>
                               </p:par>
+                            </p:childTnLst>
+                          </p:cTn>
+                        </p:par>
+                      </p:childTnLst>
+                    </p:cTn>
+                  </p:par>
+                  <p:par>
+                    <p:cTn id="9" fill="hold">
+                      <p:stCondLst>
+                        <p:cond delay="indefinite"/>
+                      </p:stCondLst>
+                      <p:childTnLst>
+                        <p:par>
+                          <p:cTn id="10" fill="hold">
+                            <p:stCondLst>
+                              <p:cond delay="0"/>
+                            </p:stCondLst>
+                            <p:childTnLst>
                               <p:par>
-                                <p:cTn id="9" presetID="1" presetClass="entr" presetSubtype="0" fill="hold" nodeType="withEffect">
+                                <p:cTn id="11" presetID="1" presetClass="entr" presetSubtype="0" fill="hold" nodeType="clickEffect">
                                   <p:stCondLst>
                                     <p:cond delay="0"/>
                                   </p:stCondLst>
                                   <p:childTnLst>
                                     <p:set>
                                       <p:cBhvr>
-                                        <p:cTn id="10" dur="1" fill="hold">
+                                        <p:cTn id="12" dur="1" fill="hold">
                                           <p:stCondLst>
                                             <p:cond delay="0"/>
                                           </p:stCondLst>
@@ -32290,15 +32287,33 @@
                                   </p:childTnLst>
                                 </p:cTn>
                               </p:par>
+                            </p:childTnLst>
+                          </p:cTn>
+                        </p:par>
+                      </p:childTnLst>
+                    </p:cTn>
+                  </p:par>
+                  <p:par>
+                    <p:cTn id="13" fill="hold">
+                      <p:stCondLst>
+                        <p:cond delay="indefinite"/>
+                      </p:stCondLst>
+                      <p:childTnLst>
+                        <p:par>
+                          <p:cTn id="14" fill="hold">
+                            <p:stCondLst>
+                              <p:cond delay="0"/>
+                            </p:stCondLst>
+                            <p:childTnLst>
                               <p:par>
-                                <p:cTn id="11" presetID="1" presetClass="entr" presetSubtype="0" fill="hold" nodeType="withEffect">
+                                <p:cTn id="15" presetID="1" presetClass="entr" presetSubtype="0" fill="hold" nodeType="clickEffect">
                                   <p:stCondLst>
                                     <p:cond delay="0"/>
                                   </p:stCondLst>
                                   <p:childTnLst>
                                     <p:set>
                                       <p:cBhvr>
-                                        <p:cTn id="12" dur="1" fill="hold">
+                                        <p:cTn id="16" dur="1" fill="hold">
                                           <p:stCondLst>
                                             <p:cond delay="0"/>
                                           </p:stCondLst>
@@ -32322,52 +32337,7 @@
                                 </p:cTn>
                               </p:par>
                               <p:par>
-                                <p:cTn id="13" presetID="1" presetClass="entr" presetSubtype="0" fill="hold" nodeType="withEffect">
-                                  <p:stCondLst>
-                                    <p:cond delay="0"/>
-                                  </p:stCondLst>
-                                  <p:childTnLst>
-                                    <p:set>
-                                      <p:cBhvr>
-                                        <p:cTn id="14" dur="1" fill="hold">
-                                          <p:stCondLst>
-                                            <p:cond delay="0"/>
-                                          </p:stCondLst>
-                                        </p:cTn>
-                                        <p:tgtEl>
-                                          <p:spTgt spid="8"/>
-                                        </p:tgtEl>
-                                        <p:attrNameLst>
-                                          <p:attrName>style.visibility</p:attrName>
-                                        </p:attrNameLst>
-                                      </p:cBhvr>
-                                      <p:to>
-                                        <p:strVal val="visible"/>
-                                      </p:to>
-                                    </p:set>
-                                  </p:childTnLst>
-                                </p:cTn>
-                              </p:par>
-                            </p:childTnLst>
-                          </p:cTn>
-                        </p:par>
-                      </p:childTnLst>
-                    </p:cTn>
-                  </p:par>
-                  <p:par>
-                    <p:cTn id="15" fill="hold">
-                      <p:stCondLst>
-                        <p:cond delay="indefinite"/>
-                      </p:stCondLst>
-                      <p:childTnLst>
-                        <p:par>
-                          <p:cTn id="16" fill="hold">
-                            <p:stCondLst>
-                              <p:cond delay="0"/>
-                            </p:stCondLst>
-                            <p:childTnLst>
-                              <p:par>
-                                <p:cTn id="17" presetID="1" presetClass="entr" presetSubtype="0" fill="hold" nodeType="clickEffect">
+                                <p:cTn id="17" presetID="1" presetClass="entr" presetSubtype="0" fill="hold" nodeType="withEffect">
                                   <p:stCondLst>
                                     <p:cond delay="0"/>
                                   </p:stCondLst>
@@ -32397,33 +32367,15 @@
                                   </p:childTnLst>
                                 </p:cTn>
                               </p:par>
-                            </p:childTnLst>
-                          </p:cTn>
-                        </p:par>
-                      </p:childTnLst>
-                    </p:cTn>
-                  </p:par>
-                  <p:par>
-                    <p:cTn id="19" fill="hold">
-                      <p:stCondLst>
-                        <p:cond delay="indefinite"/>
-                      </p:stCondLst>
-                      <p:childTnLst>
-                        <p:par>
-                          <p:cTn id="20" fill="hold">
-                            <p:stCondLst>
-                              <p:cond delay="0"/>
-                            </p:stCondLst>
-                            <p:childTnLst>
                               <p:par>
-                                <p:cTn id="21" presetID="1" presetClass="entr" presetSubtype="0" fill="hold" nodeType="clickEffect">
+                                <p:cTn id="19" presetID="1" presetClass="entr" presetSubtype="0" fill="hold" nodeType="withEffect">
                                   <p:stCondLst>
                                     <p:cond delay="0"/>
                                   </p:stCondLst>
                                   <p:childTnLst>
                                     <p:set>
                                       <p:cBhvr>
-                                        <p:cTn id="22" dur="1" fill="hold">
+                                        <p:cTn id="20" dur="1" fill="hold">
                                           <p:stCondLst>
                                             <p:cond delay="0"/>
                                           </p:stCondLst>
@@ -32446,33 +32398,15 @@
                                   </p:childTnLst>
                                 </p:cTn>
                               </p:par>
-                            </p:childTnLst>
-                          </p:cTn>
-                        </p:par>
-                      </p:childTnLst>
-                    </p:cTn>
-                  </p:par>
-                  <p:par>
-                    <p:cTn id="23" fill="hold">
-                      <p:stCondLst>
-                        <p:cond delay="indefinite"/>
-                      </p:stCondLst>
-                      <p:childTnLst>
-                        <p:par>
-                          <p:cTn id="24" fill="hold">
-                            <p:stCondLst>
-                              <p:cond delay="0"/>
-                            </p:stCondLst>
-                            <p:childTnLst>
                               <p:par>
-                                <p:cTn id="25" presetID="1" presetClass="entr" presetSubtype="0" fill="hold" nodeType="clickEffect">
+                                <p:cTn id="21" presetID="1" presetClass="entr" presetSubtype="0" fill="hold" nodeType="withEffect">
                                   <p:stCondLst>
                                     <p:cond delay="0"/>
                                   </p:stCondLst>
                                   <p:childTnLst>
                                     <p:set>
                                       <p:cBhvr>
-                                        <p:cTn id="26" dur="1" fill="hold">
+                                        <p:cTn id="22" dur="1" fill="hold">
                                           <p:stCondLst>
                                             <p:cond delay="0"/>
                                           </p:stCondLst>
@@ -32527,6 +32461,2316 @@
 </file>
 
 <file path=ppt/slides/slide28.xml><?xml version="1.0" encoding="utf-8"?>
+<p:sld xmlns:a="http://schemas.openxmlformats.org/drawingml/2006/main" xmlns:r="http://schemas.openxmlformats.org/officeDocument/2006/relationships" xmlns:p="http://schemas.openxmlformats.org/presentationml/2006/main">
+  <p:cSld>
+    <p:spTree>
+      <p:nvGrpSpPr>
+        <p:cNvPr id="1" name=""/>
+        <p:cNvGrpSpPr/>
+        <p:nvPr/>
+      </p:nvGrpSpPr>
+      <p:grpSpPr>
+        <a:xfrm>
+          <a:off x="0" y="0"/>
+          <a:ext cx="0" cy="0"/>
+          <a:chOff x="0" y="0"/>
+          <a:chExt cx="0" cy="0"/>
+        </a:xfrm>
+      </p:grpSpPr>
+      <p:sp>
+        <p:nvSpPr>
+          <p:cNvPr id="7" name="Title 6">
+            <a:extLst>
+              <a:ext uri="{FF2B5EF4-FFF2-40B4-BE49-F238E27FC236}">
+                <a16:creationId xmlns:a16="http://schemas.microsoft.com/office/drawing/2014/main" id="{D6049869-35E6-4A4F-9958-096B69AB27F3}"/>
+              </a:ext>
+            </a:extLst>
+          </p:cNvPr>
+          <p:cNvSpPr>
+            <a:spLocks noGrp="1"/>
+          </p:cNvSpPr>
+          <p:nvPr>
+            <p:ph type="title"/>
+          </p:nvPr>
+        </p:nvSpPr>
+        <p:spPr/>
+        <p:txBody>
+          <a:bodyPr/>
+          <a:lstStyle/>
+          <a:p>
+            <a:r>
+              <a:rPr lang="en-US" sz="3400" dirty="0"/>
+              <a:t>Multi-dimensional balls &amp; bins</a:t>
+            </a:r>
+          </a:p>
+        </p:txBody>
+      </p:sp>
+      <p:sp>
+        <p:nvSpPr>
+          <p:cNvPr id="10" name="Text Placeholder 9">
+            <a:extLst>
+              <a:ext uri="{FF2B5EF4-FFF2-40B4-BE49-F238E27FC236}">
+                <a16:creationId xmlns:a16="http://schemas.microsoft.com/office/drawing/2014/main" id="{91363926-AF37-4C4D-BCBB-A6176E203D7B}"/>
+              </a:ext>
+            </a:extLst>
+          </p:cNvPr>
+          <p:cNvSpPr>
+            <a:spLocks noGrp="1"/>
+          </p:cNvSpPr>
+          <p:nvPr>
+            <p:ph type="body" sz="quarter" idx="12"/>
+          </p:nvPr>
+        </p:nvSpPr>
+        <p:spPr/>
+        <p:txBody>
+          <a:bodyPr/>
+          <a:lstStyle/>
+          <a:p>
+            <a:pPr algn="l"/>
+            <a:r>
+              <a:rPr lang="en-US" sz="1050" b="1" kern="0" dirty="0"/>
+              <a:t>Balls &amp; bins</a:t>
+            </a:r>
+            <a:endParaRPr lang="en-US" sz="1050" kern="0" dirty="0"/>
+          </a:p>
+        </p:txBody>
+      </p:sp>
+      <p:sp>
+        <p:nvSpPr>
+          <p:cNvPr id="6" name="Text Placeholder 10">
+            <a:extLst>
+              <a:ext uri="{FF2B5EF4-FFF2-40B4-BE49-F238E27FC236}">
+                <a16:creationId xmlns:a16="http://schemas.microsoft.com/office/drawing/2014/main" id="{AB316EBA-D5B5-007A-4428-2F122707D38D}"/>
+              </a:ext>
+            </a:extLst>
+          </p:cNvPr>
+          <p:cNvSpPr>
+            <a:spLocks noGrp="1"/>
+          </p:cNvSpPr>
+          <p:nvPr>
+            <p:ph type="body" sz="quarter" idx="13"/>
+          </p:nvPr>
+        </p:nvSpPr>
+        <p:spPr>
+          <a:xfrm>
+            <a:off x="9525" y="3429000"/>
+            <a:ext cx="1143000" cy="1143000"/>
+          </a:xfrm>
+        </p:spPr>
+        <p:txBody>
+          <a:bodyPr/>
+          <a:lstStyle/>
+          <a:p>
+            <a:r>
+              <a:rPr lang="en-US" sz="1100" dirty="0">
+                <a:solidFill>
+                  <a:schemeClr val="bg2"/>
+                </a:solidFill>
+              </a:rPr>
+              <a:t>Motivation</a:t>
+            </a:r>
+          </a:p>
+          <a:p>
+            <a:r>
+              <a:rPr lang="en-US" sz="1100" dirty="0">
+                <a:solidFill>
+                  <a:schemeClr val="bg2"/>
+                </a:solidFill>
+              </a:rPr>
+              <a:t>Model</a:t>
+            </a:r>
+          </a:p>
+          <a:p>
+            <a:r>
+              <a:rPr lang="en-US" sz="1100" dirty="0">
+                <a:solidFill>
+                  <a:schemeClr val="bg2"/>
+                </a:solidFill>
+              </a:rPr>
+              <a:t>Algorithms</a:t>
+            </a:r>
+          </a:p>
+          <a:p>
+            <a:r>
+              <a:rPr lang="en-US" sz="1100" dirty="0">
+                <a:solidFill>
+                  <a:schemeClr val="bg2"/>
+                </a:solidFill>
+              </a:rPr>
+              <a:t>Results</a:t>
+            </a:r>
+          </a:p>
+          <a:p>
+            <a:r>
+              <a:rPr lang="en-US" sz="1100" b="1" dirty="0"/>
+              <a:t>Summary</a:t>
+            </a:r>
+          </a:p>
+          <a:p>
+            <a:endParaRPr lang="en-US" dirty="0"/>
+          </a:p>
+        </p:txBody>
+      </p:sp>
+      <p:sp>
+        <p:nvSpPr>
+          <p:cNvPr id="3" name="Rectangle 2">
+            <a:extLst>
+              <a:ext uri="{FF2B5EF4-FFF2-40B4-BE49-F238E27FC236}">
+                <a16:creationId xmlns:a16="http://schemas.microsoft.com/office/drawing/2014/main" id="{D667B383-1AE1-4ADB-8F04-ACA4A4DFB618}"/>
+              </a:ext>
+            </a:extLst>
+          </p:cNvPr>
+          <p:cNvSpPr/>
+          <p:nvPr/>
+        </p:nvSpPr>
+        <p:spPr bwMode="auto">
+          <a:xfrm>
+            <a:off x="0" y="0"/>
+            <a:ext cx="1143000" cy="1378857"/>
+          </a:xfrm>
+          <a:prstGeom prst="rect">
+            <a:avLst/>
+          </a:prstGeom>
+          <a:solidFill>
+            <a:srgbClr val="003399"/>
+          </a:solidFill>
+          <a:ln w="9525" cap="flat" cmpd="sng" algn="ctr">
+            <a:noFill/>
+            <a:prstDash val="solid"/>
+            <a:round/>
+            <a:headEnd type="none" w="med" len="med"/>
+            <a:tailEnd type="none" w="med" len="med"/>
+          </a:ln>
+          <a:effectLst/>
+        </p:spPr>
+        <p:txBody>
+          <a:bodyPr vert="horz" wrap="square" lIns="91440" tIns="45720" rIns="91440" bIns="45720" numCol="1" rtlCol="0" anchor="t" anchorCtr="0" compatLnSpc="1">
+            <a:prstTxWarp prst="textNoShape">
+              <a:avLst/>
+            </a:prstTxWarp>
+          </a:bodyPr>
+          <a:lstStyle/>
+          <a:p>
+            <a:pPr marL="0" marR="0" indent="0" algn="l" defTabSz="914400" rtl="0" eaLnBrk="1" fontAlgn="base" latinLnBrk="0" hangingPunct="1">
+              <a:lnSpc>
+                <a:spcPct val="100000"/>
+              </a:lnSpc>
+              <a:spcBef>
+                <a:spcPct val="0"/>
+              </a:spcBef>
+              <a:spcAft>
+                <a:spcPct val="0"/>
+              </a:spcAft>
+              <a:buClrTx/>
+              <a:buSzTx/>
+              <a:buFontTx/>
+              <a:buNone/>
+              <a:tabLst/>
+            </a:pPr>
+            <a:endParaRPr kumimoji="0" lang="en-US" sz="1800" b="1" i="0" u="none" strike="noStrike" cap="none" normalizeH="0" baseline="0">
+              <a:ln>
+                <a:noFill/>
+              </a:ln>
+              <a:solidFill>
+                <a:schemeClr val="tx1"/>
+              </a:solidFill>
+              <a:effectLst/>
+              <a:latin typeface="Arial" charset="0"/>
+              <a:cs typeface="Arial" charset="0"/>
+            </a:endParaRPr>
+          </a:p>
+        </p:txBody>
+      </p:sp>
+      <p:grpSp>
+        <p:nvGrpSpPr>
+          <p:cNvPr id="5" name="Group 4">
+            <a:extLst>
+              <a:ext uri="{FF2B5EF4-FFF2-40B4-BE49-F238E27FC236}">
+                <a16:creationId xmlns:a16="http://schemas.microsoft.com/office/drawing/2014/main" id="{18536BB7-E061-F01D-1BB9-3ACFE860A3FE}"/>
+              </a:ext>
+            </a:extLst>
+          </p:cNvPr>
+          <p:cNvGrpSpPr/>
+          <p:nvPr/>
+        </p:nvGrpSpPr>
+        <p:grpSpPr>
+          <a:xfrm>
+            <a:off x="1657350" y="3941618"/>
+            <a:ext cx="381000" cy="1476249"/>
+            <a:chOff x="1447800" y="4800600"/>
+            <a:chExt cx="381000" cy="457200"/>
+          </a:xfrm>
+        </p:grpSpPr>
+        <p:cxnSp>
+          <p:nvCxnSpPr>
+            <p:cNvPr id="34" name="Straight Connector 33">
+              <a:extLst>
+                <a:ext uri="{FF2B5EF4-FFF2-40B4-BE49-F238E27FC236}">
+                  <a16:creationId xmlns:a16="http://schemas.microsoft.com/office/drawing/2014/main" id="{8DD84B72-E0FC-C531-273C-753B563EEB21}"/>
+                </a:ext>
+              </a:extLst>
+            </p:cNvPr>
+            <p:cNvCxnSpPr/>
+            <p:nvPr/>
+          </p:nvCxnSpPr>
+          <p:spPr>
+            <a:xfrm>
+              <a:off x="1447800" y="4800600"/>
+              <a:ext cx="0" cy="457200"/>
+            </a:xfrm>
+            <a:prstGeom prst="line">
+              <a:avLst/>
+            </a:prstGeom>
+            <a:ln w="28575">
+              <a:solidFill>
+                <a:srgbClr val="FF00FF"/>
+              </a:solidFill>
+            </a:ln>
+          </p:spPr>
+          <p:style>
+            <a:lnRef idx="1">
+              <a:schemeClr val="accent1"/>
+            </a:lnRef>
+            <a:fillRef idx="0">
+              <a:schemeClr val="accent1"/>
+            </a:fillRef>
+            <a:effectRef idx="0">
+              <a:schemeClr val="accent1"/>
+            </a:effectRef>
+            <a:fontRef idx="minor">
+              <a:schemeClr val="tx1"/>
+            </a:fontRef>
+          </p:style>
+        </p:cxnSp>
+        <p:cxnSp>
+          <p:nvCxnSpPr>
+            <p:cNvPr id="35" name="Straight Connector 34">
+              <a:extLst>
+                <a:ext uri="{FF2B5EF4-FFF2-40B4-BE49-F238E27FC236}">
+                  <a16:creationId xmlns:a16="http://schemas.microsoft.com/office/drawing/2014/main" id="{1E4F0435-8330-B3EE-1293-C4AA734AF582}"/>
+                </a:ext>
+              </a:extLst>
+            </p:cNvPr>
+            <p:cNvCxnSpPr/>
+            <p:nvPr/>
+          </p:nvCxnSpPr>
+          <p:spPr>
+            <a:xfrm>
+              <a:off x="1828800" y="4800600"/>
+              <a:ext cx="0" cy="457200"/>
+            </a:xfrm>
+            <a:prstGeom prst="line">
+              <a:avLst/>
+            </a:prstGeom>
+            <a:ln w="28575">
+              <a:solidFill>
+                <a:srgbClr val="FF00FF"/>
+              </a:solidFill>
+            </a:ln>
+          </p:spPr>
+          <p:style>
+            <a:lnRef idx="1">
+              <a:schemeClr val="accent1"/>
+            </a:lnRef>
+            <a:fillRef idx="0">
+              <a:schemeClr val="accent1"/>
+            </a:fillRef>
+            <a:effectRef idx="0">
+              <a:schemeClr val="accent1"/>
+            </a:effectRef>
+            <a:fontRef idx="minor">
+              <a:schemeClr val="tx1"/>
+            </a:fontRef>
+          </p:style>
+        </p:cxnSp>
+        <p:cxnSp>
+          <p:nvCxnSpPr>
+            <p:cNvPr id="36" name="Straight Connector 35">
+              <a:extLst>
+                <a:ext uri="{FF2B5EF4-FFF2-40B4-BE49-F238E27FC236}">
+                  <a16:creationId xmlns:a16="http://schemas.microsoft.com/office/drawing/2014/main" id="{F931DCD9-4F39-AE19-3055-B5C3CA0486CF}"/>
+                </a:ext>
+              </a:extLst>
+            </p:cNvPr>
+            <p:cNvCxnSpPr/>
+            <p:nvPr/>
+          </p:nvCxnSpPr>
+          <p:spPr>
+            <a:xfrm>
+              <a:off x="1447800" y="5257800"/>
+              <a:ext cx="381000" cy="0"/>
+            </a:xfrm>
+            <a:prstGeom prst="line">
+              <a:avLst/>
+            </a:prstGeom>
+            <a:ln w="28575">
+              <a:solidFill>
+                <a:srgbClr val="FF00FF"/>
+              </a:solidFill>
+            </a:ln>
+          </p:spPr>
+          <p:style>
+            <a:lnRef idx="1">
+              <a:schemeClr val="accent1"/>
+            </a:lnRef>
+            <a:fillRef idx="0">
+              <a:schemeClr val="accent1"/>
+            </a:fillRef>
+            <a:effectRef idx="0">
+              <a:schemeClr val="accent1"/>
+            </a:effectRef>
+            <a:fontRef idx="minor">
+              <a:schemeClr val="tx1"/>
+            </a:fontRef>
+          </p:style>
+        </p:cxnSp>
+      </p:grpSp>
+      <p:grpSp>
+        <p:nvGrpSpPr>
+          <p:cNvPr id="8" name="Group 7">
+            <a:extLst>
+              <a:ext uri="{FF2B5EF4-FFF2-40B4-BE49-F238E27FC236}">
+                <a16:creationId xmlns:a16="http://schemas.microsoft.com/office/drawing/2014/main" id="{3B233F14-4EF1-F761-E4E2-74A8A4BCFCFD}"/>
+              </a:ext>
+            </a:extLst>
+          </p:cNvPr>
+          <p:cNvGrpSpPr/>
+          <p:nvPr/>
+        </p:nvGrpSpPr>
+        <p:grpSpPr>
+          <a:xfrm>
+            <a:off x="2074331" y="4495800"/>
+            <a:ext cx="381000" cy="922067"/>
+            <a:chOff x="1447800" y="4800600"/>
+            <a:chExt cx="381000" cy="457200"/>
+          </a:xfrm>
+        </p:grpSpPr>
+        <p:cxnSp>
+          <p:nvCxnSpPr>
+            <p:cNvPr id="31" name="Straight Connector 30">
+              <a:extLst>
+                <a:ext uri="{FF2B5EF4-FFF2-40B4-BE49-F238E27FC236}">
+                  <a16:creationId xmlns:a16="http://schemas.microsoft.com/office/drawing/2014/main" id="{6D0C645E-BA74-3495-343E-5D46A244ACE6}"/>
+                </a:ext>
+              </a:extLst>
+            </p:cNvPr>
+            <p:cNvCxnSpPr/>
+            <p:nvPr/>
+          </p:nvCxnSpPr>
+          <p:spPr>
+            <a:xfrm>
+              <a:off x="1447800" y="4800600"/>
+              <a:ext cx="0" cy="457200"/>
+            </a:xfrm>
+            <a:prstGeom prst="line">
+              <a:avLst/>
+            </a:prstGeom>
+            <a:ln w="28575">
+              <a:solidFill>
+                <a:srgbClr val="0000FF"/>
+              </a:solidFill>
+            </a:ln>
+          </p:spPr>
+          <p:style>
+            <a:lnRef idx="1">
+              <a:schemeClr val="accent1"/>
+            </a:lnRef>
+            <a:fillRef idx="0">
+              <a:schemeClr val="accent1"/>
+            </a:fillRef>
+            <a:effectRef idx="0">
+              <a:schemeClr val="accent1"/>
+            </a:effectRef>
+            <a:fontRef idx="minor">
+              <a:schemeClr val="tx1"/>
+            </a:fontRef>
+          </p:style>
+        </p:cxnSp>
+        <p:cxnSp>
+          <p:nvCxnSpPr>
+            <p:cNvPr id="32" name="Straight Connector 31">
+              <a:extLst>
+                <a:ext uri="{FF2B5EF4-FFF2-40B4-BE49-F238E27FC236}">
+                  <a16:creationId xmlns:a16="http://schemas.microsoft.com/office/drawing/2014/main" id="{A7A891FB-962A-4427-FA79-9B33EC1E6EDD}"/>
+                </a:ext>
+              </a:extLst>
+            </p:cNvPr>
+            <p:cNvCxnSpPr/>
+            <p:nvPr/>
+          </p:nvCxnSpPr>
+          <p:spPr>
+            <a:xfrm>
+              <a:off x="1828800" y="4800600"/>
+              <a:ext cx="0" cy="457200"/>
+            </a:xfrm>
+            <a:prstGeom prst="line">
+              <a:avLst/>
+            </a:prstGeom>
+            <a:ln w="28575">
+              <a:solidFill>
+                <a:srgbClr val="0000FF"/>
+              </a:solidFill>
+            </a:ln>
+          </p:spPr>
+          <p:style>
+            <a:lnRef idx="1">
+              <a:schemeClr val="accent1"/>
+            </a:lnRef>
+            <a:fillRef idx="0">
+              <a:schemeClr val="accent1"/>
+            </a:fillRef>
+            <a:effectRef idx="0">
+              <a:schemeClr val="accent1"/>
+            </a:effectRef>
+            <a:fontRef idx="minor">
+              <a:schemeClr val="tx1"/>
+            </a:fontRef>
+          </p:style>
+        </p:cxnSp>
+        <p:cxnSp>
+          <p:nvCxnSpPr>
+            <p:cNvPr id="33" name="Straight Connector 32">
+              <a:extLst>
+                <a:ext uri="{FF2B5EF4-FFF2-40B4-BE49-F238E27FC236}">
+                  <a16:creationId xmlns:a16="http://schemas.microsoft.com/office/drawing/2014/main" id="{801645D7-203E-974E-33F3-F717DEF497B4}"/>
+                </a:ext>
+              </a:extLst>
+            </p:cNvPr>
+            <p:cNvCxnSpPr/>
+            <p:nvPr/>
+          </p:nvCxnSpPr>
+          <p:spPr>
+            <a:xfrm>
+              <a:off x="1447800" y="5257800"/>
+              <a:ext cx="381000" cy="0"/>
+            </a:xfrm>
+            <a:prstGeom prst="line">
+              <a:avLst/>
+            </a:prstGeom>
+            <a:ln w="28575">
+              <a:solidFill>
+                <a:srgbClr val="0000FF"/>
+              </a:solidFill>
+            </a:ln>
+          </p:spPr>
+          <p:style>
+            <a:lnRef idx="1">
+              <a:schemeClr val="accent1"/>
+            </a:lnRef>
+            <a:fillRef idx="0">
+              <a:schemeClr val="accent1"/>
+            </a:fillRef>
+            <a:effectRef idx="0">
+              <a:schemeClr val="accent1"/>
+            </a:effectRef>
+            <a:fontRef idx="minor">
+              <a:schemeClr val="tx1"/>
+            </a:fontRef>
+          </p:style>
+        </p:cxnSp>
+      </p:grpSp>
+      <p:grpSp>
+        <p:nvGrpSpPr>
+          <p:cNvPr id="9" name="Group 8">
+            <a:extLst>
+              <a:ext uri="{FF2B5EF4-FFF2-40B4-BE49-F238E27FC236}">
+                <a16:creationId xmlns:a16="http://schemas.microsoft.com/office/drawing/2014/main" id="{84833FA7-ED1A-DC12-9A8A-E13C95D6874F}"/>
+              </a:ext>
+            </a:extLst>
+          </p:cNvPr>
+          <p:cNvGrpSpPr/>
+          <p:nvPr/>
+        </p:nvGrpSpPr>
+        <p:grpSpPr>
+          <a:xfrm>
+            <a:off x="2489199" y="5048535"/>
+            <a:ext cx="381000" cy="369332"/>
+            <a:chOff x="1447800" y="4800600"/>
+            <a:chExt cx="381000" cy="457200"/>
+          </a:xfrm>
+        </p:grpSpPr>
+        <p:cxnSp>
+          <p:nvCxnSpPr>
+            <p:cNvPr id="28" name="Straight Connector 27">
+              <a:extLst>
+                <a:ext uri="{FF2B5EF4-FFF2-40B4-BE49-F238E27FC236}">
+                  <a16:creationId xmlns:a16="http://schemas.microsoft.com/office/drawing/2014/main" id="{B52C62F7-9F55-1F3F-A83B-68EFDD1A5A15}"/>
+                </a:ext>
+              </a:extLst>
+            </p:cNvPr>
+            <p:cNvCxnSpPr/>
+            <p:nvPr/>
+          </p:nvCxnSpPr>
+          <p:spPr>
+            <a:xfrm>
+              <a:off x="1447800" y="4800600"/>
+              <a:ext cx="0" cy="457200"/>
+            </a:xfrm>
+            <a:prstGeom prst="line">
+              <a:avLst/>
+            </a:prstGeom>
+            <a:ln w="28575">
+              <a:solidFill>
+                <a:schemeClr val="tx1"/>
+              </a:solidFill>
+            </a:ln>
+          </p:spPr>
+          <p:style>
+            <a:lnRef idx="1">
+              <a:schemeClr val="accent1"/>
+            </a:lnRef>
+            <a:fillRef idx="0">
+              <a:schemeClr val="accent1"/>
+            </a:fillRef>
+            <a:effectRef idx="0">
+              <a:schemeClr val="accent1"/>
+            </a:effectRef>
+            <a:fontRef idx="minor">
+              <a:schemeClr val="tx1"/>
+            </a:fontRef>
+          </p:style>
+        </p:cxnSp>
+        <p:cxnSp>
+          <p:nvCxnSpPr>
+            <p:cNvPr id="29" name="Straight Connector 28">
+              <a:extLst>
+                <a:ext uri="{FF2B5EF4-FFF2-40B4-BE49-F238E27FC236}">
+                  <a16:creationId xmlns:a16="http://schemas.microsoft.com/office/drawing/2014/main" id="{99C74FE2-4271-409F-D2B8-0290CAB5611A}"/>
+                </a:ext>
+              </a:extLst>
+            </p:cNvPr>
+            <p:cNvCxnSpPr/>
+            <p:nvPr/>
+          </p:nvCxnSpPr>
+          <p:spPr>
+            <a:xfrm>
+              <a:off x="1828800" y="4800600"/>
+              <a:ext cx="0" cy="457200"/>
+            </a:xfrm>
+            <a:prstGeom prst="line">
+              <a:avLst/>
+            </a:prstGeom>
+            <a:ln w="28575">
+              <a:solidFill>
+                <a:schemeClr val="tx1"/>
+              </a:solidFill>
+            </a:ln>
+          </p:spPr>
+          <p:style>
+            <a:lnRef idx="1">
+              <a:schemeClr val="accent1"/>
+            </a:lnRef>
+            <a:fillRef idx="0">
+              <a:schemeClr val="accent1"/>
+            </a:fillRef>
+            <a:effectRef idx="0">
+              <a:schemeClr val="accent1"/>
+            </a:effectRef>
+            <a:fontRef idx="minor">
+              <a:schemeClr val="tx1"/>
+            </a:fontRef>
+          </p:style>
+        </p:cxnSp>
+        <p:cxnSp>
+          <p:nvCxnSpPr>
+            <p:cNvPr id="30" name="Straight Connector 29">
+              <a:extLst>
+                <a:ext uri="{FF2B5EF4-FFF2-40B4-BE49-F238E27FC236}">
+                  <a16:creationId xmlns:a16="http://schemas.microsoft.com/office/drawing/2014/main" id="{3601670B-B668-7EE1-515D-D55E76E13892}"/>
+                </a:ext>
+              </a:extLst>
+            </p:cNvPr>
+            <p:cNvCxnSpPr/>
+            <p:nvPr/>
+          </p:nvCxnSpPr>
+          <p:spPr>
+            <a:xfrm>
+              <a:off x="1447800" y="5257800"/>
+              <a:ext cx="381000" cy="0"/>
+            </a:xfrm>
+            <a:prstGeom prst="line">
+              <a:avLst/>
+            </a:prstGeom>
+            <a:ln w="28575">
+              <a:solidFill>
+                <a:schemeClr val="tx1"/>
+              </a:solidFill>
+            </a:ln>
+          </p:spPr>
+          <p:style>
+            <a:lnRef idx="1">
+              <a:schemeClr val="accent1"/>
+            </a:lnRef>
+            <a:fillRef idx="0">
+              <a:schemeClr val="accent1"/>
+            </a:fillRef>
+            <a:effectRef idx="0">
+              <a:schemeClr val="accent1"/>
+            </a:effectRef>
+            <a:fontRef idx="minor">
+              <a:schemeClr val="tx1"/>
+            </a:fontRef>
+          </p:style>
+        </p:cxnSp>
+      </p:grpSp>
+      <p:grpSp>
+        <p:nvGrpSpPr>
+          <p:cNvPr id="15" name="Group 14">
+            <a:extLst>
+              <a:ext uri="{FF2B5EF4-FFF2-40B4-BE49-F238E27FC236}">
+                <a16:creationId xmlns:a16="http://schemas.microsoft.com/office/drawing/2014/main" id="{C2D72FD3-DD37-1990-D7BA-D0A3728258AA}"/>
+              </a:ext>
+            </a:extLst>
+          </p:cNvPr>
+          <p:cNvGrpSpPr/>
+          <p:nvPr/>
+        </p:nvGrpSpPr>
+        <p:grpSpPr>
+          <a:xfrm>
+            <a:off x="5105400" y="4679743"/>
+            <a:ext cx="685800" cy="147622"/>
+            <a:chOff x="3657600" y="5029200"/>
+            <a:chExt cx="685800" cy="45719"/>
+          </a:xfrm>
+        </p:grpSpPr>
+        <p:sp>
+          <p:nvSpPr>
+            <p:cNvPr id="16" name="Oval 15">
+              <a:extLst>
+                <a:ext uri="{FF2B5EF4-FFF2-40B4-BE49-F238E27FC236}">
+                  <a16:creationId xmlns:a16="http://schemas.microsoft.com/office/drawing/2014/main" id="{A17AFB21-C5D0-8035-694B-B39EFAC1C977}"/>
+                </a:ext>
+              </a:extLst>
+            </p:cNvPr>
+            <p:cNvSpPr/>
+            <p:nvPr/>
+          </p:nvSpPr>
+          <p:spPr>
+            <a:xfrm>
+              <a:off x="3657600" y="5029200"/>
+              <a:ext cx="76200" cy="45719"/>
+            </a:xfrm>
+            <a:prstGeom prst="ellipse">
+              <a:avLst/>
+            </a:prstGeom>
+            <a:ln w="28575">
+              <a:solidFill>
+                <a:srgbClr val="FF00FF"/>
+              </a:solidFill>
+            </a:ln>
+          </p:spPr>
+          <p:style>
+            <a:lnRef idx="2">
+              <a:schemeClr val="accent1">
+                <a:shade val="50000"/>
+              </a:schemeClr>
+            </a:lnRef>
+            <a:fillRef idx="1">
+              <a:schemeClr val="accent1"/>
+            </a:fillRef>
+            <a:effectRef idx="0">
+              <a:schemeClr val="accent1"/>
+            </a:effectRef>
+            <a:fontRef idx="minor">
+              <a:schemeClr val="lt1"/>
+            </a:fontRef>
+          </p:style>
+          <p:txBody>
+            <a:bodyPr rtlCol="0" anchor="ctr"/>
+            <a:lstStyle/>
+            <a:p>
+              <a:pPr algn="ctr"/>
+              <a:endParaRPr lang="en-US"/>
+            </a:p>
+          </p:txBody>
+        </p:sp>
+        <p:sp>
+          <p:nvSpPr>
+            <p:cNvPr id="17" name="Oval 16">
+              <a:extLst>
+                <a:ext uri="{FF2B5EF4-FFF2-40B4-BE49-F238E27FC236}">
+                  <a16:creationId xmlns:a16="http://schemas.microsoft.com/office/drawing/2014/main" id="{DF32BADB-EFEC-37E6-3862-21F523CD8334}"/>
+                </a:ext>
+              </a:extLst>
+            </p:cNvPr>
+            <p:cNvSpPr/>
+            <p:nvPr/>
+          </p:nvSpPr>
+          <p:spPr>
+            <a:xfrm>
+              <a:off x="3962400" y="5029200"/>
+              <a:ext cx="76200" cy="45719"/>
+            </a:xfrm>
+            <a:prstGeom prst="ellipse">
+              <a:avLst/>
+            </a:prstGeom>
+            <a:ln w="28575">
+              <a:solidFill>
+                <a:srgbClr val="FF00FF"/>
+              </a:solidFill>
+            </a:ln>
+          </p:spPr>
+          <p:style>
+            <a:lnRef idx="2">
+              <a:schemeClr val="accent1">
+                <a:shade val="50000"/>
+              </a:schemeClr>
+            </a:lnRef>
+            <a:fillRef idx="1">
+              <a:schemeClr val="accent1"/>
+            </a:fillRef>
+            <a:effectRef idx="0">
+              <a:schemeClr val="accent1"/>
+            </a:effectRef>
+            <a:fontRef idx="minor">
+              <a:schemeClr val="lt1"/>
+            </a:fontRef>
+          </p:style>
+          <p:txBody>
+            <a:bodyPr rtlCol="0" anchor="ctr"/>
+            <a:lstStyle/>
+            <a:p>
+              <a:pPr algn="ctr"/>
+              <a:endParaRPr lang="en-US"/>
+            </a:p>
+          </p:txBody>
+        </p:sp>
+        <p:sp>
+          <p:nvSpPr>
+            <p:cNvPr id="18" name="Oval 17">
+              <a:extLst>
+                <a:ext uri="{FF2B5EF4-FFF2-40B4-BE49-F238E27FC236}">
+                  <a16:creationId xmlns:a16="http://schemas.microsoft.com/office/drawing/2014/main" id="{25681816-6730-E0DC-45D0-F2DE8F8D35D6}"/>
+                </a:ext>
+              </a:extLst>
+            </p:cNvPr>
+            <p:cNvSpPr/>
+            <p:nvPr/>
+          </p:nvSpPr>
+          <p:spPr>
+            <a:xfrm>
+              <a:off x="4267200" y="5029200"/>
+              <a:ext cx="76200" cy="45719"/>
+            </a:xfrm>
+            <a:prstGeom prst="ellipse">
+              <a:avLst/>
+            </a:prstGeom>
+            <a:ln w="28575">
+              <a:solidFill>
+                <a:srgbClr val="FF00FF"/>
+              </a:solidFill>
+            </a:ln>
+          </p:spPr>
+          <p:style>
+            <a:lnRef idx="2">
+              <a:schemeClr val="accent1">
+                <a:shade val="50000"/>
+              </a:schemeClr>
+            </a:lnRef>
+            <a:fillRef idx="1">
+              <a:schemeClr val="accent1"/>
+            </a:fillRef>
+            <a:effectRef idx="0">
+              <a:schemeClr val="accent1"/>
+            </a:effectRef>
+            <a:fontRef idx="minor">
+              <a:schemeClr val="lt1"/>
+            </a:fontRef>
+          </p:style>
+          <p:txBody>
+            <a:bodyPr rtlCol="0" anchor="ctr"/>
+            <a:lstStyle/>
+            <a:p>
+              <a:pPr algn="ctr"/>
+              <a:endParaRPr lang="en-US"/>
+            </a:p>
+          </p:txBody>
+        </p:sp>
+      </p:grpSp>
+      <p:sp>
+        <p:nvSpPr>
+          <p:cNvPr id="37" name="TextBox 36">
+            <a:extLst>
+              <a:ext uri="{FF2B5EF4-FFF2-40B4-BE49-F238E27FC236}">
+                <a16:creationId xmlns:a16="http://schemas.microsoft.com/office/drawing/2014/main" id="{DCA8D6EB-B180-2E53-2CC0-3FDA249ACF52}"/>
+              </a:ext>
+            </a:extLst>
+          </p:cNvPr>
+          <p:cNvSpPr txBox="1"/>
+          <p:nvPr/>
+        </p:nvSpPr>
+        <p:spPr>
+          <a:xfrm>
+            <a:off x="2108202" y="5494067"/>
+            <a:ext cx="441146" cy="369332"/>
+          </a:xfrm>
+          <a:prstGeom prst="rect">
+            <a:avLst/>
+          </a:prstGeom>
+          <a:noFill/>
+        </p:spPr>
+        <p:txBody>
+          <a:bodyPr wrap="none" rtlCol="0">
+            <a:spAutoFit/>
+          </a:bodyPr>
+          <a:lstStyle/>
+          <a:p>
+            <a:r>
+              <a:rPr lang="he-IL" dirty="0"/>
+              <a:t>  1</a:t>
+            </a:r>
+            <a:endParaRPr lang="en-US" dirty="0"/>
+          </a:p>
+        </p:txBody>
+      </p:sp>
+      <p:grpSp>
+        <p:nvGrpSpPr>
+          <p:cNvPr id="12" name="Group 11">
+            <a:extLst>
+              <a:ext uri="{FF2B5EF4-FFF2-40B4-BE49-F238E27FC236}">
+                <a16:creationId xmlns:a16="http://schemas.microsoft.com/office/drawing/2014/main" id="{2B581567-2276-F023-5982-C4C75563BF24}"/>
+              </a:ext>
+            </a:extLst>
+          </p:cNvPr>
+          <p:cNvGrpSpPr/>
+          <p:nvPr/>
+        </p:nvGrpSpPr>
+        <p:grpSpPr>
+          <a:xfrm>
+            <a:off x="3505200" y="3942418"/>
+            <a:ext cx="381000" cy="1476249"/>
+            <a:chOff x="1447800" y="4800600"/>
+            <a:chExt cx="381000" cy="457200"/>
+          </a:xfrm>
+        </p:grpSpPr>
+        <p:cxnSp>
+          <p:nvCxnSpPr>
+            <p:cNvPr id="39" name="Straight Connector 38">
+              <a:extLst>
+                <a:ext uri="{FF2B5EF4-FFF2-40B4-BE49-F238E27FC236}">
+                  <a16:creationId xmlns:a16="http://schemas.microsoft.com/office/drawing/2014/main" id="{055ABCC2-392A-69DE-007D-1752D42AB00E}"/>
+                </a:ext>
+              </a:extLst>
+            </p:cNvPr>
+            <p:cNvCxnSpPr/>
+            <p:nvPr/>
+          </p:nvCxnSpPr>
+          <p:spPr>
+            <a:xfrm>
+              <a:off x="1447800" y="4800600"/>
+              <a:ext cx="0" cy="457200"/>
+            </a:xfrm>
+            <a:prstGeom prst="line">
+              <a:avLst/>
+            </a:prstGeom>
+            <a:ln w="28575">
+              <a:solidFill>
+                <a:srgbClr val="FF00FF"/>
+              </a:solidFill>
+            </a:ln>
+          </p:spPr>
+          <p:style>
+            <a:lnRef idx="1">
+              <a:schemeClr val="accent1"/>
+            </a:lnRef>
+            <a:fillRef idx="0">
+              <a:schemeClr val="accent1"/>
+            </a:fillRef>
+            <a:effectRef idx="0">
+              <a:schemeClr val="accent1"/>
+            </a:effectRef>
+            <a:fontRef idx="minor">
+              <a:schemeClr val="tx1"/>
+            </a:fontRef>
+          </p:style>
+        </p:cxnSp>
+        <p:cxnSp>
+          <p:nvCxnSpPr>
+            <p:cNvPr id="40" name="Straight Connector 39">
+              <a:extLst>
+                <a:ext uri="{FF2B5EF4-FFF2-40B4-BE49-F238E27FC236}">
+                  <a16:creationId xmlns:a16="http://schemas.microsoft.com/office/drawing/2014/main" id="{AA46DA63-E229-1F0E-AD37-7D63A56ACAA9}"/>
+                </a:ext>
+              </a:extLst>
+            </p:cNvPr>
+            <p:cNvCxnSpPr/>
+            <p:nvPr/>
+          </p:nvCxnSpPr>
+          <p:spPr>
+            <a:xfrm>
+              <a:off x="1828800" y="4800600"/>
+              <a:ext cx="0" cy="457200"/>
+            </a:xfrm>
+            <a:prstGeom prst="line">
+              <a:avLst/>
+            </a:prstGeom>
+            <a:ln w="28575">
+              <a:solidFill>
+                <a:srgbClr val="FF00FF"/>
+              </a:solidFill>
+            </a:ln>
+          </p:spPr>
+          <p:style>
+            <a:lnRef idx="1">
+              <a:schemeClr val="accent1"/>
+            </a:lnRef>
+            <a:fillRef idx="0">
+              <a:schemeClr val="accent1"/>
+            </a:fillRef>
+            <a:effectRef idx="0">
+              <a:schemeClr val="accent1"/>
+            </a:effectRef>
+            <a:fontRef idx="minor">
+              <a:schemeClr val="tx1"/>
+            </a:fontRef>
+          </p:style>
+        </p:cxnSp>
+        <p:cxnSp>
+          <p:nvCxnSpPr>
+            <p:cNvPr id="41" name="Straight Connector 40">
+              <a:extLst>
+                <a:ext uri="{FF2B5EF4-FFF2-40B4-BE49-F238E27FC236}">
+                  <a16:creationId xmlns:a16="http://schemas.microsoft.com/office/drawing/2014/main" id="{42359C7B-388E-0DFF-0C17-B8BB63C4CFEE}"/>
+                </a:ext>
+              </a:extLst>
+            </p:cNvPr>
+            <p:cNvCxnSpPr/>
+            <p:nvPr/>
+          </p:nvCxnSpPr>
+          <p:spPr>
+            <a:xfrm>
+              <a:off x="1447800" y="5257800"/>
+              <a:ext cx="381000" cy="0"/>
+            </a:xfrm>
+            <a:prstGeom prst="line">
+              <a:avLst/>
+            </a:prstGeom>
+            <a:ln w="28575">
+              <a:solidFill>
+                <a:srgbClr val="FF00FF"/>
+              </a:solidFill>
+            </a:ln>
+          </p:spPr>
+          <p:style>
+            <a:lnRef idx="1">
+              <a:schemeClr val="accent1"/>
+            </a:lnRef>
+            <a:fillRef idx="0">
+              <a:schemeClr val="accent1"/>
+            </a:fillRef>
+            <a:effectRef idx="0">
+              <a:schemeClr val="accent1"/>
+            </a:effectRef>
+            <a:fontRef idx="minor">
+              <a:schemeClr val="tx1"/>
+            </a:fontRef>
+          </p:style>
+        </p:cxnSp>
+      </p:grpSp>
+      <p:grpSp>
+        <p:nvGrpSpPr>
+          <p:cNvPr id="42" name="Group 41">
+            <a:extLst>
+              <a:ext uri="{FF2B5EF4-FFF2-40B4-BE49-F238E27FC236}">
+                <a16:creationId xmlns:a16="http://schemas.microsoft.com/office/drawing/2014/main" id="{1FBDD86B-7634-F13B-5334-A09F1711CA12}"/>
+              </a:ext>
+            </a:extLst>
+          </p:cNvPr>
+          <p:cNvGrpSpPr/>
+          <p:nvPr/>
+        </p:nvGrpSpPr>
+        <p:grpSpPr>
+          <a:xfrm>
+            <a:off x="3922181" y="4496600"/>
+            <a:ext cx="381000" cy="922067"/>
+            <a:chOff x="1447800" y="4800600"/>
+            <a:chExt cx="381000" cy="457200"/>
+          </a:xfrm>
+        </p:grpSpPr>
+        <p:cxnSp>
+          <p:nvCxnSpPr>
+            <p:cNvPr id="43" name="Straight Connector 42">
+              <a:extLst>
+                <a:ext uri="{FF2B5EF4-FFF2-40B4-BE49-F238E27FC236}">
+                  <a16:creationId xmlns:a16="http://schemas.microsoft.com/office/drawing/2014/main" id="{6A8C1722-246D-B572-B929-FB1E8931BB17}"/>
+                </a:ext>
+              </a:extLst>
+            </p:cNvPr>
+            <p:cNvCxnSpPr/>
+            <p:nvPr/>
+          </p:nvCxnSpPr>
+          <p:spPr>
+            <a:xfrm>
+              <a:off x="1447800" y="4800600"/>
+              <a:ext cx="0" cy="457200"/>
+            </a:xfrm>
+            <a:prstGeom prst="line">
+              <a:avLst/>
+            </a:prstGeom>
+            <a:ln w="28575">
+              <a:solidFill>
+                <a:srgbClr val="0000FF"/>
+              </a:solidFill>
+            </a:ln>
+          </p:spPr>
+          <p:style>
+            <a:lnRef idx="1">
+              <a:schemeClr val="accent1"/>
+            </a:lnRef>
+            <a:fillRef idx="0">
+              <a:schemeClr val="accent1"/>
+            </a:fillRef>
+            <a:effectRef idx="0">
+              <a:schemeClr val="accent1"/>
+            </a:effectRef>
+            <a:fontRef idx="minor">
+              <a:schemeClr val="tx1"/>
+            </a:fontRef>
+          </p:style>
+        </p:cxnSp>
+        <p:cxnSp>
+          <p:nvCxnSpPr>
+            <p:cNvPr id="46" name="Straight Connector 45">
+              <a:extLst>
+                <a:ext uri="{FF2B5EF4-FFF2-40B4-BE49-F238E27FC236}">
+                  <a16:creationId xmlns:a16="http://schemas.microsoft.com/office/drawing/2014/main" id="{0322D658-503C-D5E7-2234-03603644A6CB}"/>
+                </a:ext>
+              </a:extLst>
+            </p:cNvPr>
+            <p:cNvCxnSpPr/>
+            <p:nvPr/>
+          </p:nvCxnSpPr>
+          <p:spPr>
+            <a:xfrm>
+              <a:off x="1828800" y="4800600"/>
+              <a:ext cx="0" cy="457200"/>
+            </a:xfrm>
+            <a:prstGeom prst="line">
+              <a:avLst/>
+            </a:prstGeom>
+            <a:ln w="28575">
+              <a:solidFill>
+                <a:srgbClr val="0000FF"/>
+              </a:solidFill>
+            </a:ln>
+          </p:spPr>
+          <p:style>
+            <a:lnRef idx="1">
+              <a:schemeClr val="accent1"/>
+            </a:lnRef>
+            <a:fillRef idx="0">
+              <a:schemeClr val="accent1"/>
+            </a:fillRef>
+            <a:effectRef idx="0">
+              <a:schemeClr val="accent1"/>
+            </a:effectRef>
+            <a:fontRef idx="minor">
+              <a:schemeClr val="tx1"/>
+            </a:fontRef>
+          </p:style>
+        </p:cxnSp>
+        <p:cxnSp>
+          <p:nvCxnSpPr>
+            <p:cNvPr id="49" name="Straight Connector 48">
+              <a:extLst>
+                <a:ext uri="{FF2B5EF4-FFF2-40B4-BE49-F238E27FC236}">
+                  <a16:creationId xmlns:a16="http://schemas.microsoft.com/office/drawing/2014/main" id="{F080C4A3-5D5A-4B1B-0094-B2036309D2E3}"/>
+                </a:ext>
+              </a:extLst>
+            </p:cNvPr>
+            <p:cNvCxnSpPr/>
+            <p:nvPr/>
+          </p:nvCxnSpPr>
+          <p:spPr>
+            <a:xfrm>
+              <a:off x="1447800" y="5257800"/>
+              <a:ext cx="381000" cy="0"/>
+            </a:xfrm>
+            <a:prstGeom prst="line">
+              <a:avLst/>
+            </a:prstGeom>
+            <a:ln w="28575">
+              <a:solidFill>
+                <a:srgbClr val="0000FF"/>
+              </a:solidFill>
+            </a:ln>
+          </p:spPr>
+          <p:style>
+            <a:lnRef idx="1">
+              <a:schemeClr val="accent1"/>
+            </a:lnRef>
+            <a:fillRef idx="0">
+              <a:schemeClr val="accent1"/>
+            </a:fillRef>
+            <a:effectRef idx="0">
+              <a:schemeClr val="accent1"/>
+            </a:effectRef>
+            <a:fontRef idx="minor">
+              <a:schemeClr val="tx1"/>
+            </a:fontRef>
+          </p:style>
+        </p:cxnSp>
+      </p:grpSp>
+      <p:grpSp>
+        <p:nvGrpSpPr>
+          <p:cNvPr id="51" name="Group 50">
+            <a:extLst>
+              <a:ext uri="{FF2B5EF4-FFF2-40B4-BE49-F238E27FC236}">
+                <a16:creationId xmlns:a16="http://schemas.microsoft.com/office/drawing/2014/main" id="{59FCE7B8-CCEA-7F4B-DE63-2FEFD7C8E42F}"/>
+              </a:ext>
+            </a:extLst>
+          </p:cNvPr>
+          <p:cNvGrpSpPr/>
+          <p:nvPr/>
+        </p:nvGrpSpPr>
+        <p:grpSpPr>
+          <a:xfrm>
+            <a:off x="4337049" y="5049335"/>
+            <a:ext cx="381000" cy="369332"/>
+            <a:chOff x="1447800" y="4800600"/>
+            <a:chExt cx="381000" cy="457200"/>
+          </a:xfrm>
+        </p:grpSpPr>
+        <p:cxnSp>
+          <p:nvCxnSpPr>
+            <p:cNvPr id="52" name="Straight Connector 51">
+              <a:extLst>
+                <a:ext uri="{FF2B5EF4-FFF2-40B4-BE49-F238E27FC236}">
+                  <a16:creationId xmlns:a16="http://schemas.microsoft.com/office/drawing/2014/main" id="{2B946AB4-3940-5CDE-D5BF-37AFA9A037B6}"/>
+                </a:ext>
+              </a:extLst>
+            </p:cNvPr>
+            <p:cNvCxnSpPr/>
+            <p:nvPr/>
+          </p:nvCxnSpPr>
+          <p:spPr>
+            <a:xfrm>
+              <a:off x="1447800" y="4800600"/>
+              <a:ext cx="0" cy="457200"/>
+            </a:xfrm>
+            <a:prstGeom prst="line">
+              <a:avLst/>
+            </a:prstGeom>
+            <a:ln w="28575">
+              <a:solidFill>
+                <a:schemeClr val="tx1"/>
+              </a:solidFill>
+            </a:ln>
+          </p:spPr>
+          <p:style>
+            <a:lnRef idx="1">
+              <a:schemeClr val="accent1"/>
+            </a:lnRef>
+            <a:fillRef idx="0">
+              <a:schemeClr val="accent1"/>
+            </a:fillRef>
+            <a:effectRef idx="0">
+              <a:schemeClr val="accent1"/>
+            </a:effectRef>
+            <a:fontRef idx="minor">
+              <a:schemeClr val="tx1"/>
+            </a:fontRef>
+          </p:style>
+        </p:cxnSp>
+        <p:cxnSp>
+          <p:nvCxnSpPr>
+            <p:cNvPr id="53" name="Straight Connector 52">
+              <a:extLst>
+                <a:ext uri="{FF2B5EF4-FFF2-40B4-BE49-F238E27FC236}">
+                  <a16:creationId xmlns:a16="http://schemas.microsoft.com/office/drawing/2014/main" id="{A53388FB-6CF8-DEA1-7C36-9753E40B5D8B}"/>
+                </a:ext>
+              </a:extLst>
+            </p:cNvPr>
+            <p:cNvCxnSpPr/>
+            <p:nvPr/>
+          </p:nvCxnSpPr>
+          <p:spPr>
+            <a:xfrm>
+              <a:off x="1828800" y="4800600"/>
+              <a:ext cx="0" cy="457200"/>
+            </a:xfrm>
+            <a:prstGeom prst="line">
+              <a:avLst/>
+            </a:prstGeom>
+            <a:ln w="28575">
+              <a:solidFill>
+                <a:schemeClr val="tx1"/>
+              </a:solidFill>
+            </a:ln>
+          </p:spPr>
+          <p:style>
+            <a:lnRef idx="1">
+              <a:schemeClr val="accent1"/>
+            </a:lnRef>
+            <a:fillRef idx="0">
+              <a:schemeClr val="accent1"/>
+            </a:fillRef>
+            <a:effectRef idx="0">
+              <a:schemeClr val="accent1"/>
+            </a:effectRef>
+            <a:fontRef idx="minor">
+              <a:schemeClr val="tx1"/>
+            </a:fontRef>
+          </p:style>
+        </p:cxnSp>
+        <p:cxnSp>
+          <p:nvCxnSpPr>
+            <p:cNvPr id="54" name="Straight Connector 53">
+              <a:extLst>
+                <a:ext uri="{FF2B5EF4-FFF2-40B4-BE49-F238E27FC236}">
+                  <a16:creationId xmlns:a16="http://schemas.microsoft.com/office/drawing/2014/main" id="{CE473984-BFFD-856E-7DDA-5138176CC7DD}"/>
+                </a:ext>
+              </a:extLst>
+            </p:cNvPr>
+            <p:cNvCxnSpPr/>
+            <p:nvPr/>
+          </p:nvCxnSpPr>
+          <p:spPr>
+            <a:xfrm>
+              <a:off x="1447800" y="5257800"/>
+              <a:ext cx="381000" cy="0"/>
+            </a:xfrm>
+            <a:prstGeom prst="line">
+              <a:avLst/>
+            </a:prstGeom>
+            <a:ln w="28575">
+              <a:solidFill>
+                <a:schemeClr val="tx1"/>
+              </a:solidFill>
+            </a:ln>
+          </p:spPr>
+          <p:style>
+            <a:lnRef idx="1">
+              <a:schemeClr val="accent1"/>
+            </a:lnRef>
+            <a:fillRef idx="0">
+              <a:schemeClr val="accent1"/>
+            </a:fillRef>
+            <a:effectRef idx="0">
+              <a:schemeClr val="accent1"/>
+            </a:effectRef>
+            <a:fontRef idx="minor">
+              <a:schemeClr val="tx1"/>
+            </a:fontRef>
+          </p:style>
+        </p:cxnSp>
+      </p:grpSp>
+      <p:grpSp>
+        <p:nvGrpSpPr>
+          <p:cNvPr id="55" name="Group 54">
+            <a:extLst>
+              <a:ext uri="{FF2B5EF4-FFF2-40B4-BE49-F238E27FC236}">
+                <a16:creationId xmlns:a16="http://schemas.microsoft.com/office/drawing/2014/main" id="{517A6D27-775D-EEC9-21EF-5343EAB07509}"/>
+              </a:ext>
+            </a:extLst>
+          </p:cNvPr>
+          <p:cNvGrpSpPr/>
+          <p:nvPr/>
+        </p:nvGrpSpPr>
+        <p:grpSpPr>
+          <a:xfrm>
+            <a:off x="6788148" y="3942418"/>
+            <a:ext cx="381000" cy="1476249"/>
+            <a:chOff x="1447800" y="4800600"/>
+            <a:chExt cx="381000" cy="457200"/>
+          </a:xfrm>
+        </p:grpSpPr>
+        <p:cxnSp>
+          <p:nvCxnSpPr>
+            <p:cNvPr id="56" name="Straight Connector 55">
+              <a:extLst>
+                <a:ext uri="{FF2B5EF4-FFF2-40B4-BE49-F238E27FC236}">
+                  <a16:creationId xmlns:a16="http://schemas.microsoft.com/office/drawing/2014/main" id="{D91E8C99-9F24-B5A0-396A-A9F9D2225047}"/>
+                </a:ext>
+              </a:extLst>
+            </p:cNvPr>
+            <p:cNvCxnSpPr/>
+            <p:nvPr/>
+          </p:nvCxnSpPr>
+          <p:spPr>
+            <a:xfrm>
+              <a:off x="1447800" y="4800600"/>
+              <a:ext cx="0" cy="457200"/>
+            </a:xfrm>
+            <a:prstGeom prst="line">
+              <a:avLst/>
+            </a:prstGeom>
+            <a:ln w="28575">
+              <a:solidFill>
+                <a:srgbClr val="FF00FF"/>
+              </a:solidFill>
+            </a:ln>
+          </p:spPr>
+          <p:style>
+            <a:lnRef idx="1">
+              <a:schemeClr val="accent1"/>
+            </a:lnRef>
+            <a:fillRef idx="0">
+              <a:schemeClr val="accent1"/>
+            </a:fillRef>
+            <a:effectRef idx="0">
+              <a:schemeClr val="accent1"/>
+            </a:effectRef>
+            <a:fontRef idx="minor">
+              <a:schemeClr val="tx1"/>
+            </a:fontRef>
+          </p:style>
+        </p:cxnSp>
+        <p:cxnSp>
+          <p:nvCxnSpPr>
+            <p:cNvPr id="57" name="Straight Connector 56">
+              <a:extLst>
+                <a:ext uri="{FF2B5EF4-FFF2-40B4-BE49-F238E27FC236}">
+                  <a16:creationId xmlns:a16="http://schemas.microsoft.com/office/drawing/2014/main" id="{DE49D038-7887-FF9D-D8E3-D580D21DD2AC}"/>
+                </a:ext>
+              </a:extLst>
+            </p:cNvPr>
+            <p:cNvCxnSpPr/>
+            <p:nvPr/>
+          </p:nvCxnSpPr>
+          <p:spPr>
+            <a:xfrm>
+              <a:off x="1828800" y="4800600"/>
+              <a:ext cx="0" cy="457200"/>
+            </a:xfrm>
+            <a:prstGeom prst="line">
+              <a:avLst/>
+            </a:prstGeom>
+            <a:ln w="28575">
+              <a:solidFill>
+                <a:srgbClr val="FF00FF"/>
+              </a:solidFill>
+            </a:ln>
+          </p:spPr>
+          <p:style>
+            <a:lnRef idx="1">
+              <a:schemeClr val="accent1"/>
+            </a:lnRef>
+            <a:fillRef idx="0">
+              <a:schemeClr val="accent1"/>
+            </a:fillRef>
+            <a:effectRef idx="0">
+              <a:schemeClr val="accent1"/>
+            </a:effectRef>
+            <a:fontRef idx="minor">
+              <a:schemeClr val="tx1"/>
+            </a:fontRef>
+          </p:style>
+        </p:cxnSp>
+        <p:cxnSp>
+          <p:nvCxnSpPr>
+            <p:cNvPr id="58" name="Straight Connector 57">
+              <a:extLst>
+                <a:ext uri="{FF2B5EF4-FFF2-40B4-BE49-F238E27FC236}">
+                  <a16:creationId xmlns:a16="http://schemas.microsoft.com/office/drawing/2014/main" id="{8721B60B-4E98-FF50-E947-3C7D7289C74C}"/>
+                </a:ext>
+              </a:extLst>
+            </p:cNvPr>
+            <p:cNvCxnSpPr/>
+            <p:nvPr/>
+          </p:nvCxnSpPr>
+          <p:spPr>
+            <a:xfrm>
+              <a:off x="1447800" y="5257800"/>
+              <a:ext cx="381000" cy="0"/>
+            </a:xfrm>
+            <a:prstGeom prst="line">
+              <a:avLst/>
+            </a:prstGeom>
+            <a:ln w="28575">
+              <a:solidFill>
+                <a:srgbClr val="FF00FF"/>
+              </a:solidFill>
+            </a:ln>
+          </p:spPr>
+          <p:style>
+            <a:lnRef idx="1">
+              <a:schemeClr val="accent1"/>
+            </a:lnRef>
+            <a:fillRef idx="0">
+              <a:schemeClr val="accent1"/>
+            </a:fillRef>
+            <a:effectRef idx="0">
+              <a:schemeClr val="accent1"/>
+            </a:effectRef>
+            <a:fontRef idx="minor">
+              <a:schemeClr val="tx1"/>
+            </a:fontRef>
+          </p:style>
+        </p:cxnSp>
+      </p:grpSp>
+      <p:grpSp>
+        <p:nvGrpSpPr>
+          <p:cNvPr id="59" name="Group 58">
+            <a:extLst>
+              <a:ext uri="{FF2B5EF4-FFF2-40B4-BE49-F238E27FC236}">
+                <a16:creationId xmlns:a16="http://schemas.microsoft.com/office/drawing/2014/main" id="{6E41BAA2-331C-5C0E-75E4-5DBD0FF429B7}"/>
+              </a:ext>
+            </a:extLst>
+          </p:cNvPr>
+          <p:cNvGrpSpPr/>
+          <p:nvPr/>
+        </p:nvGrpSpPr>
+        <p:grpSpPr>
+          <a:xfrm>
+            <a:off x="7205129" y="4496600"/>
+            <a:ext cx="381000" cy="922067"/>
+            <a:chOff x="1447800" y="4800600"/>
+            <a:chExt cx="381000" cy="457200"/>
+          </a:xfrm>
+        </p:grpSpPr>
+        <p:cxnSp>
+          <p:nvCxnSpPr>
+            <p:cNvPr id="60" name="Straight Connector 59">
+              <a:extLst>
+                <a:ext uri="{FF2B5EF4-FFF2-40B4-BE49-F238E27FC236}">
+                  <a16:creationId xmlns:a16="http://schemas.microsoft.com/office/drawing/2014/main" id="{04123D91-8F4E-EB90-C62D-D2E06DDB8F04}"/>
+                </a:ext>
+              </a:extLst>
+            </p:cNvPr>
+            <p:cNvCxnSpPr/>
+            <p:nvPr/>
+          </p:nvCxnSpPr>
+          <p:spPr>
+            <a:xfrm>
+              <a:off x="1447800" y="4800600"/>
+              <a:ext cx="0" cy="457200"/>
+            </a:xfrm>
+            <a:prstGeom prst="line">
+              <a:avLst/>
+            </a:prstGeom>
+            <a:ln w="28575">
+              <a:solidFill>
+                <a:srgbClr val="0000FF"/>
+              </a:solidFill>
+            </a:ln>
+          </p:spPr>
+          <p:style>
+            <a:lnRef idx="1">
+              <a:schemeClr val="accent1"/>
+            </a:lnRef>
+            <a:fillRef idx="0">
+              <a:schemeClr val="accent1"/>
+            </a:fillRef>
+            <a:effectRef idx="0">
+              <a:schemeClr val="accent1"/>
+            </a:effectRef>
+            <a:fontRef idx="minor">
+              <a:schemeClr val="tx1"/>
+            </a:fontRef>
+          </p:style>
+        </p:cxnSp>
+        <p:cxnSp>
+          <p:nvCxnSpPr>
+            <p:cNvPr id="61" name="Straight Connector 60">
+              <a:extLst>
+                <a:ext uri="{FF2B5EF4-FFF2-40B4-BE49-F238E27FC236}">
+                  <a16:creationId xmlns:a16="http://schemas.microsoft.com/office/drawing/2014/main" id="{C9208B13-C0D2-36B5-2AD0-DB6FFD462BC6}"/>
+                </a:ext>
+              </a:extLst>
+            </p:cNvPr>
+            <p:cNvCxnSpPr/>
+            <p:nvPr/>
+          </p:nvCxnSpPr>
+          <p:spPr>
+            <a:xfrm>
+              <a:off x="1828800" y="4800600"/>
+              <a:ext cx="0" cy="457200"/>
+            </a:xfrm>
+            <a:prstGeom prst="line">
+              <a:avLst/>
+            </a:prstGeom>
+            <a:ln w="28575">
+              <a:solidFill>
+                <a:srgbClr val="0000FF"/>
+              </a:solidFill>
+            </a:ln>
+          </p:spPr>
+          <p:style>
+            <a:lnRef idx="1">
+              <a:schemeClr val="accent1"/>
+            </a:lnRef>
+            <a:fillRef idx="0">
+              <a:schemeClr val="accent1"/>
+            </a:fillRef>
+            <a:effectRef idx="0">
+              <a:schemeClr val="accent1"/>
+            </a:effectRef>
+            <a:fontRef idx="minor">
+              <a:schemeClr val="tx1"/>
+            </a:fontRef>
+          </p:style>
+        </p:cxnSp>
+        <p:cxnSp>
+          <p:nvCxnSpPr>
+            <p:cNvPr id="62" name="Straight Connector 61">
+              <a:extLst>
+                <a:ext uri="{FF2B5EF4-FFF2-40B4-BE49-F238E27FC236}">
+                  <a16:creationId xmlns:a16="http://schemas.microsoft.com/office/drawing/2014/main" id="{224D9DE6-FC49-6D7C-428C-E34454062419}"/>
+                </a:ext>
+              </a:extLst>
+            </p:cNvPr>
+            <p:cNvCxnSpPr/>
+            <p:nvPr/>
+          </p:nvCxnSpPr>
+          <p:spPr>
+            <a:xfrm>
+              <a:off x="1447800" y="5257800"/>
+              <a:ext cx="381000" cy="0"/>
+            </a:xfrm>
+            <a:prstGeom prst="line">
+              <a:avLst/>
+            </a:prstGeom>
+            <a:ln w="28575">
+              <a:solidFill>
+                <a:srgbClr val="0000FF"/>
+              </a:solidFill>
+            </a:ln>
+          </p:spPr>
+          <p:style>
+            <a:lnRef idx="1">
+              <a:schemeClr val="accent1"/>
+            </a:lnRef>
+            <a:fillRef idx="0">
+              <a:schemeClr val="accent1"/>
+            </a:fillRef>
+            <a:effectRef idx="0">
+              <a:schemeClr val="accent1"/>
+            </a:effectRef>
+            <a:fontRef idx="minor">
+              <a:schemeClr val="tx1"/>
+            </a:fontRef>
+          </p:style>
+        </p:cxnSp>
+      </p:grpSp>
+      <p:grpSp>
+        <p:nvGrpSpPr>
+          <p:cNvPr id="63" name="Group 62">
+            <a:extLst>
+              <a:ext uri="{FF2B5EF4-FFF2-40B4-BE49-F238E27FC236}">
+                <a16:creationId xmlns:a16="http://schemas.microsoft.com/office/drawing/2014/main" id="{C56C95E7-1DFC-291D-C7E1-8C976DAA847A}"/>
+              </a:ext>
+            </a:extLst>
+          </p:cNvPr>
+          <p:cNvGrpSpPr/>
+          <p:nvPr/>
+        </p:nvGrpSpPr>
+        <p:grpSpPr>
+          <a:xfrm>
+            <a:off x="7619997" y="5049335"/>
+            <a:ext cx="381000" cy="369332"/>
+            <a:chOff x="1447800" y="4800600"/>
+            <a:chExt cx="381000" cy="457200"/>
+          </a:xfrm>
+        </p:grpSpPr>
+        <p:cxnSp>
+          <p:nvCxnSpPr>
+            <p:cNvPr id="64" name="Straight Connector 63">
+              <a:extLst>
+                <a:ext uri="{FF2B5EF4-FFF2-40B4-BE49-F238E27FC236}">
+                  <a16:creationId xmlns:a16="http://schemas.microsoft.com/office/drawing/2014/main" id="{012361C6-1947-8C60-3ACA-8A8933A077EE}"/>
+                </a:ext>
+              </a:extLst>
+            </p:cNvPr>
+            <p:cNvCxnSpPr/>
+            <p:nvPr/>
+          </p:nvCxnSpPr>
+          <p:spPr>
+            <a:xfrm>
+              <a:off x="1447800" y="4800600"/>
+              <a:ext cx="0" cy="457200"/>
+            </a:xfrm>
+            <a:prstGeom prst="line">
+              <a:avLst/>
+            </a:prstGeom>
+            <a:ln w="28575">
+              <a:solidFill>
+                <a:schemeClr val="tx1"/>
+              </a:solidFill>
+            </a:ln>
+          </p:spPr>
+          <p:style>
+            <a:lnRef idx="1">
+              <a:schemeClr val="accent1"/>
+            </a:lnRef>
+            <a:fillRef idx="0">
+              <a:schemeClr val="accent1"/>
+            </a:fillRef>
+            <a:effectRef idx="0">
+              <a:schemeClr val="accent1"/>
+            </a:effectRef>
+            <a:fontRef idx="minor">
+              <a:schemeClr val="tx1"/>
+            </a:fontRef>
+          </p:style>
+        </p:cxnSp>
+        <p:cxnSp>
+          <p:nvCxnSpPr>
+            <p:cNvPr id="65" name="Straight Connector 64">
+              <a:extLst>
+                <a:ext uri="{FF2B5EF4-FFF2-40B4-BE49-F238E27FC236}">
+                  <a16:creationId xmlns:a16="http://schemas.microsoft.com/office/drawing/2014/main" id="{3109520D-B0D1-0890-5528-1048602643C3}"/>
+                </a:ext>
+              </a:extLst>
+            </p:cNvPr>
+            <p:cNvCxnSpPr/>
+            <p:nvPr/>
+          </p:nvCxnSpPr>
+          <p:spPr>
+            <a:xfrm>
+              <a:off x="1828800" y="4800600"/>
+              <a:ext cx="0" cy="457200"/>
+            </a:xfrm>
+            <a:prstGeom prst="line">
+              <a:avLst/>
+            </a:prstGeom>
+            <a:ln w="28575">
+              <a:solidFill>
+                <a:schemeClr val="tx1"/>
+              </a:solidFill>
+            </a:ln>
+          </p:spPr>
+          <p:style>
+            <a:lnRef idx="1">
+              <a:schemeClr val="accent1"/>
+            </a:lnRef>
+            <a:fillRef idx="0">
+              <a:schemeClr val="accent1"/>
+            </a:fillRef>
+            <a:effectRef idx="0">
+              <a:schemeClr val="accent1"/>
+            </a:effectRef>
+            <a:fontRef idx="minor">
+              <a:schemeClr val="tx1"/>
+            </a:fontRef>
+          </p:style>
+        </p:cxnSp>
+        <p:cxnSp>
+          <p:nvCxnSpPr>
+            <p:cNvPr id="66" name="Straight Connector 65">
+              <a:extLst>
+                <a:ext uri="{FF2B5EF4-FFF2-40B4-BE49-F238E27FC236}">
+                  <a16:creationId xmlns:a16="http://schemas.microsoft.com/office/drawing/2014/main" id="{8302C5E7-D5F7-5199-300B-8753D80FA46A}"/>
+                </a:ext>
+              </a:extLst>
+            </p:cNvPr>
+            <p:cNvCxnSpPr/>
+            <p:nvPr/>
+          </p:nvCxnSpPr>
+          <p:spPr>
+            <a:xfrm>
+              <a:off x="1447800" y="5257800"/>
+              <a:ext cx="381000" cy="0"/>
+            </a:xfrm>
+            <a:prstGeom prst="line">
+              <a:avLst/>
+            </a:prstGeom>
+            <a:ln w="28575">
+              <a:solidFill>
+                <a:schemeClr val="tx1"/>
+              </a:solidFill>
+            </a:ln>
+          </p:spPr>
+          <p:style>
+            <a:lnRef idx="1">
+              <a:schemeClr val="accent1"/>
+            </a:lnRef>
+            <a:fillRef idx="0">
+              <a:schemeClr val="accent1"/>
+            </a:fillRef>
+            <a:effectRef idx="0">
+              <a:schemeClr val="accent1"/>
+            </a:effectRef>
+            <a:fontRef idx="minor">
+              <a:schemeClr val="tx1"/>
+            </a:fontRef>
+          </p:style>
+        </p:cxnSp>
+      </p:grpSp>
+      <p:sp>
+        <p:nvSpPr>
+          <p:cNvPr id="67" name="TextBox 66">
+            <a:extLst>
+              <a:ext uri="{FF2B5EF4-FFF2-40B4-BE49-F238E27FC236}">
+                <a16:creationId xmlns:a16="http://schemas.microsoft.com/office/drawing/2014/main" id="{71CCD847-FC5A-FD2B-12F2-F11B1459A395}"/>
+              </a:ext>
+            </a:extLst>
+          </p:cNvPr>
+          <p:cNvSpPr txBox="1"/>
+          <p:nvPr/>
+        </p:nvSpPr>
+        <p:spPr>
+          <a:xfrm>
+            <a:off x="3962400" y="5486400"/>
+            <a:ext cx="441146" cy="369332"/>
+          </a:xfrm>
+          <a:prstGeom prst="rect">
+            <a:avLst/>
+          </a:prstGeom>
+          <a:noFill/>
+        </p:spPr>
+        <p:txBody>
+          <a:bodyPr wrap="none" rtlCol="0">
+            <a:spAutoFit/>
+          </a:bodyPr>
+          <a:lstStyle/>
+          <a:p>
+            <a:r>
+              <a:rPr lang="he-IL" dirty="0"/>
+              <a:t>  2</a:t>
+            </a:r>
+            <a:endParaRPr lang="en-US" dirty="0"/>
+          </a:p>
+        </p:txBody>
+      </p:sp>
+      <p:sp>
+        <p:nvSpPr>
+          <p:cNvPr id="68" name="TextBox 67">
+            <a:extLst>
+              <a:ext uri="{FF2B5EF4-FFF2-40B4-BE49-F238E27FC236}">
+                <a16:creationId xmlns:a16="http://schemas.microsoft.com/office/drawing/2014/main" id="{23948D15-64AF-BCCF-953E-DE43B6D544C8}"/>
+              </a:ext>
+            </a:extLst>
+          </p:cNvPr>
+          <p:cNvSpPr txBox="1"/>
+          <p:nvPr/>
+        </p:nvSpPr>
+        <p:spPr>
+          <a:xfrm>
+            <a:off x="7120459" y="5435598"/>
+            <a:ext cx="453970" cy="369332"/>
+          </a:xfrm>
+          <a:prstGeom prst="rect">
+            <a:avLst/>
+          </a:prstGeom>
+          <a:noFill/>
+        </p:spPr>
+        <p:txBody>
+          <a:bodyPr wrap="none" rtlCol="0">
+            <a:spAutoFit/>
+          </a:bodyPr>
+          <a:lstStyle/>
+          <a:p>
+            <a:r>
+              <a:rPr lang="he-IL" dirty="0"/>
+              <a:t>  </a:t>
+            </a:r>
+            <a:r>
+              <a:rPr lang="en-GB" i="1" dirty="0"/>
+              <a:t>n</a:t>
+            </a:r>
+            <a:endParaRPr lang="en-US" i="1" dirty="0"/>
+          </a:p>
+        </p:txBody>
+      </p:sp>
+      <p:sp>
+        <p:nvSpPr>
+          <p:cNvPr id="69" name="TextBox 68">
+            <a:extLst>
+              <a:ext uri="{FF2B5EF4-FFF2-40B4-BE49-F238E27FC236}">
+                <a16:creationId xmlns:a16="http://schemas.microsoft.com/office/drawing/2014/main" id="{25C5D122-E905-C3FE-5FDF-A67C798A7FBD}"/>
+              </a:ext>
+            </a:extLst>
+          </p:cNvPr>
+          <p:cNvSpPr txBox="1"/>
+          <p:nvPr/>
+        </p:nvSpPr>
+        <p:spPr>
+          <a:xfrm>
+            <a:off x="5002915" y="5261000"/>
+            <a:ext cx="742511" cy="523220"/>
+          </a:xfrm>
+          <a:prstGeom prst="rect">
+            <a:avLst/>
+          </a:prstGeom>
+          <a:noFill/>
+        </p:spPr>
+        <p:txBody>
+          <a:bodyPr wrap="none" rtlCol="0">
+            <a:spAutoFit/>
+          </a:bodyPr>
+          <a:lstStyle/>
+          <a:p>
+            <a:r>
+              <a:rPr lang="he-IL" sz="2800" dirty="0"/>
+              <a:t>  </a:t>
+            </a:r>
+            <a:r>
+              <a:rPr lang="en-GB" sz="2800" dirty="0"/>
+              <a:t>…</a:t>
+            </a:r>
+            <a:endParaRPr lang="en-US" sz="2800" dirty="0"/>
+          </a:p>
+        </p:txBody>
+      </p:sp>
+      <p:grpSp>
+        <p:nvGrpSpPr>
+          <p:cNvPr id="75" name="Group 74">
+            <a:extLst>
+              <a:ext uri="{FF2B5EF4-FFF2-40B4-BE49-F238E27FC236}">
+                <a16:creationId xmlns:a16="http://schemas.microsoft.com/office/drawing/2014/main" id="{179B3A41-EF99-311F-3FC3-27DEC6599BA2}"/>
+              </a:ext>
+            </a:extLst>
+          </p:cNvPr>
+          <p:cNvGrpSpPr/>
+          <p:nvPr/>
+        </p:nvGrpSpPr>
+        <p:grpSpPr>
+          <a:xfrm>
+            <a:off x="4893300" y="1549401"/>
+            <a:ext cx="956340" cy="743202"/>
+            <a:chOff x="4893300" y="1549401"/>
+            <a:chExt cx="956340" cy="743202"/>
+          </a:xfrm>
+        </p:grpSpPr>
+        <p:sp>
+          <p:nvSpPr>
+            <p:cNvPr id="38" name="Oval 37">
+              <a:extLst>
+                <a:ext uri="{FF2B5EF4-FFF2-40B4-BE49-F238E27FC236}">
+                  <a16:creationId xmlns:a16="http://schemas.microsoft.com/office/drawing/2014/main" id="{B559000B-9A6E-7243-80A7-4A5D43ABE40B}"/>
+                </a:ext>
+              </a:extLst>
+            </p:cNvPr>
+            <p:cNvSpPr/>
+            <p:nvPr/>
+          </p:nvSpPr>
+          <p:spPr>
+            <a:xfrm>
+              <a:off x="4893300" y="1923270"/>
+              <a:ext cx="318780" cy="369333"/>
+            </a:xfrm>
+            <a:prstGeom prst="ellipse">
+              <a:avLst/>
+            </a:prstGeom>
+            <a:solidFill>
+              <a:srgbClr val="FF00FF"/>
+            </a:solidFill>
+            <a:ln>
+              <a:noFill/>
+            </a:ln>
+          </p:spPr>
+          <p:style>
+            <a:lnRef idx="2">
+              <a:schemeClr val="accent1">
+                <a:shade val="50000"/>
+              </a:schemeClr>
+            </a:lnRef>
+            <a:fillRef idx="1">
+              <a:schemeClr val="accent1"/>
+            </a:fillRef>
+            <a:effectRef idx="0">
+              <a:schemeClr val="accent1"/>
+            </a:effectRef>
+            <a:fontRef idx="minor">
+              <a:schemeClr val="lt1"/>
+            </a:fontRef>
+          </p:style>
+          <p:txBody>
+            <a:bodyPr rtlCol="0" anchor="ctr"/>
+            <a:lstStyle/>
+            <a:p>
+              <a:pPr algn="ctr"/>
+              <a:endParaRPr lang="en-US"/>
+            </a:p>
+          </p:txBody>
+        </p:sp>
+        <p:sp>
+          <p:nvSpPr>
+            <p:cNvPr id="70" name="Oval 69">
+              <a:extLst>
+                <a:ext uri="{FF2B5EF4-FFF2-40B4-BE49-F238E27FC236}">
+                  <a16:creationId xmlns:a16="http://schemas.microsoft.com/office/drawing/2014/main" id="{CAE63AC4-8160-69DA-7F7A-DDDF579A19C9}"/>
+                </a:ext>
+              </a:extLst>
+            </p:cNvPr>
+            <p:cNvSpPr/>
+            <p:nvPr/>
+          </p:nvSpPr>
+          <p:spPr>
+            <a:xfrm>
+              <a:off x="5212080" y="1923270"/>
+              <a:ext cx="318780" cy="369333"/>
+            </a:xfrm>
+            <a:prstGeom prst="ellipse">
+              <a:avLst/>
+            </a:prstGeom>
+            <a:solidFill>
+              <a:srgbClr val="0000FF"/>
+            </a:solidFill>
+            <a:ln>
+              <a:noFill/>
+            </a:ln>
+          </p:spPr>
+          <p:style>
+            <a:lnRef idx="2">
+              <a:schemeClr val="accent1">
+                <a:shade val="50000"/>
+              </a:schemeClr>
+            </a:lnRef>
+            <a:fillRef idx="1">
+              <a:schemeClr val="accent1"/>
+            </a:fillRef>
+            <a:effectRef idx="0">
+              <a:schemeClr val="accent1"/>
+            </a:effectRef>
+            <a:fontRef idx="minor">
+              <a:schemeClr val="lt1"/>
+            </a:fontRef>
+          </p:style>
+          <p:txBody>
+            <a:bodyPr rtlCol="0" anchor="ctr"/>
+            <a:lstStyle/>
+            <a:p>
+              <a:pPr algn="ctr"/>
+              <a:endParaRPr lang="en-US"/>
+            </a:p>
+          </p:txBody>
+        </p:sp>
+        <p:sp>
+          <p:nvSpPr>
+            <p:cNvPr id="71" name="Oval 70">
+              <a:extLst>
+                <a:ext uri="{FF2B5EF4-FFF2-40B4-BE49-F238E27FC236}">
+                  <a16:creationId xmlns:a16="http://schemas.microsoft.com/office/drawing/2014/main" id="{BAD064E2-D5E9-2BF7-BD08-F012018BA9AB}"/>
+                </a:ext>
+              </a:extLst>
+            </p:cNvPr>
+            <p:cNvSpPr/>
+            <p:nvPr/>
+          </p:nvSpPr>
+          <p:spPr>
+            <a:xfrm>
+              <a:off x="5530860" y="1923270"/>
+              <a:ext cx="318780" cy="369333"/>
+            </a:xfrm>
+            <a:prstGeom prst="ellipse">
+              <a:avLst/>
+            </a:prstGeom>
+            <a:solidFill>
+              <a:schemeClr val="tx1"/>
+            </a:solidFill>
+            <a:ln>
+              <a:noFill/>
+            </a:ln>
+          </p:spPr>
+          <p:style>
+            <a:lnRef idx="2">
+              <a:schemeClr val="accent1">
+                <a:shade val="50000"/>
+              </a:schemeClr>
+            </a:lnRef>
+            <a:fillRef idx="1">
+              <a:schemeClr val="accent1"/>
+            </a:fillRef>
+            <a:effectRef idx="0">
+              <a:schemeClr val="accent1"/>
+            </a:effectRef>
+            <a:fontRef idx="minor">
+              <a:schemeClr val="lt1"/>
+            </a:fontRef>
+          </p:style>
+          <p:txBody>
+            <a:bodyPr rtlCol="0" anchor="ctr"/>
+            <a:lstStyle/>
+            <a:p>
+              <a:pPr algn="ctr"/>
+              <a:endParaRPr lang="en-US"/>
+            </a:p>
+          </p:txBody>
+        </p:sp>
+        <p:sp>
+          <p:nvSpPr>
+            <p:cNvPr id="72" name="Oval 71">
+              <a:extLst>
+                <a:ext uri="{FF2B5EF4-FFF2-40B4-BE49-F238E27FC236}">
+                  <a16:creationId xmlns:a16="http://schemas.microsoft.com/office/drawing/2014/main" id="{DD09C899-AB6F-0AC3-F0BF-A3F4320AE95E}"/>
+                </a:ext>
+              </a:extLst>
+            </p:cNvPr>
+            <p:cNvSpPr/>
+            <p:nvPr/>
+          </p:nvSpPr>
+          <p:spPr>
+            <a:xfrm>
+              <a:off x="5218419" y="1549401"/>
+              <a:ext cx="318780" cy="369333"/>
+            </a:xfrm>
+            <a:prstGeom prst="ellipse">
+              <a:avLst/>
+            </a:prstGeom>
+            <a:solidFill>
+              <a:srgbClr val="0000FF"/>
+            </a:solidFill>
+            <a:ln>
+              <a:noFill/>
+            </a:ln>
+          </p:spPr>
+          <p:style>
+            <a:lnRef idx="2">
+              <a:schemeClr val="accent1">
+                <a:shade val="50000"/>
+              </a:schemeClr>
+            </a:lnRef>
+            <a:fillRef idx="1">
+              <a:schemeClr val="accent1"/>
+            </a:fillRef>
+            <a:effectRef idx="0">
+              <a:schemeClr val="accent1"/>
+            </a:effectRef>
+            <a:fontRef idx="minor">
+              <a:schemeClr val="lt1"/>
+            </a:fontRef>
+          </p:style>
+          <p:txBody>
+            <a:bodyPr rtlCol="0" anchor="ctr"/>
+            <a:lstStyle/>
+            <a:p>
+              <a:pPr algn="ctr"/>
+              <a:endParaRPr lang="en-US"/>
+            </a:p>
+          </p:txBody>
+        </p:sp>
+      </p:grpSp>
+      <p:sp>
+        <p:nvSpPr>
+          <p:cNvPr id="73" name="Oval 72">
+            <a:extLst>
+              <a:ext uri="{FF2B5EF4-FFF2-40B4-BE49-F238E27FC236}">
+                <a16:creationId xmlns:a16="http://schemas.microsoft.com/office/drawing/2014/main" id="{BDC69659-78C8-0F91-63CA-1591D32CAE29}"/>
+              </a:ext>
+            </a:extLst>
+          </p:cNvPr>
+          <p:cNvSpPr/>
+          <p:nvPr/>
+        </p:nvSpPr>
+        <p:spPr>
+          <a:xfrm>
+            <a:off x="3962400" y="5040867"/>
+            <a:ext cx="318780" cy="369333"/>
+          </a:xfrm>
+          <a:prstGeom prst="ellipse">
+            <a:avLst/>
+          </a:prstGeom>
+          <a:solidFill>
+            <a:srgbClr val="0000FF"/>
+          </a:solidFill>
+          <a:ln>
+            <a:noFill/>
+          </a:ln>
+        </p:spPr>
+        <p:style>
+          <a:lnRef idx="2">
+            <a:schemeClr val="accent1">
+              <a:shade val="50000"/>
+            </a:schemeClr>
+          </a:lnRef>
+          <a:fillRef idx="1">
+            <a:schemeClr val="accent1"/>
+          </a:fillRef>
+          <a:effectRef idx="0">
+            <a:schemeClr val="accent1"/>
+          </a:effectRef>
+          <a:fontRef idx="minor">
+            <a:schemeClr val="lt1"/>
+          </a:fontRef>
+        </p:style>
+        <p:txBody>
+          <a:bodyPr rtlCol="0" anchor="ctr"/>
+          <a:lstStyle/>
+          <a:p>
+            <a:pPr algn="ctr"/>
+            <a:endParaRPr lang="en-US"/>
+          </a:p>
+        </p:txBody>
+      </p:sp>
+      <p:sp>
+        <p:nvSpPr>
+          <p:cNvPr id="74" name="Oval 73">
+            <a:extLst>
+              <a:ext uri="{FF2B5EF4-FFF2-40B4-BE49-F238E27FC236}">
+                <a16:creationId xmlns:a16="http://schemas.microsoft.com/office/drawing/2014/main" id="{4CF76FB5-4BBC-EE43-EE93-FDD63CD8EF9F}"/>
+              </a:ext>
+            </a:extLst>
+          </p:cNvPr>
+          <p:cNvSpPr/>
+          <p:nvPr/>
+        </p:nvSpPr>
+        <p:spPr>
+          <a:xfrm>
+            <a:off x="7233487" y="5029200"/>
+            <a:ext cx="318780" cy="369333"/>
+          </a:xfrm>
+          <a:prstGeom prst="ellipse">
+            <a:avLst/>
+          </a:prstGeom>
+          <a:solidFill>
+            <a:srgbClr val="0000FF"/>
+          </a:solidFill>
+          <a:ln>
+            <a:noFill/>
+          </a:ln>
+        </p:spPr>
+        <p:style>
+          <a:lnRef idx="2">
+            <a:schemeClr val="accent1">
+              <a:shade val="50000"/>
+            </a:schemeClr>
+          </a:lnRef>
+          <a:fillRef idx="1">
+            <a:schemeClr val="accent1"/>
+          </a:fillRef>
+          <a:effectRef idx="0">
+            <a:schemeClr val="accent1"/>
+          </a:effectRef>
+          <a:fontRef idx="minor">
+            <a:schemeClr val="lt1"/>
+          </a:fontRef>
+        </p:style>
+        <p:txBody>
+          <a:bodyPr rtlCol="0" anchor="ctr"/>
+          <a:lstStyle/>
+          <a:p>
+            <a:pPr algn="ctr"/>
+            <a:endParaRPr lang="en-US"/>
+          </a:p>
+        </p:txBody>
+      </p:sp>
+    </p:spTree>
+    <p:extLst>
+      <p:ext uri="{BB962C8B-B14F-4D97-AF65-F5344CB8AC3E}">
+        <p14:creationId xmlns:p14="http://schemas.microsoft.com/office/powerpoint/2010/main" val="2151922266"/>
+      </p:ext>
+    </p:extLst>
+  </p:cSld>
+  <p:clrMapOvr>
+    <a:masterClrMapping/>
+  </p:clrMapOvr>
+  <p:timing>
+    <p:tnLst>
+      <p:par>
+        <p:cTn id="1" dur="indefinite" restart="never" nodeType="tmRoot">
+          <p:childTnLst>
+            <p:seq concurrent="1" nextAc="seek">
+              <p:cTn id="2" dur="indefinite" nodeType="mainSeq">
+                <p:childTnLst>
+                  <p:par>
+                    <p:cTn id="3" fill="hold">
+                      <p:stCondLst>
+                        <p:cond delay="indefinite"/>
+                      </p:stCondLst>
+                      <p:childTnLst>
+                        <p:par>
+                          <p:cTn id="4" fill="hold">
+                            <p:stCondLst>
+                              <p:cond delay="0"/>
+                            </p:stCondLst>
+                            <p:childTnLst>
+                              <p:par>
+                                <p:cTn id="5" presetID="2" presetClass="entr" presetSubtype="1" fill="hold" nodeType="clickEffect">
+                                  <p:stCondLst>
+                                    <p:cond delay="0"/>
+                                  </p:stCondLst>
+                                  <p:childTnLst>
+                                    <p:set>
+                                      <p:cBhvr>
+                                        <p:cTn id="6" dur="1" fill="hold">
+                                          <p:stCondLst>
+                                            <p:cond delay="0"/>
+                                          </p:stCondLst>
+                                        </p:cTn>
+                                        <p:tgtEl>
+                                          <p:spTgt spid="75"/>
+                                        </p:tgtEl>
+                                        <p:attrNameLst>
+                                          <p:attrName>style.visibility</p:attrName>
+                                        </p:attrNameLst>
+                                      </p:cBhvr>
+                                      <p:to>
+                                        <p:strVal val="visible"/>
+                                      </p:to>
+                                    </p:set>
+                                    <p:anim calcmode="lin" valueType="num">
+                                      <p:cBhvr additive="base">
+                                        <p:cTn id="7" dur="500" fill="hold"/>
+                                        <p:tgtEl>
+                                          <p:spTgt spid="75"/>
+                                        </p:tgtEl>
+                                        <p:attrNameLst>
+                                          <p:attrName>ppt_x</p:attrName>
+                                        </p:attrNameLst>
+                                      </p:cBhvr>
+                                      <p:tavLst>
+                                        <p:tav tm="0">
+                                          <p:val>
+                                            <p:strVal val="#ppt_x"/>
+                                          </p:val>
+                                        </p:tav>
+                                        <p:tav tm="100000">
+                                          <p:val>
+                                            <p:strVal val="#ppt_x"/>
+                                          </p:val>
+                                        </p:tav>
+                                      </p:tavLst>
+                                    </p:anim>
+                                    <p:anim calcmode="lin" valueType="num">
+                                      <p:cBhvr additive="base">
+                                        <p:cTn id="8" dur="500" fill="hold"/>
+                                        <p:tgtEl>
+                                          <p:spTgt spid="75"/>
+                                        </p:tgtEl>
+                                        <p:attrNameLst>
+                                          <p:attrName>ppt_y</p:attrName>
+                                        </p:attrNameLst>
+                                      </p:cBhvr>
+                                      <p:tavLst>
+                                        <p:tav tm="0">
+                                          <p:val>
+                                            <p:strVal val="0-#ppt_h/2"/>
+                                          </p:val>
+                                        </p:tav>
+                                        <p:tav tm="100000">
+                                          <p:val>
+                                            <p:strVal val="#ppt_y"/>
+                                          </p:val>
+                                        </p:tav>
+                                      </p:tavLst>
+                                    </p:anim>
+                                  </p:childTnLst>
+                                </p:cTn>
+                              </p:par>
+                            </p:childTnLst>
+                          </p:cTn>
+                        </p:par>
+                      </p:childTnLst>
+                    </p:cTn>
+                  </p:par>
+                </p:childTnLst>
+              </p:cTn>
+              <p:prevCondLst>
+                <p:cond evt="onPrev" delay="0">
+                  <p:tgtEl>
+                    <p:sldTgt/>
+                  </p:tgtEl>
+                </p:cond>
+              </p:prevCondLst>
+              <p:nextCondLst>
+                <p:cond evt="onNext" delay="0">
+                  <p:tgtEl>
+                    <p:sldTgt/>
+                  </p:tgtEl>
+                </p:cond>
+              </p:nextCondLst>
+            </p:seq>
+          </p:childTnLst>
+        </p:cTn>
+      </p:par>
+    </p:tnLst>
+  </p:timing>
+</p:sld>
+</file>
+
+<file path=ppt/slides/slide29.xml><?xml version="1.0" encoding="utf-8"?>
 <p:sld xmlns:a="http://schemas.openxmlformats.org/drawingml/2006/main" xmlns:r="http://schemas.openxmlformats.org/officeDocument/2006/relationships" xmlns:p="http://schemas.openxmlformats.org/presentationml/2006/main">
   <p:cSld>
     <p:spTree>
@@ -33329,7 +35573,7 @@
 </p:sld>
 </file>
 
-<file path=ppt/slides/slide29.xml><?xml version="1.0" encoding="utf-8"?>
+<file path=ppt/slides/slide3.xml><?xml version="1.0" encoding="utf-8"?>
 <p:sld xmlns:a="http://schemas.openxmlformats.org/drawingml/2006/main" xmlns:r="http://schemas.openxmlformats.org/officeDocument/2006/relationships" xmlns:p="http://schemas.openxmlformats.org/presentationml/2006/main">
   <p:cSld>
     <p:spTree>
@@ -33369,17 +35613,8 @@
           <a:p>
             <a:r>
               <a:rPr lang="en-US" sz="3400" dirty="0"/>
-              <a:t>A</a:t>
+              <a:t>Motivation</a:t>
             </a:r>
-            <a:r>
-              <a:rPr lang="en-GB" sz="3400" dirty="0" err="1"/>
-              <a:t>lternative</a:t>
-            </a:r>
-            <a:r>
-              <a:rPr lang="en-GB" sz="3400" dirty="0"/>
-              <a:t> approaches</a:t>
-            </a:r>
-            <a:endParaRPr lang="en-US" sz="3400" dirty="0"/>
           </a:p>
         </p:txBody>
       </p:sp>
@@ -33429,22 +35664,13 @@
             <p:ph type="body" sz="quarter" idx="13"/>
           </p:nvPr>
         </p:nvSpPr>
-        <p:spPr>
-          <a:xfrm>
-            <a:off x="9525" y="3429000"/>
-            <a:ext cx="1143000" cy="1143000"/>
-          </a:xfrm>
-        </p:spPr>
+        <p:spPr/>
         <p:txBody>
           <a:bodyPr/>
           <a:lstStyle/>
           <a:p>
             <a:r>
-              <a:rPr lang="en-US" sz="1100" dirty="0">
-                <a:solidFill>
-                  <a:schemeClr val="bg2"/>
-                </a:solidFill>
-              </a:rPr>
+              <a:rPr lang="en-US" sz="1100" b="1" dirty="0"/>
               <a:t>Motivation</a:t>
             </a:r>
           </a:p>
@@ -33480,7 +35706,11 @@
           </a:p>
           <a:p>
             <a:r>
-              <a:rPr lang="en-US" sz="1100" b="1" dirty="0"/>
+              <a:rPr lang="en-US" sz="1100" dirty="0">
+                <a:solidFill>
+                  <a:schemeClr val="bg2"/>
+                </a:solidFill>
+              </a:rPr>
               <a:t>Summary</a:t>
             </a:r>
           </a:p>
@@ -33625,85 +35855,57 @@
           </a:p>
         </p:txBody>
       </p:sp>
-      <p:sp>
-        <p:nvSpPr>
-          <p:cNvPr id="2" name="Content Placeholder 12">
+      <p:pic>
+        <p:nvPicPr>
+          <p:cNvPr id="4098" name="Picture 2" descr="למה מצויה – ויקיפדיה">
             <a:extLst>
               <a:ext uri="{FF2B5EF4-FFF2-40B4-BE49-F238E27FC236}">
-                <a16:creationId xmlns:a16="http://schemas.microsoft.com/office/drawing/2014/main" id="{7DB9547F-E35D-2DF9-B022-A9A26B6B8706}"/>
+                <a16:creationId xmlns:a16="http://schemas.microsoft.com/office/drawing/2014/main" id="{DF4BA195-A4F3-86D9-18CB-E872F099BD24}"/>
               </a:ext>
             </a:extLst>
           </p:cNvPr>
-          <p:cNvSpPr>
-            <a:spLocks noGrp="1"/>
-          </p:cNvSpPr>
-          <p:nvPr>
-            <p:ph idx="1"/>
-          </p:nvPr>
-        </p:nvSpPr>
-        <p:spPr>
+          <p:cNvPicPr>
+            <a:picLocks noChangeAspect="1" noChangeArrowheads="1"/>
+          </p:cNvPicPr>
+          <p:nvPr/>
+        </p:nvPicPr>
+        <p:blipFill>
+          <a:blip r:embed="rId3">
+            <a:extLst>
+              <a:ext uri="{28A0092B-C50C-407E-A947-70E740481C1C}">
+                <a14:useLocalDpi xmlns:a14="http://schemas.microsoft.com/office/drawing/2010/main" val="0"/>
+              </a:ext>
+            </a:extLst>
+          </a:blip>
+          <a:srcRect/>
+          <a:stretch>
+            <a:fillRect/>
+          </a:stretch>
+        </p:blipFill>
+        <p:spPr bwMode="auto">
           <a:xfrm>
-            <a:off x="1143000" y="1600200"/>
-            <a:ext cx="7696200" cy="5029200"/>
+            <a:off x="2301875" y="1544419"/>
+            <a:ext cx="4540250" cy="5295324"/>
           </a:xfrm>
+          <a:prstGeom prst="rect">
+            <a:avLst/>
+          </a:prstGeom>
+          <a:noFill/>
+          <a:extLst>
+            <a:ext uri="{909E8E84-426E-40DD-AFC4-6F175D3DCCD1}">
+              <a14:hiddenFill xmlns:a14="http://schemas.microsoft.com/office/drawing/2010/main">
+                <a:solidFill>
+                  <a:srgbClr val="FFFFFF"/>
+                </a:solidFill>
+              </a14:hiddenFill>
+            </a:ext>
+          </a:extLst>
         </p:spPr>
-        <p:txBody>
-          <a:bodyPr/>
-          <a:lstStyle/>
-          <a:p>
-            <a:r>
-              <a:rPr lang="en-US" sz="3200" dirty="0"/>
-              <a:t>Use cached state snapshots </a:t>
-            </a:r>
-            <a:r>
-              <a:rPr lang="en-US" sz="2400" dirty="0"/>
-              <a:t>[ASC]</a:t>
-            </a:r>
-          </a:p>
-          <a:p>
-            <a:r>
-              <a:rPr lang="en-US" sz="3200" dirty="0"/>
-              <a:t>Reversing the supermarket </a:t>
-            </a:r>
-            <a:r>
-              <a:rPr lang="en-US" sz="2400" dirty="0">
-                <a:latin typeface="+mj-lt"/>
-              </a:rPr>
-              <a:t>[Nahir’16]</a:t>
-            </a:r>
-            <a:endParaRPr lang="en-US" dirty="0">
-              <a:latin typeface="+mj-lt"/>
-            </a:endParaRPr>
-          </a:p>
-          <a:p>
-            <a:pPr lvl="1"/>
-            <a:r>
-              <a:rPr lang="en-US" sz="3200" dirty="0"/>
-              <a:t>Save energy by assuring load in [</a:t>
-            </a:r>
-            <a:r>
-              <a:rPr lang="en-US" sz="3200" dirty="0" err="1"/>
-              <a:t>low_th</a:t>
-            </a:r>
-            <a:r>
-              <a:rPr lang="en-US" sz="3200" dirty="0"/>
-              <a:t>, </a:t>
-            </a:r>
-            <a:r>
-              <a:rPr lang="en-US" sz="3200" dirty="0" err="1"/>
-              <a:t>high_th</a:t>
-            </a:r>
-            <a:r>
-              <a:rPr lang="en-US" sz="3200" dirty="0"/>
-              <a:t>]</a:t>
-            </a:r>
-          </a:p>
-        </p:txBody>
-      </p:sp>
+      </p:pic>
     </p:spTree>
     <p:extLst>
       <p:ext uri="{BB962C8B-B14F-4D97-AF65-F5344CB8AC3E}">
-        <p14:creationId xmlns:p14="http://schemas.microsoft.com/office/powerpoint/2010/main" val="1600590283"/>
+        <p14:creationId xmlns:p14="http://schemas.microsoft.com/office/powerpoint/2010/main" val="2432591808"/>
       </p:ext>
     </p:extLst>
   </p:cSld>
@@ -33713,7 +35915,7 @@
 </p:sld>
 </file>
 
-<file path=ppt/slides/slide3.xml><?xml version="1.0" encoding="utf-8"?>
+<file path=ppt/slides/slide30.xml><?xml version="1.0" encoding="utf-8"?>
 <p:sld xmlns:a="http://schemas.openxmlformats.org/drawingml/2006/main" xmlns:r="http://schemas.openxmlformats.org/officeDocument/2006/relationships" xmlns:p="http://schemas.openxmlformats.org/presentationml/2006/main">
   <p:cSld>
     <p:spTree>
@@ -33753,8 +35955,17 @@
           <a:p>
             <a:r>
               <a:rPr lang="en-US" sz="3400" dirty="0"/>
-              <a:t>Motivation</a:t>
+              <a:t>A</a:t>
             </a:r>
+            <a:r>
+              <a:rPr lang="en-GB" sz="3400" dirty="0" err="1"/>
+              <a:t>lternative</a:t>
+            </a:r>
+            <a:r>
+              <a:rPr lang="en-GB" sz="3400" dirty="0"/>
+              <a:t> approaches</a:t>
+            </a:r>
+            <a:endParaRPr lang="en-US" sz="3400" dirty="0"/>
           </a:p>
         </p:txBody>
       </p:sp>
@@ -33804,13 +36015,22 @@
             <p:ph type="body" sz="quarter" idx="13"/>
           </p:nvPr>
         </p:nvSpPr>
-        <p:spPr/>
+        <p:spPr>
+          <a:xfrm>
+            <a:off x="9525" y="3429000"/>
+            <a:ext cx="1143000" cy="1143000"/>
+          </a:xfrm>
+        </p:spPr>
         <p:txBody>
           <a:bodyPr/>
           <a:lstStyle/>
           <a:p>
             <a:r>
-              <a:rPr lang="en-US" sz="1100" b="1" dirty="0"/>
+              <a:rPr lang="en-US" sz="1100" dirty="0">
+                <a:solidFill>
+                  <a:schemeClr val="bg2"/>
+                </a:solidFill>
+              </a:rPr>
               <a:t>Motivation</a:t>
             </a:r>
           </a:p>
@@ -33846,11 +36066,7 @@
           </a:p>
           <a:p>
             <a:r>
-              <a:rPr lang="en-US" sz="1100" dirty="0">
-                <a:solidFill>
-                  <a:schemeClr val="bg2"/>
-                </a:solidFill>
-              </a:rPr>
+              <a:rPr lang="en-US" sz="1100" b="1" dirty="0"/>
               <a:t>Summary</a:t>
             </a:r>
           </a:p>
@@ -33995,67 +36211,205 @@
           </a:p>
         </p:txBody>
       </p:sp>
-      <p:pic>
-        <p:nvPicPr>
-          <p:cNvPr id="4098" name="Picture 2" descr="למה מצויה – ויקיפדיה">
+      <p:sp>
+        <p:nvSpPr>
+          <p:cNvPr id="2" name="Content Placeholder 12">
             <a:extLst>
               <a:ext uri="{FF2B5EF4-FFF2-40B4-BE49-F238E27FC236}">
-                <a16:creationId xmlns:a16="http://schemas.microsoft.com/office/drawing/2014/main" id="{DF4BA195-A4F3-86D9-18CB-E872F099BD24}"/>
+                <a16:creationId xmlns:a16="http://schemas.microsoft.com/office/drawing/2014/main" id="{7DB9547F-E35D-2DF9-B022-A9A26B6B8706}"/>
               </a:ext>
             </a:extLst>
           </p:cNvPr>
-          <p:cNvPicPr>
-            <a:picLocks noChangeAspect="1" noChangeArrowheads="1"/>
-          </p:cNvPicPr>
-          <p:nvPr/>
-        </p:nvPicPr>
-        <p:blipFill>
-          <a:blip r:embed="rId3">
-            <a:extLst>
-              <a:ext uri="{28A0092B-C50C-407E-A947-70E740481C1C}">
-                <a14:useLocalDpi xmlns:a14="http://schemas.microsoft.com/office/drawing/2010/main" val="0"/>
-              </a:ext>
-            </a:extLst>
-          </a:blip>
-          <a:srcRect/>
-          <a:stretch>
-            <a:fillRect/>
-          </a:stretch>
-        </p:blipFill>
-        <p:spPr bwMode="auto">
+          <p:cNvSpPr>
+            <a:spLocks noGrp="1"/>
+          </p:cNvSpPr>
+          <p:nvPr>
+            <p:ph idx="1"/>
+          </p:nvPr>
+        </p:nvSpPr>
+        <p:spPr>
           <a:xfrm>
-            <a:off x="2301875" y="1544419"/>
-            <a:ext cx="4540250" cy="5295324"/>
+            <a:off x="1143000" y="1600200"/>
+            <a:ext cx="7696200" cy="5029200"/>
           </a:xfrm>
-          <a:prstGeom prst="rect">
-            <a:avLst/>
-          </a:prstGeom>
-          <a:noFill/>
-          <a:extLst>
-            <a:ext uri="{909E8E84-426E-40DD-AFC4-6F175D3DCCD1}">
-              <a14:hiddenFill xmlns:a14="http://schemas.microsoft.com/office/drawing/2010/main">
-                <a:solidFill>
-                  <a:srgbClr val="FFFFFF"/>
-                </a:solidFill>
-              </a14:hiddenFill>
-            </a:ext>
-          </a:extLst>
         </p:spPr>
-      </p:pic>
+        <p:txBody>
+          <a:bodyPr/>
+          <a:lstStyle/>
+          <a:p>
+            <a:r>
+              <a:rPr lang="en-US" sz="3200" dirty="0"/>
+              <a:t>Use cached state snapshots </a:t>
+            </a:r>
+            <a:r>
+              <a:rPr lang="en-US" sz="2400" dirty="0"/>
+              <a:t>[ASC]</a:t>
+            </a:r>
+          </a:p>
+          <a:p>
+            <a:r>
+              <a:rPr lang="en-US" sz="3200" dirty="0"/>
+              <a:t>Reversing the supermarket </a:t>
+            </a:r>
+            <a:r>
+              <a:rPr lang="en-US" sz="2400" dirty="0">
+                <a:latin typeface="+mj-lt"/>
+              </a:rPr>
+              <a:t>[Nahir’16]</a:t>
+            </a:r>
+            <a:endParaRPr lang="en-US" dirty="0">
+              <a:latin typeface="+mj-lt"/>
+            </a:endParaRPr>
+          </a:p>
+          <a:p>
+            <a:pPr lvl="1"/>
+            <a:r>
+              <a:rPr lang="en-US" sz="3200" dirty="0"/>
+              <a:t>Save energy by assuring load in [</a:t>
+            </a:r>
+            <a:r>
+              <a:rPr lang="en-US" sz="3200" dirty="0" err="1"/>
+              <a:t>low_th</a:t>
+            </a:r>
+            <a:r>
+              <a:rPr lang="en-US" sz="3200" dirty="0"/>
+              <a:t>, </a:t>
+            </a:r>
+            <a:r>
+              <a:rPr lang="en-US" sz="3200" dirty="0" err="1"/>
+              <a:t>high_th</a:t>
+            </a:r>
+            <a:r>
+              <a:rPr lang="en-US" sz="3200" dirty="0"/>
+              <a:t>]</a:t>
+            </a:r>
+          </a:p>
+        </p:txBody>
+      </p:sp>
     </p:spTree>
     <p:extLst>
       <p:ext uri="{BB962C8B-B14F-4D97-AF65-F5344CB8AC3E}">
-        <p14:creationId xmlns:p14="http://schemas.microsoft.com/office/powerpoint/2010/main" val="2432591808"/>
+        <p14:creationId xmlns:p14="http://schemas.microsoft.com/office/powerpoint/2010/main" val="1600590283"/>
       </p:ext>
     </p:extLst>
   </p:cSld>
   <p:clrMapOvr>
     <a:masterClrMapping/>
   </p:clrMapOvr>
+  <p:timing>
+    <p:tnLst>
+      <p:par>
+        <p:cTn id="1" dur="indefinite" restart="never" nodeType="tmRoot">
+          <p:childTnLst>
+            <p:seq concurrent="1" nextAc="seek">
+              <p:cTn id="2" dur="indefinite" nodeType="mainSeq">
+                <p:childTnLst>
+                  <p:par>
+                    <p:cTn id="3" fill="hold">
+                      <p:stCondLst>
+                        <p:cond delay="indefinite"/>
+                      </p:stCondLst>
+                      <p:childTnLst>
+                        <p:par>
+                          <p:cTn id="4" fill="hold">
+                            <p:stCondLst>
+                              <p:cond delay="0"/>
+                            </p:stCondLst>
+                            <p:childTnLst>
+                              <p:par>
+                                <p:cTn id="5" presetID="1" presetClass="entr" presetSubtype="0" fill="hold" nodeType="clickEffect">
+                                  <p:stCondLst>
+                                    <p:cond delay="0"/>
+                                  </p:stCondLst>
+                                  <p:childTnLst>
+                                    <p:set>
+                                      <p:cBhvr>
+                                        <p:cTn id="6" dur="1" fill="hold">
+                                          <p:stCondLst>
+                                            <p:cond delay="0"/>
+                                          </p:stCondLst>
+                                        </p:cTn>
+                                        <p:tgtEl>
+                                          <p:spTgt spid="2">
+                                            <p:txEl>
+                                              <p:pRg st="1" end="1"/>
+                                            </p:txEl>
+                                          </p:spTgt>
+                                        </p:tgtEl>
+                                        <p:attrNameLst>
+                                          <p:attrName>style.visibility</p:attrName>
+                                        </p:attrNameLst>
+                                      </p:cBhvr>
+                                      <p:to>
+                                        <p:strVal val="visible"/>
+                                      </p:to>
+                                    </p:set>
+                                  </p:childTnLst>
+                                </p:cTn>
+                              </p:par>
+                              <p:par>
+                                <p:cTn id="7" presetID="1" presetClass="entr" presetSubtype="0" fill="hold" nodeType="withEffect">
+                                  <p:stCondLst>
+                                    <p:cond delay="0"/>
+                                  </p:stCondLst>
+                                  <p:childTnLst>
+                                    <p:set>
+                                      <p:cBhvr>
+                                        <p:cTn id="8" dur="1" fill="hold">
+                                          <p:stCondLst>
+                                            <p:cond delay="0"/>
+                                          </p:stCondLst>
+                                        </p:cTn>
+                                        <p:tgtEl>
+                                          <p:spTgt spid="2">
+                                            <p:txEl>
+                                              <p:pRg st="2" end="2"/>
+                                            </p:txEl>
+                                          </p:spTgt>
+                                        </p:tgtEl>
+                                        <p:attrNameLst>
+                                          <p:attrName>style.visibility</p:attrName>
+                                        </p:attrNameLst>
+                                      </p:cBhvr>
+                                      <p:to>
+                                        <p:strVal val="visible"/>
+                                      </p:to>
+                                    </p:set>
+                                  </p:childTnLst>
+                                </p:cTn>
+                              </p:par>
+                            </p:childTnLst>
+                          </p:cTn>
+                        </p:par>
+                      </p:childTnLst>
+                    </p:cTn>
+                  </p:par>
+                </p:childTnLst>
+              </p:cTn>
+              <p:prevCondLst>
+                <p:cond evt="onPrev" delay="0">
+                  <p:tgtEl>
+                    <p:sldTgt/>
+                  </p:tgtEl>
+                </p:cond>
+              </p:prevCondLst>
+              <p:nextCondLst>
+                <p:cond evt="onNext" delay="0">
+                  <p:tgtEl>
+                    <p:sldTgt/>
+                  </p:tgtEl>
+                </p:cond>
+              </p:nextCondLst>
+            </p:seq>
+          </p:childTnLst>
+        </p:cTn>
+      </p:par>
+    </p:tnLst>
+  </p:timing>
 </p:sld>
 </file>
 
-<file path=ppt/slides/slide30.xml><?xml version="1.0" encoding="utf-8"?>
+<file path=ppt/slides/slide31.xml><?xml version="1.0" encoding="utf-8"?>
 <p:sld xmlns:a="http://schemas.openxmlformats.org/drawingml/2006/main" xmlns:r="http://schemas.openxmlformats.org/officeDocument/2006/relationships" xmlns:p="http://schemas.openxmlformats.org/presentationml/2006/main">
   <p:cSld>
     <p:spTree>
@@ -34478,7 +36832,7 @@
 </p:sld>
 </file>
 
-<file path=ppt/slides/slide31.xml><?xml version="1.0" encoding="utf-8"?>
+<file path=ppt/slides/slide32.xml><?xml version="1.0" encoding="utf-8"?>
 <p:sld xmlns:a="http://schemas.openxmlformats.org/drawingml/2006/main" xmlns:r="http://schemas.openxmlformats.org/officeDocument/2006/relationships" xmlns:p="http://schemas.openxmlformats.org/presentationml/2006/main">
   <p:cSld>
     <p:spTree>
@@ -36579,7 +38933,7 @@
         </p:blipFill>
         <p:spPr bwMode="auto">
           <a:xfrm>
-            <a:off x="5353050" y="2771174"/>
+            <a:off x="5353050" y="2764350"/>
             <a:ext cx="1194570" cy="543526"/>
           </a:xfrm>
           <a:prstGeom prst="rect">
@@ -38771,14 +41125,7 @@
             <a:pPr lvl="1"/>
             <a:r>
               <a:rPr lang="en-US" dirty="0"/>
-              <a:t>Uniform balls</a:t>
-            </a:r>
-          </a:p>
-          <a:p>
-            <a:pPr lvl="1"/>
-            <a:r>
-              <a:rPr lang="en-US" dirty="0"/>
-              <a:t>Uniform bins</a:t>
+              <a:t>Uniform balls, bins</a:t>
             </a:r>
           </a:p>
         </p:txBody>
